--- a/Planung/04_Resultate/Resultate.pptx
+++ b/Planung/04_Resultate/Resultate.pptx
@@ -9,15 +9,15 @@
   </p:notesMasterIdLst>
   <p:sldIdLst>
     <p:sldId id="256" r:id="rId2"/>
-    <p:sldId id="258" r:id="rId3"/>
-    <p:sldId id="267" r:id="rId4"/>
+    <p:sldId id="280" r:id="rId3"/>
+    <p:sldId id="258" r:id="rId4"/>
     <p:sldId id="271" r:id="rId5"/>
     <p:sldId id="272" r:id="rId6"/>
-    <p:sldId id="273" r:id="rId7"/>
-    <p:sldId id="274" r:id="rId8"/>
-    <p:sldId id="275" r:id="rId9"/>
-    <p:sldId id="277" r:id="rId10"/>
-    <p:sldId id="276" r:id="rId11"/>
+    <p:sldId id="275" r:id="rId7"/>
+    <p:sldId id="277" r:id="rId8"/>
+    <p:sldId id="276" r:id="rId9"/>
+    <p:sldId id="278" r:id="rId10"/>
+    <p:sldId id="279" r:id="rId11"/>
     <p:sldId id="266" r:id="rId12"/>
   </p:sldIdLst>
   <p:sldSz cx="10080625" cy="7559675"/>
@@ -187,6 +187,36 @@
       </a:defRPr>
     </a:lvl9pPr>
   </p:defaultTextStyle>
+  <p:extLst>
+    <p:ext uri="{EFAFB233-063F-42B5-8137-9DF3F51BA10A}">
+      <p15:sldGuideLst xmlns:p15="http://schemas.microsoft.com/office/powerpoint/2012/main">
+        <p15:guide id="1" orient="horz" pos="2160">
+          <p15:clr>
+            <a:srgbClr val="A4A3A4"/>
+          </p15:clr>
+        </p15:guide>
+        <p15:guide id="2" pos="2880">
+          <p15:clr>
+            <a:srgbClr val="A4A3A4"/>
+          </p15:clr>
+        </p15:guide>
+      </p15:sldGuideLst>
+    </p:ext>
+    <p:ext uri="{2D200454-40CA-4A62-9FC3-DE9A4176ACB9}">
+      <p15:notesGuideLst xmlns:p15="http://schemas.microsoft.com/office/powerpoint/2012/main">
+        <p15:guide id="1" orient="horz" pos="2880">
+          <p15:clr>
+            <a:srgbClr val="A4A3A4"/>
+          </p15:clr>
+        </p15:guide>
+        <p15:guide id="2" pos="2160">
+          <p15:clr>
+            <a:srgbClr val="A4A3A4"/>
+          </p15:clr>
+        </p15:guide>
+      </p15:notesGuideLst>
+    </p:ext>
+  </p:extLst>
 </p:presentation>
 </file>
 
@@ -268,7 +298,7 @@
               </a14:hiddenEffects>
             </a:ext>
             <a:ext uri="{FAA26D3D-D897-4be2-8F04-BA451C77F1D7}">
-              <ma14:placeholderFlag xmlns:ma14="http://schemas.microsoft.com/office/mac/drawingml/2011/main" xmlns="" val="1"/>
+              <ma14:placeholderFlag xmlns="" xmlns:ma14="http://schemas.microsoft.com/office/mac/drawingml/2011/main" val="1"/>
             </a:ext>
           </a:extLst>
         </p:spPr>
@@ -326,7 +356,7 @@
               </a14:hiddenEffects>
             </a:ext>
             <a:ext uri="{FAA26D3D-D897-4be2-8F04-BA451C77F1D7}">
-              <ma14:placeholderFlag xmlns:ma14="http://schemas.microsoft.com/office/mac/drawingml/2011/main" xmlns="" val="1"/>
+              <ma14:placeholderFlag xmlns="" xmlns:ma14="http://schemas.microsoft.com/office/mac/drawingml/2011/main" val="1"/>
             </a:ext>
           </a:extLst>
         </p:spPr>
@@ -396,7 +426,7 @@
               </a14:hiddenEffects>
             </a:ext>
             <a:ext uri="{FAA26D3D-D897-4be2-8F04-BA451C77F1D7}">
-              <ma14:placeholderFlag xmlns:ma14="http://schemas.microsoft.com/office/mac/drawingml/2011/main" xmlns="" val="1"/>
+              <ma14:placeholderFlag xmlns="" xmlns:ma14="http://schemas.microsoft.com/office/mac/drawingml/2011/main" val="1"/>
             </a:ext>
           </a:extLst>
         </p:spPr>
@@ -480,7 +510,7 @@
               </a14:hiddenEffects>
             </a:ext>
             <a:ext uri="{FAA26D3D-D897-4be2-8F04-BA451C77F1D7}">
-              <ma14:placeholderFlag xmlns:ma14="http://schemas.microsoft.com/office/mac/drawingml/2011/main" xmlns="" val="1"/>
+              <ma14:placeholderFlag xmlns="" xmlns:ma14="http://schemas.microsoft.com/office/mac/drawingml/2011/main" val="1"/>
             </a:ext>
           </a:extLst>
         </p:spPr>
@@ -564,7 +594,7 @@
               </a14:hiddenEffects>
             </a:ext>
             <a:ext uri="{FAA26D3D-D897-4be2-8F04-BA451C77F1D7}">
-              <ma14:placeholderFlag xmlns:ma14="http://schemas.microsoft.com/office/mac/drawingml/2011/main" xmlns="" val="1"/>
+              <ma14:placeholderFlag xmlns="" xmlns:ma14="http://schemas.microsoft.com/office/mac/drawingml/2011/main" val="1"/>
             </a:ext>
           </a:extLst>
         </p:spPr>
@@ -648,7 +678,7 @@
               </a14:hiddenEffects>
             </a:ext>
             <a:ext uri="{FAA26D3D-D897-4be2-8F04-BA451C77F1D7}">
-              <ma14:placeholderFlag xmlns:ma14="http://schemas.microsoft.com/office/mac/drawingml/2011/main" xmlns="" val="1"/>
+              <ma14:placeholderFlag xmlns="" xmlns:ma14="http://schemas.microsoft.com/office/mac/drawingml/2011/main" val="1"/>
             </a:ext>
           </a:extLst>
         </p:spPr>
@@ -678,7 +708,7 @@
             <a:fld id="{759A24F2-03E5-AD4B-98CB-4B6B1551B266}" type="slidenum">
               <a:rPr lang="en-US"/>
               <a:pPr/>
-              <a:t>‹Nr.›</a:t>
+              <a:t>‹#›</a:t>
             </a:fld>
             <a:endParaRPr lang="en-US"/>
           </a:p>
@@ -993,7 +1023,7 @@
           <a:lstStyle/>
           <a:p>
             <a:r>
-              <a:rPr lang="de-DE" dirty="0" err="1" smtClean="0"/>
+              <a:rPr lang="de-DE" smtClean="0"/>
               <a:t>Nadri</a:t>
             </a:r>
             <a:endParaRPr lang="de-DE" dirty="0"/>
@@ -1001,6 +1031,11 @@
         </p:txBody>
       </p:sp>
     </p:spTree>
+    <p:extLst>
+      <p:ext uri="{BB962C8B-B14F-4D97-AF65-F5344CB8AC3E}">
+        <p14:creationId xmlns:p14="http://schemas.microsoft.com/office/powerpoint/2010/main" val="1107782882"/>
+      </p:ext>
+    </p:extLst>
   </p:cSld>
   <p:clrMapOvr>
     <a:masterClrMapping/>
@@ -1050,191 +1085,6 @@
           <a:bodyPr/>
           <a:lstStyle/>
           <a:p>
-            <a:fld id="{4FDD847E-B1A9-5A4E-B483-8C411EA1E3FD}" type="slidenum">
-              <a:rPr lang="en-US"/>
-              <a:pPr/>
-              <a:t>10</a:t>
-            </a:fld>
-            <a:endParaRPr lang="en-US"/>
-          </a:p>
-        </p:txBody>
-      </p:sp>
-      <p:sp>
-        <p:nvSpPr>
-          <p:cNvPr id="16385" name="Text Box 1"/>
-          <p:cNvSpPr txBox="1">
-            <a:spLocks noGrp="1" noRot="1" noChangeAspect="1" noChangeArrowheads="1"/>
-          </p:cNvSpPr>
-          <p:nvPr>
-            <p:ph type="sldImg"/>
-          </p:nvPr>
-        </p:nvSpPr>
-        <p:spPr bwMode="auto">
-          <a:xfrm>
-            <a:off x="1106488" y="812800"/>
-            <a:ext cx="5345112" cy="4008438"/>
-          </a:xfrm>
-          <a:prstGeom prst="rect">
-            <a:avLst/>
-          </a:prstGeom>
-          <a:solidFill>
-            <a:srgbClr val="FFFFFF"/>
-          </a:solidFill>
-          <a:ln>
-            <a:solidFill>
-              <a:srgbClr val="000000"/>
-            </a:solidFill>
-            <a:miter lim="800000"/>
-            <a:headEnd/>
-            <a:tailEnd/>
-          </a:ln>
-          <a:extLst>
-            <a:ext uri="{AF507438-7753-43E0-B8FC-AC1667EBCBE1}">
-              <a14:hiddenEffects xmlns:a14="http://schemas.microsoft.com/office/drawing/2010/main">
-                <a:effectLst>
-                  <a:outerShdw blurRad="63500" dist="38099" dir="2700000" algn="ctr" rotWithShape="0">
-                    <a:srgbClr val="000000">
-                      <a:alpha val="74998"/>
-                    </a:srgbClr>
-                  </a:outerShdw>
-                </a:effectLst>
-              </a14:hiddenEffects>
-            </a:ext>
-          </a:extLst>
-        </p:spPr>
-      </p:sp>
-      <p:sp>
-        <p:nvSpPr>
-          <p:cNvPr id="16386" name="Text Box 2"/>
-          <p:cNvSpPr txBox="1">
-            <a:spLocks noGrp="1" noChangeArrowheads="1"/>
-          </p:cNvSpPr>
-          <p:nvPr>
-            <p:ph type="body" idx="1"/>
-          </p:nvPr>
-        </p:nvSpPr>
-        <p:spPr bwMode="auto">
-          <a:xfrm>
-            <a:off x="755650" y="5078413"/>
-            <a:ext cx="6048375" cy="4811712"/>
-          </a:xfrm>
-          <a:prstGeom prst="rect">
-            <a:avLst/>
-          </a:prstGeom>
-          <a:noFill/>
-          <a:ln/>
-          <a:extLst>
-            <a:ext uri="{909E8E84-426E-40DD-AFC4-6F175D3DCCD1}">
-              <a14:hiddenFill xmlns:a14="http://schemas.microsoft.com/office/drawing/2010/main">
-                <a:solidFill>
-                  <a:srgbClr val="FFFFFF"/>
-                </a:solidFill>
-              </a14:hiddenFill>
-            </a:ext>
-            <a:ext uri="{91240B29-F687-4F45-9708-019B960494DF}">
-              <a14:hiddenLine xmlns:a14="http://schemas.microsoft.com/office/drawing/2010/main" w="9525">
-                <a:solidFill>
-                  <a:srgbClr val="808080"/>
-                </a:solidFill>
-                <a:round/>
-                <a:headEnd/>
-                <a:tailEnd/>
-              </a14:hiddenLine>
-            </a:ext>
-            <a:ext uri="{AF507438-7753-43E0-B8FC-AC1667EBCBE1}">
-              <a14:hiddenEffects xmlns:a14="http://schemas.microsoft.com/office/drawing/2010/main">
-                <a:effectLst>
-                  <a:outerShdw blurRad="63500" dist="38099" dir="2700000" algn="ctr" rotWithShape="0">
-                    <a:srgbClr val="000000">
-                      <a:alpha val="74998"/>
-                    </a:srgbClr>
-                  </a:outerShdw>
-                </a:effectLst>
-              </a14:hiddenEffects>
-            </a:ext>
-          </a:extLst>
-        </p:spPr>
-        <p:txBody>
-          <a:bodyPr wrap="none" anchor="ctr"/>
-          <a:lstStyle/>
-          <a:p>
-            <a:r>
-              <a:rPr lang="de-DE" dirty="0" err="1" smtClean="0"/>
-              <a:t>Flo</a:t>
-            </a:r>
-            <a:endParaRPr lang="de-DE" dirty="0" smtClean="0"/>
-          </a:p>
-          <a:p>
-            <a:r>
-              <a:rPr lang="de-DE" dirty="0" smtClean="0"/>
-              <a:t>Schachmatt:</a:t>
-            </a:r>
-            <a:r>
-              <a:rPr lang="de-DE" baseline="0" dirty="0" smtClean="0"/>
-              <a:t> unten rechts sieht man, dass </a:t>
-            </a:r>
-            <a:r>
-              <a:rPr lang="de-DE" baseline="0" dirty="0" err="1" smtClean="0"/>
-              <a:t>Weiss</a:t>
-            </a:r>
-            <a:r>
-              <a:rPr lang="de-DE" baseline="0" dirty="0" smtClean="0"/>
-              <a:t> gewonnen hat</a:t>
-            </a:r>
-            <a:endParaRPr lang="de-DE" dirty="0"/>
-          </a:p>
-        </p:txBody>
-      </p:sp>
-    </p:spTree>
-  </p:cSld>
-  <p:clrMapOvr>
-    <a:masterClrMapping/>
-  </p:clrMapOvr>
-</p:notes>
-</file>
-
-<file path=ppt/notesSlides/notesSlide11.xml><?xml version="1.0" encoding="utf-8"?>
-<p:notes xmlns:a="http://schemas.openxmlformats.org/drawingml/2006/main" xmlns:r="http://schemas.openxmlformats.org/officeDocument/2006/relationships" xmlns:p="http://schemas.openxmlformats.org/presentationml/2006/main">
-  <p:cSld>
-    <p:bg>
-      <p:bgPr>
-        <a:solidFill>
-          <a:srgbClr val="FFFFFF"/>
-        </a:solidFill>
-        <a:effectLst/>
-      </p:bgPr>
-    </p:bg>
-    <p:spTree>
-      <p:nvGrpSpPr>
-        <p:cNvPr id="1" name=""/>
-        <p:cNvGrpSpPr/>
-        <p:nvPr/>
-      </p:nvGrpSpPr>
-      <p:grpSpPr>
-        <a:xfrm>
-          <a:off x="0" y="0"/>
-          <a:ext cx="0" cy="0"/>
-          <a:chOff x="0" y="0"/>
-          <a:chExt cx="0" cy="0"/>
-        </a:xfrm>
-      </p:grpSpPr>
-      <p:sp>
-        <p:nvSpPr>
-          <p:cNvPr id="7" name="Rectangle 6"/>
-          <p:cNvSpPr>
-            <a:spLocks noGrp="1" noChangeArrowheads="1"/>
-          </p:cNvSpPr>
-          <p:nvPr>
-            <p:ph type="sldNum"/>
-          </p:nvPr>
-        </p:nvSpPr>
-        <p:spPr>
-          <a:ln/>
-        </p:spPr>
-        <p:txBody>
-          <a:bodyPr/>
-          <a:lstStyle/>
-          <a:p>
             <a:fld id="{FA6EB3B0-3CA7-214C-B93F-59EEFB831916}" type="slidenum">
               <a:rPr lang="en-US"/>
               <a:pPr/>
@@ -1343,34 +1193,16 @@
           <a:bodyPr wrap="none" anchor="ctr"/>
           <a:lstStyle/>
           <a:p>
-            <a:r>
-              <a:rPr lang="de-DE" dirty="0" err="1" smtClean="0"/>
-              <a:t>Flo</a:t>
-            </a:r>
-            <a:endParaRPr lang="de-DE" dirty="0" smtClean="0"/>
-          </a:p>
-          <a:p>
-            <a:r>
-              <a:rPr lang="de-DE" dirty="0" smtClean="0"/>
-              <a:t>Wir beantworten nun </a:t>
-            </a:r>
-            <a:r>
-              <a:rPr lang="de-DE" smtClean="0"/>
-              <a:t>gerne</a:t>
-            </a:r>
-            <a:r>
-              <a:rPr lang="de-DE" baseline="0" smtClean="0"/>
-              <a:t> Ihre </a:t>
-            </a:r>
-            <a:r>
-              <a:rPr lang="de-DE" smtClean="0"/>
-              <a:t>Fragen.</a:t>
-            </a:r>
             <a:endParaRPr lang="de-DE" dirty="0"/>
           </a:p>
         </p:txBody>
       </p:sp>
     </p:spTree>
+    <p:extLst>
+      <p:ext uri="{BB962C8B-B14F-4D97-AF65-F5344CB8AC3E}">
+        <p14:creationId xmlns:p14="http://schemas.microsoft.com/office/powerpoint/2010/main" val="614788525"/>
+      </p:ext>
+    </p:extLst>
   </p:cSld>
   <p:clrMapOvr>
     <a:masterClrMapping/>
@@ -1423,7 +1255,7 @@
             <a:fld id="{4FDD847E-B1A9-5A4E-B483-8C411EA1E3FD}" type="slidenum">
               <a:rPr lang="en-US"/>
               <a:pPr/>
-              <a:t>2</a:t>
+              <a:t>3</a:t>
             </a:fld>
             <a:endParaRPr lang="en-US"/>
           </a:p>
@@ -1537,6 +1369,11 @@
         </p:txBody>
       </p:sp>
     </p:spTree>
+    <p:extLst>
+      <p:ext uri="{BB962C8B-B14F-4D97-AF65-F5344CB8AC3E}">
+        <p14:creationId xmlns:p14="http://schemas.microsoft.com/office/powerpoint/2010/main" val="2768109831"/>
+      </p:ext>
+    </p:extLst>
   </p:cSld>
   <p:clrMapOvr>
     <a:masterClrMapping/>
@@ -1589,7 +1426,7 @@
             <a:fld id="{4FDD847E-B1A9-5A4E-B483-8C411EA1E3FD}" type="slidenum">
               <a:rPr lang="en-US"/>
               <a:pPr/>
-              <a:t>3</a:t>
+              <a:t>4</a:t>
             </a:fld>
             <a:endParaRPr lang="en-US"/>
           </a:p>
@@ -1695,25 +1532,70 @@
           <a:lstStyle/>
           <a:p>
             <a:r>
+              <a:rPr lang="de-DE" dirty="0" smtClean="0"/>
+              <a:t>Beni</a:t>
+            </a:r>
+          </a:p>
+          <a:p>
+            <a:r>
+              <a:rPr lang="de-DE" dirty="0" smtClean="0"/>
+              <a:t>Kurz</a:t>
+            </a:r>
+            <a:r>
+              <a:rPr lang="de-DE" baseline="0" dirty="0" smtClean="0"/>
+              <a:t> Maske erklären, Links Spielfeld, Rechts Informationen/Controls</a:t>
+            </a:r>
+          </a:p>
+          <a:p>
+            <a:r>
+              <a:rPr lang="de-DE" baseline="0" dirty="0" smtClean="0"/>
+              <a:t>Schiedsrichter unterstützt Anfänger mit den möglichen Feldern pro Figur</a:t>
+            </a:r>
+            <a:endParaRPr lang="de-DE" dirty="0" smtClean="0"/>
+          </a:p>
+          <a:p>
+            <a:r>
+              <a:rPr lang="de-DE" dirty="0" smtClean="0"/>
+              <a:t>Sobald eine Figur </a:t>
+            </a:r>
+            <a:r>
               <a:rPr lang="de-DE" dirty="0" err="1" smtClean="0"/>
-              <a:t>Nadri</a:t>
-            </a:r>
-            <a:endParaRPr lang="de-DE" dirty="0" smtClean="0"/>
-          </a:p>
-          <a:p>
-            <a:r>
-              <a:rPr lang="de-DE" dirty="0" smtClean="0"/>
-              <a:t>Das ist der Startbildschirm.</a:t>
+              <a:t>ausgwählt</a:t>
             </a:r>
             <a:r>
               <a:rPr lang="de-DE" baseline="0" dirty="0" smtClean="0"/>
-              <a:t> Man kann gegen einen menschlichen Mitspieler oder gegen den PC spielen. Sobald die Partie entschieden ist, sieht man unten rechts, wer gewonnen hat.</a:t>
+              <a:t> wird, wird ihr Feld rot eingefärbt. Die möglichen Felder der Figur sind grau hinterlegt.</a:t>
+            </a:r>
+          </a:p>
+          <a:p>
+            <a:pPr marL="171450" indent="-171450">
+              <a:buFontTx/>
+              <a:buChar char="-"/>
+            </a:pPr>
+            <a:r>
+              <a:rPr lang="de-DE" baseline="0" dirty="0" smtClean="0"/>
+              <a:t>Figur des Gegners eingefärbt</a:t>
+            </a:r>
+          </a:p>
+          <a:p>
+            <a:pPr marL="171450" indent="-171450">
+              <a:buFontTx/>
+              <a:buChar char="-"/>
+            </a:pPr>
+            <a:r>
+              <a:rPr lang="de-DE" baseline="0" dirty="0" smtClean="0"/>
+              <a:t>Eigene Figuren nicht (können nicht geschlagen werden)</a:t>
             </a:r>
             <a:endParaRPr lang="de-DE" dirty="0"/>
           </a:p>
         </p:txBody>
       </p:sp>
     </p:spTree>
+    <p:extLst>
+      <p:ext uri="{BB962C8B-B14F-4D97-AF65-F5344CB8AC3E}">
+        <p14:creationId xmlns:p14="http://schemas.microsoft.com/office/powerpoint/2010/main" val="83181629"/>
+      </p:ext>
+    </p:extLst>
   </p:cSld>
   <p:clrMapOvr>
     <a:masterClrMapping/>
@@ -1766,7 +1648,7 @@
             <a:fld id="{4FDD847E-B1A9-5A4E-B483-8C411EA1E3FD}" type="slidenum">
               <a:rPr lang="en-US"/>
               <a:pPr/>
-              <a:t>4</a:t>
+              <a:t>5</a:t>
             </a:fld>
             <a:endParaRPr lang="en-US"/>
           </a:p>
@@ -1879,41 +1761,43 @@
           <a:p>
             <a:r>
               <a:rPr lang="de-DE" dirty="0" smtClean="0"/>
-              <a:t>Sobald eine Figur </a:t>
-            </a:r>
-            <a:r>
-              <a:rPr lang="de-DE" dirty="0" err="1" smtClean="0"/>
-              <a:t>ausgwählt</a:t>
+              <a:t>Schiedsrichter</a:t>
             </a:r>
             <a:r>
               <a:rPr lang="de-DE" baseline="0" dirty="0" smtClean="0"/>
-              <a:t> wird, wird ihr Feld rot eingefärbt. Die möglichen Felder der Figur sind grau hinterlegt.</a:t>
-            </a:r>
-          </a:p>
-          <a:p>
-            <a:pPr marL="171450" indent="-171450">
-              <a:buFontTx/>
-              <a:buChar char="-"/>
-            </a:pPr>
+              <a:t> bewahrt Anfänger vor unerlaubten Zügen</a:t>
+            </a:r>
+            <a:endParaRPr lang="de-DE" dirty="0" smtClean="0"/>
+          </a:p>
+          <a:p>
+            <a:r>
+              <a:rPr lang="de-DE" dirty="0" smtClean="0"/>
+              <a:t>Schwarzer König steht im Schach: Bauer hat keine möglichen Felder zur </a:t>
+            </a:r>
+            <a:r>
+              <a:rPr lang="de-DE" dirty="0" smtClean="0"/>
+              <a:t>Auswahl</a:t>
+            </a:r>
+          </a:p>
+          <a:p>
+            <a:r>
+              <a:rPr lang="de-DE" dirty="0" smtClean="0"/>
+              <a:t>Bei</a:t>
+            </a:r>
             <a:r>
               <a:rPr lang="de-DE" baseline="0" dirty="0" smtClean="0"/>
-              <a:t>Figur des Gegners eingefärbt</a:t>
-            </a:r>
-          </a:p>
-          <a:p>
-            <a:pPr marL="171450" indent="-171450">
-              <a:buFontTx/>
-              <a:buChar char="-"/>
-            </a:pPr>
-            <a:r>
-              <a:rPr lang="de-DE" baseline="0" dirty="0" smtClean="0"/>
-              <a:t>Eigene Figuren nicht (können nicht geschlagen werden)</a:t>
+              <a:t> z.B. Bauer C7 steht nur das Feld C6 zur Verfügung</a:t>
             </a:r>
             <a:endParaRPr lang="de-DE" dirty="0"/>
           </a:p>
         </p:txBody>
       </p:sp>
     </p:spTree>
+    <p:extLst>
+      <p:ext uri="{BB962C8B-B14F-4D97-AF65-F5344CB8AC3E}">
+        <p14:creationId xmlns:p14="http://schemas.microsoft.com/office/powerpoint/2010/main" val="1549346920"/>
+      </p:ext>
+    </p:extLst>
   </p:cSld>
   <p:clrMapOvr>
     <a:masterClrMapping/>
@@ -1966,7 +1850,7 @@
             <a:fld id="{4FDD847E-B1A9-5A4E-B483-8C411EA1E3FD}" type="slidenum">
               <a:rPr lang="en-US"/>
               <a:pPr/>
-              <a:t>5</a:t>
+              <a:t>6</a:t>
             </a:fld>
             <a:endParaRPr lang="en-US"/>
           </a:p>
@@ -2071,21 +1955,132 @@
           <a:bodyPr wrap="none" anchor="ctr"/>
           <a:lstStyle/>
           <a:p>
+            <a:pPr marL="0" marR="0" indent="0" algn="l" defTabSz="449263" rtl="0" eaLnBrk="0" fontAlgn="base" latinLnBrk="0" hangingPunct="0">
+              <a:lnSpc>
+                <a:spcPct val="100000"/>
+              </a:lnSpc>
+              <a:spcBef>
+                <a:spcPct val="30000"/>
+              </a:spcBef>
+              <a:spcAft>
+                <a:spcPct val="0"/>
+              </a:spcAft>
+              <a:buClr>
+                <a:srgbClr val="000000"/>
+              </a:buClr>
+              <a:buSzPct val="100000"/>
+              <a:buFont typeface="Times New Roman" charset="0"/>
+              <a:buNone/>
+              <a:tabLst/>
+              <a:defRPr/>
+            </a:pPr>
+            <a:r>
+              <a:rPr lang="de-DE" dirty="0" err="1" smtClean="0"/>
+              <a:t>Sebi</a:t>
+            </a:r>
+            <a:endParaRPr lang="de-DE" dirty="0" smtClean="0"/>
+          </a:p>
+          <a:p>
+            <a:pPr marL="0" marR="0" indent="0" algn="l" defTabSz="449263" rtl="0" eaLnBrk="0" fontAlgn="base" latinLnBrk="0" hangingPunct="0">
+              <a:lnSpc>
+                <a:spcPct val="100000"/>
+              </a:lnSpc>
+              <a:spcBef>
+                <a:spcPct val="30000"/>
+              </a:spcBef>
+              <a:spcAft>
+                <a:spcPct val="0"/>
+              </a:spcAft>
+              <a:buClr>
+                <a:srgbClr val="000000"/>
+              </a:buClr>
+              <a:buSzPct val="100000"/>
+              <a:buFont typeface="Times New Roman" charset="0"/>
+              <a:buNone/>
+              <a:tabLst/>
+              <a:defRPr/>
+            </a:pPr>
+            <a:r>
+              <a:rPr lang="en-US" sz="1200" dirty="0" err="1" smtClean="0">
+                <a:latin typeface="Arial Black" charset="0"/>
+              </a:rPr>
+              <a:t>Selber</a:t>
+            </a:r>
+            <a:r>
+              <a:rPr lang="en-US" sz="1200" dirty="0" smtClean="0">
+                <a:latin typeface="Arial Black" charset="0"/>
+              </a:rPr>
+              <a:t> ins </a:t>
+            </a:r>
+            <a:r>
+              <a:rPr lang="en-US" sz="1200" dirty="0" err="1" smtClean="0">
+                <a:latin typeface="Arial Black" charset="0"/>
+              </a:rPr>
+              <a:t>Schach</a:t>
+            </a:r>
+            <a:r>
+              <a:rPr lang="en-US" sz="1200" dirty="0" smtClean="0">
+                <a:latin typeface="Arial Black" charset="0"/>
+              </a:rPr>
+              <a:t> </a:t>
+            </a:r>
+            <a:r>
+              <a:rPr lang="en-US" sz="1200" dirty="0" err="1" smtClean="0">
+                <a:latin typeface="Arial Black" charset="0"/>
+              </a:rPr>
+              <a:t>stellen</a:t>
+            </a:r>
+            <a:endParaRPr lang="de-DE" dirty="0" smtClean="0"/>
+          </a:p>
+          <a:p>
+            <a:pPr marL="0" marR="0" indent="0" algn="l" defTabSz="449263" rtl="0" eaLnBrk="0" fontAlgn="base" latinLnBrk="0" hangingPunct="0">
+              <a:lnSpc>
+                <a:spcPct val="100000"/>
+              </a:lnSpc>
+              <a:spcBef>
+                <a:spcPct val="30000"/>
+              </a:spcBef>
+              <a:spcAft>
+                <a:spcPct val="0"/>
+              </a:spcAft>
+              <a:buClr>
+                <a:srgbClr val="000000"/>
+              </a:buClr>
+              <a:buSzPct val="100000"/>
+              <a:buFont typeface="Times New Roman" charset="0"/>
+              <a:buNone/>
+              <a:tabLst/>
+              <a:defRPr/>
+            </a:pPr>
+            <a:r>
+              <a:rPr lang="de-DE" dirty="0" err="1" smtClean="0"/>
+              <a:t>Weisser</a:t>
+            </a:r>
             <a:r>
               <a:rPr lang="de-DE" dirty="0" smtClean="0"/>
-              <a:t>Beni</a:t>
-            </a:r>
-          </a:p>
-          <a:p>
+              <a:t> </a:t>
+            </a:r>
             <a:r>
               <a:rPr lang="de-DE" dirty="0" smtClean="0"/>
-              <a:t>Schwarzer König steht im Schach: Bauer hat keine möglichen Felder zur Auswahl</a:t>
-            </a:r>
-            <a:endParaRPr lang="de-DE" dirty="0"/>
+              <a:t>König hat keine möglichen Felder zur Auswahl.</a:t>
+            </a:r>
+            <a:r>
+              <a:rPr lang="de-DE" baseline="0" dirty="0" smtClean="0"/>
+              <a:t> Er </a:t>
+            </a:r>
+            <a:r>
+              <a:rPr lang="de-DE" dirty="0" smtClean="0"/>
+              <a:t>steht sonst im Schach</a:t>
+            </a:r>
           </a:p>
         </p:txBody>
       </p:sp>
     </p:spTree>
+    <p:extLst>
+      <p:ext uri="{BB962C8B-B14F-4D97-AF65-F5344CB8AC3E}">
+        <p14:creationId xmlns:p14="http://schemas.microsoft.com/office/powerpoint/2010/main" val="584317852"/>
+      </p:ext>
+    </p:extLst>
   </p:cSld>
   <p:clrMapOvr>
     <a:masterClrMapping/>
@@ -2138,7 +2133,7 @@
             <a:fld id="{4FDD847E-B1A9-5A4E-B483-8C411EA1E3FD}" type="slidenum">
               <a:rPr lang="en-US"/>
               <a:pPr/>
-              <a:t>6</a:t>
+              <a:t>7</a:t>
             </a:fld>
             <a:endParaRPr lang="en-US"/>
           </a:p>
@@ -2243,6 +2238,13 @@
           <a:bodyPr wrap="none" anchor="ctr"/>
           <a:lstStyle/>
           <a:p>
+            <a:r>
+              <a:rPr lang="de-DE" dirty="0" err="1" smtClean="0"/>
+              <a:t>Flo</a:t>
+            </a:r>
+            <a:endParaRPr lang="de-DE" dirty="0" smtClean="0"/>
+          </a:p>
+          <a:p>
             <a:pPr marL="0" marR="0" indent="0" algn="l" defTabSz="449263" rtl="0" eaLnBrk="0" fontAlgn="base" latinLnBrk="0" hangingPunct="0">
               <a:lnSpc>
                 <a:spcPct val="100000"/>
@@ -2263,38 +2265,64 @@
               <a:defRPr/>
             </a:pPr>
             <a:r>
+              <a:rPr lang="en-US" sz="1200" dirty="0" err="1" smtClean="0">
+                <a:latin typeface="Arial Black" charset="0"/>
+              </a:rPr>
+              <a:t>Eigenen</a:t>
+            </a:r>
+            <a:r>
+              <a:rPr lang="en-US" sz="1200" dirty="0" smtClean="0">
+                <a:latin typeface="Arial Black" charset="0"/>
+              </a:rPr>
+              <a:t> </a:t>
+            </a:r>
+            <a:r>
+              <a:rPr lang="en-US" sz="1200" dirty="0" err="1" smtClean="0">
+                <a:latin typeface="Arial Black" charset="0"/>
+              </a:rPr>
+              <a:t>König</a:t>
+            </a:r>
+            <a:r>
+              <a:rPr lang="en-US" sz="1200" dirty="0" smtClean="0">
+                <a:latin typeface="Arial Black" charset="0"/>
+              </a:rPr>
+              <a:t> ins </a:t>
+            </a:r>
+            <a:r>
+              <a:rPr lang="en-US" sz="1200" dirty="0" err="1" smtClean="0">
+                <a:latin typeface="Arial Black" charset="0"/>
+              </a:rPr>
+              <a:t>Schach</a:t>
+            </a:r>
+            <a:r>
+              <a:rPr lang="en-US" sz="1200" dirty="0" smtClean="0">
+                <a:latin typeface="Arial Black" charset="0"/>
+              </a:rPr>
+              <a:t> </a:t>
+            </a:r>
+            <a:r>
+              <a:rPr lang="en-US" sz="1200" dirty="0" err="1" smtClean="0">
+                <a:latin typeface="Arial Black" charset="0"/>
+              </a:rPr>
+              <a:t>stellen</a:t>
+            </a:r>
+            <a:endParaRPr lang="de-DE" dirty="0" smtClean="0"/>
+          </a:p>
+          <a:p>
+            <a:r>
               <a:rPr lang="de-DE" dirty="0" smtClean="0"/>
-              <a:t>Beni</a:t>
-            </a:r>
-          </a:p>
-          <a:p>
-            <a:pPr marL="0" marR="0" indent="0" algn="l" defTabSz="449263" rtl="0" eaLnBrk="0" fontAlgn="base" latinLnBrk="0" hangingPunct="0">
-              <a:lnSpc>
-                <a:spcPct val="100000"/>
-              </a:lnSpc>
-              <a:spcBef>
-                <a:spcPct val="30000"/>
-              </a:spcBef>
-              <a:spcAft>
-                <a:spcPct val="0"/>
-              </a:spcAft>
-              <a:buClr>
-                <a:srgbClr val="000000"/>
-              </a:buClr>
-              <a:buSzPct val="100000"/>
-              <a:buFont typeface="Times New Roman" charset="0"/>
-              <a:buNone/>
-              <a:tabLst/>
-              <a:defRPr/>
-            </a:pPr>
-            <a:r>
-              <a:rPr lang="de-DE" dirty="0" smtClean="0"/>
-              <a:t>Schwarzer König steht im Schach: Bauer hat (nur) einen möglich Zug zur Auswahl</a:t>
-            </a:r>
+              <a:t>Der schwarze Bauer  darf seinen König nicht ins Schach stellen</a:t>
+            </a:r>
+            <a:endParaRPr lang="de-DE" dirty="0"/>
           </a:p>
         </p:txBody>
       </p:sp>
     </p:spTree>
+    <p:extLst>
+      <p:ext uri="{BB962C8B-B14F-4D97-AF65-F5344CB8AC3E}">
+        <p14:creationId xmlns:p14="http://schemas.microsoft.com/office/powerpoint/2010/main" val="3955196070"/>
+      </p:ext>
+    </p:extLst>
   </p:cSld>
   <p:clrMapOvr>
     <a:masterClrMapping/>
@@ -2347,7 +2375,7 @@
             <a:fld id="{4FDD847E-B1A9-5A4E-B483-8C411EA1E3FD}" type="slidenum">
               <a:rPr lang="en-US"/>
               <a:pPr/>
-              <a:t>7</a:t>
+              <a:t>8</a:t>
             </a:fld>
             <a:endParaRPr lang="en-US"/>
           </a:p>
@@ -2452,6 +2480,13 @@
           <a:bodyPr wrap="none" anchor="ctr"/>
           <a:lstStyle/>
           <a:p>
+            <a:r>
+              <a:rPr lang="de-DE" dirty="0" err="1" smtClean="0"/>
+              <a:t>Flo</a:t>
+            </a:r>
+            <a:endParaRPr lang="de-DE" dirty="0" smtClean="0"/>
+          </a:p>
+          <a:p>
             <a:pPr marL="0" marR="0" indent="0" algn="l" defTabSz="449263" rtl="0" eaLnBrk="0" fontAlgn="base" latinLnBrk="0" hangingPunct="0">
               <a:lnSpc>
                 <a:spcPct val="100000"/>
@@ -2472,47 +2507,40 @@
               <a:defRPr/>
             </a:pPr>
             <a:r>
-              <a:rPr lang="de-DE" dirty="0" err="1" smtClean="0"/>
-              <a:t>Sebi</a:t>
+              <a:rPr lang="en-US" sz="1200" dirty="0" err="1" smtClean="0">
+                <a:latin typeface="Arial Black" charset="0"/>
+              </a:rPr>
+              <a:t>Schachmatt</a:t>
             </a:r>
             <a:endParaRPr lang="de-DE" dirty="0" smtClean="0"/>
           </a:p>
           <a:p>
-            <a:pPr marL="0" marR="0" indent="0" algn="l" defTabSz="449263" rtl="0" eaLnBrk="0" fontAlgn="base" latinLnBrk="0" hangingPunct="0">
-              <a:lnSpc>
-                <a:spcPct val="100000"/>
-              </a:lnSpc>
-              <a:spcBef>
-                <a:spcPct val="30000"/>
-              </a:spcBef>
-              <a:spcAft>
-                <a:spcPct val="0"/>
-              </a:spcAft>
-              <a:buClr>
-                <a:srgbClr val="000000"/>
-              </a:buClr>
-              <a:buSzPct val="100000"/>
-              <a:buFont typeface="Times New Roman" charset="0"/>
-              <a:buNone/>
-              <a:tabLst/>
-              <a:defRPr/>
-            </a:pPr>
             <a:r>
               <a:rPr lang="de-DE" dirty="0" smtClean="0"/>
-              <a:t>Schwarzer König steht im Schach: das Pferd hat 2 der normalerweise</a:t>
+              <a:t>Schachmatt:</a:t>
             </a:r>
             <a:r>
               <a:rPr lang="de-DE" baseline="0" dirty="0" smtClean="0"/>
-              <a:t> </a:t>
-            </a:r>
-            <a:r>
-              <a:rPr lang="de-DE" dirty="0" smtClean="0"/>
-              <a:t>3 möglichen Felder zur Auswahl</a:t>
-            </a:r>
+              <a:t> unten rechts sieht man, dass </a:t>
+            </a:r>
+            <a:r>
+              <a:rPr lang="de-DE" baseline="0" dirty="0" err="1" smtClean="0"/>
+              <a:t>Weiss</a:t>
+            </a:r>
+            <a:r>
+              <a:rPr lang="de-DE" baseline="0" dirty="0" smtClean="0"/>
+              <a:t> gewonnen hat</a:t>
+            </a:r>
+            <a:endParaRPr lang="de-DE" dirty="0"/>
           </a:p>
         </p:txBody>
       </p:sp>
     </p:spTree>
+    <p:extLst>
+      <p:ext uri="{BB962C8B-B14F-4D97-AF65-F5344CB8AC3E}">
+        <p14:creationId xmlns:p14="http://schemas.microsoft.com/office/powerpoint/2010/main" val="2221938226"/>
+      </p:ext>
+    </p:extLst>
   </p:cSld>
   <p:clrMapOvr>
     <a:masterClrMapping/>
@@ -2565,7 +2593,7 @@
             <a:fld id="{4FDD847E-B1A9-5A4E-B483-8C411EA1E3FD}" type="slidenum">
               <a:rPr lang="en-US"/>
               <a:pPr/>
-              <a:t>8</a:t>
+              <a:t>9</a:t>
             </a:fld>
             <a:endParaRPr lang="en-US"/>
           </a:p>
@@ -2670,71 +2698,22 @@
           <a:bodyPr wrap="none" anchor="ctr"/>
           <a:lstStyle/>
           <a:p>
-            <a:pPr marL="0" marR="0" indent="0" algn="l" defTabSz="449263" rtl="0" eaLnBrk="0" fontAlgn="base" latinLnBrk="0" hangingPunct="0">
-              <a:lnSpc>
-                <a:spcPct val="100000"/>
-              </a:lnSpc>
-              <a:spcBef>
-                <a:spcPct val="30000"/>
-              </a:spcBef>
-              <a:spcAft>
-                <a:spcPct val="0"/>
-              </a:spcAft>
-              <a:buClr>
-                <a:srgbClr val="000000"/>
-              </a:buClr>
-              <a:buSzPct val="100000"/>
-              <a:buFont typeface="Times New Roman" charset="0"/>
-              <a:buNone/>
-              <a:tabLst/>
-              <a:defRPr/>
-            </a:pPr>
-            <a:r>
-              <a:rPr lang="de-DE" dirty="0" err="1" smtClean="0"/>
-              <a:t>Sebi</a:t>
-            </a:r>
+            <a:r>
+              <a:rPr lang="de-DE" dirty="0" smtClean="0"/>
+              <a:t>Bauer 1, Läufer/Springer 3, Turm 5, Dame 10</a:t>
+            </a:r>
+          </a:p>
+          <a:p>
             <a:endParaRPr lang="de-DE" dirty="0" smtClean="0"/>
-          </a:p>
-          <a:p>
-            <a:pPr marL="0" marR="0" indent="0" algn="l" defTabSz="449263" rtl="0" eaLnBrk="0" fontAlgn="base" latinLnBrk="0" hangingPunct="0">
-              <a:lnSpc>
-                <a:spcPct val="100000"/>
-              </a:lnSpc>
-              <a:spcBef>
-                <a:spcPct val="30000"/>
-              </a:spcBef>
-              <a:spcAft>
-                <a:spcPct val="0"/>
-              </a:spcAft>
-              <a:buClr>
-                <a:srgbClr val="000000"/>
-              </a:buClr>
-              <a:buSzPct val="100000"/>
-              <a:buFont typeface="Times New Roman" charset="0"/>
-              <a:buNone/>
-              <a:tabLst/>
-              <a:defRPr/>
-            </a:pPr>
-            <a:r>
-              <a:rPr lang="de-DE" dirty="0" err="1" smtClean="0"/>
-              <a:t>Weisser</a:t>
-            </a:r>
-            <a:r>
-              <a:rPr lang="de-DE" dirty="0" smtClean="0"/>
-              <a:t> König hat keine möglichen Felder zur Auswahl.</a:t>
-            </a:r>
-            <a:r>
-              <a:rPr lang="de-DE" baseline="0" dirty="0" smtClean="0"/>
-              <a:t> Er </a:t>
-            </a:r>
-            <a:r>
-              <a:rPr lang="de-DE" dirty="0" smtClean="0"/>
-              <a:t>steht sonst im Schach</a:t>
-            </a:r>
           </a:p>
         </p:txBody>
       </p:sp>
     </p:spTree>
+    <p:extLst>
+      <p:ext uri="{BB962C8B-B14F-4D97-AF65-F5344CB8AC3E}">
+        <p14:creationId xmlns:p14="http://schemas.microsoft.com/office/powerpoint/2010/main" val="3311683657"/>
+      </p:ext>
+    </p:extLst>
   </p:cSld>
   <p:clrMapOvr>
     <a:masterClrMapping/>
@@ -2787,7 +2766,7 @@
             <a:fld id="{4FDD847E-B1A9-5A4E-B483-8C411EA1E3FD}" type="slidenum">
               <a:rPr lang="en-US"/>
               <a:pPr/>
-              <a:t>9</a:t>
+              <a:t>10</a:t>
             </a:fld>
             <a:endParaRPr lang="en-US"/>
           </a:p>
@@ -2892,22 +2871,16 @@
           <a:bodyPr wrap="none" anchor="ctr"/>
           <a:lstStyle/>
           <a:p>
-            <a:r>
-              <a:rPr lang="de-DE" dirty="0" err="1" smtClean="0"/>
-              <a:t>Flo</a:t>
-            </a:r>
             <a:endParaRPr lang="de-DE" dirty="0" smtClean="0"/>
-          </a:p>
-          <a:p>
-            <a:r>
-              <a:rPr lang="de-DE" dirty="0" smtClean="0"/>
-              <a:t>Der schwarze Bauer  darf seinen König nicht ins Schach stellen</a:t>
-            </a:r>
-            <a:endParaRPr lang="de-DE" dirty="0"/>
           </a:p>
         </p:txBody>
       </p:sp>
     </p:spTree>
+    <p:extLst>
+      <p:ext uri="{BB962C8B-B14F-4D97-AF65-F5344CB8AC3E}">
+        <p14:creationId xmlns:p14="http://schemas.microsoft.com/office/powerpoint/2010/main" val="968918193"/>
+      </p:ext>
+    </p:extLst>
   </p:cSld>
   <p:clrMapOvr>
     <a:masterClrMapping/>
@@ -3093,7 +3066,7 @@
             <a:fld id="{5F5A8052-D477-544A-AB0D-848BBBD6B0CF}" type="slidenum">
               <a:rPr lang="en-US"/>
               <a:pPr/>
-              <a:t>‹Nr.›</a:t>
+              <a:t>‹#›</a:t>
             </a:fld>
             <a:endParaRPr lang="en-US"/>
           </a:p>
@@ -3272,7 +3245,7 @@
             <a:fld id="{B2967EBE-35BC-E84D-8881-9876F786AE5A}" type="slidenum">
               <a:rPr lang="en-US"/>
               <a:pPr/>
-              <a:t>‹Nr.›</a:t>
+              <a:t>‹#›</a:t>
             </a:fld>
             <a:endParaRPr lang="en-US"/>
           </a:p>
@@ -3461,7 +3434,7 @@
             <a:fld id="{138864AB-7166-544C-B585-C6F7B5A93DC3}" type="slidenum">
               <a:rPr lang="en-US"/>
               <a:pPr/>
-              <a:t>‹Nr.›</a:t>
+              <a:t>‹#›</a:t>
             </a:fld>
             <a:endParaRPr lang="en-US"/>
           </a:p>
@@ -3608,7 +3581,7 @@
             <a:fld id="{31565884-69F6-B244-9CD6-FBB84CD4B4FE}" type="slidenum">
               <a:rPr lang="en-US"/>
               <a:pPr/>
-              <a:t>‹Nr.›</a:t>
+              <a:t>‹#›</a:t>
             </a:fld>
             <a:endParaRPr lang="en-US"/>
           </a:p>
@@ -3787,7 +3760,7 @@
             <a:fld id="{C07E8DC2-405D-9749-AF85-D27B8B1FCFFD}" type="slidenum">
               <a:rPr lang="en-US"/>
               <a:pPr/>
-              <a:t>‹Nr.›</a:t>
+              <a:t>‹#›</a:t>
             </a:fld>
             <a:endParaRPr lang="en-US"/>
           </a:p>
@@ -3988,7 +3961,7 @@
             <a:fld id="{3F91F4C8-C6A7-134E-8016-4F28EE8B578B}" type="slidenum">
               <a:rPr lang="en-US"/>
               <a:pPr/>
-              <a:t>‹Nr.›</a:t>
+              <a:t>‹#›</a:t>
             </a:fld>
             <a:endParaRPr lang="en-US"/>
           </a:p>
@@ -4285,7 +4258,7 @@
             <a:fld id="{7C63571E-1D00-C745-8D96-D34E3203BB46}" type="slidenum">
               <a:rPr lang="en-US"/>
               <a:pPr/>
-              <a:t>‹Nr.›</a:t>
+              <a:t>‹#›</a:t>
             </a:fld>
             <a:endParaRPr lang="en-US"/>
           </a:p>
@@ -4721,7 +4694,7 @@
             <a:fld id="{734CE838-1F0A-4740-97F3-2F17A06A3A39}" type="slidenum">
               <a:rPr lang="en-US"/>
               <a:pPr/>
-              <a:t>‹Nr.›</a:t>
+              <a:t>‹#›</a:t>
             </a:fld>
             <a:endParaRPr lang="en-US"/>
           </a:p>
@@ -4848,7 +4821,7 @@
             <a:fld id="{78F6048A-94CB-E54E-83BF-FDFB0D0276BA}" type="slidenum">
               <a:rPr lang="en-US"/>
               <a:pPr/>
-              <a:t>‹Nr.›</a:t>
+              <a:t>‹#›</a:t>
             </a:fld>
             <a:endParaRPr lang="en-US"/>
           </a:p>
@@ -4952,7 +4925,7 @@
             <a:fld id="{BAB9C0BE-5E7B-B440-AF19-1270DDC367E7}" type="slidenum">
               <a:rPr lang="en-US"/>
               <a:pPr/>
-              <a:t>‹Nr.›</a:t>
+              <a:t>‹#›</a:t>
             </a:fld>
             <a:endParaRPr lang="en-US"/>
           </a:p>
@@ -5238,7 +5211,7 @@
             <a:fld id="{049D816E-57E9-F449-A7E3-85A45A58FF45}" type="slidenum">
               <a:rPr lang="en-US"/>
               <a:pPr/>
-              <a:t>‹Nr.›</a:t>
+              <a:t>‹#›</a:t>
             </a:fld>
             <a:endParaRPr lang="en-US"/>
           </a:p>
@@ -5500,7 +5473,7 @@
             <a:fld id="{C9E24F3E-EFB2-1C42-A072-A2D267BEF8AB}" type="slidenum">
               <a:rPr lang="en-US"/>
               <a:pPr/>
-              <a:t>‹Nr.›</a:t>
+              <a:t>‹#›</a:t>
             </a:fld>
             <a:endParaRPr lang="en-US"/>
           </a:p>
@@ -5601,7 +5574,7 @@
               </a14:hiddenEffects>
             </a:ext>
             <a:ext uri="{FAA26D3D-D897-4be2-8F04-BA451C77F1D7}">
-              <ma14:placeholderFlag xmlns:ma14="http://schemas.microsoft.com/office/mac/drawingml/2011/main" xmlns="" val="1"/>
+              <ma14:placeholderFlag xmlns="" xmlns:ma14="http://schemas.microsoft.com/office/mac/drawingml/2011/main" val="1"/>
             </a:ext>
           </a:extLst>
         </p:spPr>
@@ -5674,7 +5647,7 @@
               </a14:hiddenEffects>
             </a:ext>
             <a:ext uri="{FAA26D3D-D897-4be2-8F04-BA451C77F1D7}">
-              <ma14:placeholderFlag xmlns:ma14="http://schemas.microsoft.com/office/mac/drawingml/2011/main" xmlns="" val="1"/>
+              <ma14:placeholderFlag xmlns="" xmlns:ma14="http://schemas.microsoft.com/office/mac/drawingml/2011/main" val="1"/>
             </a:ext>
           </a:extLst>
         </p:spPr>
@@ -5803,7 +5776,7 @@
               </a14:hiddenEffects>
             </a:ext>
             <a:ext uri="{FAA26D3D-D897-4be2-8F04-BA451C77F1D7}">
-              <ma14:placeholderFlag xmlns:ma14="http://schemas.microsoft.com/office/mac/drawingml/2011/main" xmlns="" val="1"/>
+              <ma14:placeholderFlag xmlns="" xmlns:ma14="http://schemas.microsoft.com/office/mac/drawingml/2011/main" val="1"/>
             </a:ext>
           </a:extLst>
         </p:spPr>
@@ -5886,7 +5859,7 @@
               </a14:hiddenEffects>
             </a:ext>
             <a:ext uri="{FAA26D3D-D897-4be2-8F04-BA451C77F1D7}">
-              <ma14:placeholderFlag xmlns:ma14="http://schemas.microsoft.com/office/mac/drawingml/2011/main" xmlns="" val="1"/>
+              <ma14:placeholderFlag xmlns="" xmlns:ma14="http://schemas.microsoft.com/office/mac/drawingml/2011/main" val="1"/>
             </a:ext>
           </a:extLst>
         </p:spPr>
@@ -5970,7 +5943,7 @@
               </a14:hiddenEffects>
             </a:ext>
             <a:ext uri="{FAA26D3D-D897-4be2-8F04-BA451C77F1D7}">
-              <ma14:placeholderFlag xmlns:ma14="http://schemas.microsoft.com/office/mac/drawingml/2011/main" xmlns="" val="1"/>
+              <ma14:placeholderFlag xmlns="" xmlns:ma14="http://schemas.microsoft.com/office/mac/drawingml/2011/main" val="1"/>
             </a:ext>
           </a:extLst>
         </p:spPr>
@@ -5999,7 +5972,7 @@
             <a:fld id="{5C6DD839-2E5C-A142-A315-95906FA82491}" type="slidenum">
               <a:rPr lang="en-US"/>
               <a:pPr/>
-              <a:t>‹Nr.›</a:t>
+              <a:t>‹#›</a:t>
             </a:fld>
             <a:endParaRPr lang="en-US"/>
           </a:p>
@@ -6653,7 +6626,39 @@
                   <a:srgbClr val="9CA8CB"/>
                 </a:solidFill>
               </a:rPr>
-              <a:t>Abschluss</a:t>
+              <a:t>Lehren</a:t>
+            </a:r>
+            <a:r>
+              <a:rPr lang="en-US" sz="2600" dirty="0" smtClean="0">
+                <a:solidFill>
+                  <a:srgbClr val="9CA8CB"/>
+                </a:solidFill>
+              </a:rPr>
+              <a:t> </a:t>
+            </a:r>
+            <a:r>
+              <a:rPr lang="en-US" sz="2600" dirty="0" err="1" smtClean="0">
+                <a:solidFill>
+                  <a:srgbClr val="9CA8CB"/>
+                </a:solidFill>
+              </a:rPr>
+              <a:t>Sie</a:t>
+            </a:r>
+            <a:r>
+              <a:rPr lang="en-US" sz="2600" dirty="0" smtClean="0">
+                <a:solidFill>
+                  <a:srgbClr val="9CA8CB"/>
+                </a:solidFill>
+              </a:rPr>
+              <a:t> </a:t>
+            </a:r>
+            <a:r>
+              <a:rPr lang="en-US" sz="2600" dirty="0" err="1" smtClean="0">
+                <a:solidFill>
+                  <a:srgbClr val="9CA8CB"/>
+                </a:solidFill>
+              </a:rPr>
+              <a:t>Schachspielen</a:t>
             </a:r>
             <a:endParaRPr lang="en-US" sz="2600" dirty="0">
               <a:solidFill>
@@ -7027,7 +7032,7 @@
               <a:rPr lang="en-US" sz="3600" dirty="0" err="1" smtClean="0">
                 <a:latin typeface="Arial Black" charset="0"/>
               </a:rPr>
-              <a:t>Schachmatt</a:t>
+              <a:t>Angebote</a:t>
             </a:r>
             <a:endParaRPr lang="en-US" sz="3600" dirty="0">
               <a:latin typeface="Arial Black" charset="0"/>
@@ -7035,51 +7040,1317 @@
           </a:p>
         </p:txBody>
       </p:sp>
-      <p:pic>
-        <p:nvPicPr>
-          <p:cNvPr id="7170" name="Picture 2" descr="C:\Users\Beni\Desktop\presi\7_schachmatt.png"/>
-          <p:cNvPicPr>
-            <a:picLocks noChangeAspect="1" noChangeArrowheads="1"/>
-          </p:cNvPicPr>
+      <p:sp>
+        <p:nvSpPr>
+          <p:cNvPr id="4" name="AutoShape 2"/>
+          <p:cNvSpPr>
+            <a:spLocks noChangeArrowheads="1"/>
+          </p:cNvSpPr>
           <p:nvPr/>
-        </p:nvPicPr>
-        <p:blipFill>
-          <a:blip r:embed="rId3">
-            <a:extLst>
-              <a:ext uri="{28A0092B-C50C-407E-A947-70E740481C1C}">
-                <a14:useLocalDpi xmlns:a14="http://schemas.microsoft.com/office/drawing/2010/main" val="0"/>
-              </a:ext>
-            </a:extLst>
-          </a:blip>
-          <a:srcRect/>
-          <a:stretch>
-            <a:fillRect/>
-          </a:stretch>
-        </p:blipFill>
+        </p:nvSpPr>
+        <p:spPr bwMode="auto">
+          <a:xfrm flipV="1">
+            <a:off x="3266256" y="5994920"/>
+            <a:ext cx="4683125" cy="1111250"/>
+          </a:xfrm>
+          <a:custGeom>
+            <a:avLst/>
+            <a:gdLst>
+              <a:gd name="G0" fmla="+- 2930 0 0"/>
+              <a:gd name="G1" fmla="+- 21600 0 2930"/>
+              <a:gd name="G2" fmla="*/ 2930 1 2"/>
+              <a:gd name="G3" fmla="+- 21600 0 G2"/>
+              <a:gd name="G4" fmla="+/ 2930 21600 2"/>
+              <a:gd name="G5" fmla="+/ G1 0 2"/>
+              <a:gd name="G6" fmla="*/ 21600 21600 2930"/>
+              <a:gd name="G7" fmla="*/ G6 1 2"/>
+              <a:gd name="G8" fmla="+- 21600 0 G7"/>
+              <a:gd name="G9" fmla="*/ 21600 1 2"/>
+              <a:gd name="G10" fmla="+- 2930 0 G9"/>
+              <a:gd name="G11" fmla="?: G10 G8 0"/>
+              <a:gd name="G12" fmla="?: G10 G7 21600"/>
+              <a:gd name="T0" fmla="*/ 20135 w 21600"/>
+              <a:gd name="T1" fmla="*/ 10800 h 21600"/>
+              <a:gd name="T2" fmla="*/ 10800 w 21600"/>
+              <a:gd name="T3" fmla="*/ 21600 h 21600"/>
+              <a:gd name="T4" fmla="*/ 1465 w 21600"/>
+              <a:gd name="T5" fmla="*/ 10800 h 21600"/>
+              <a:gd name="T6" fmla="*/ 10800 w 21600"/>
+              <a:gd name="T7" fmla="*/ 0 h 21600"/>
+              <a:gd name="T8" fmla="*/ 3265 w 21600"/>
+              <a:gd name="T9" fmla="*/ 3265 h 21600"/>
+              <a:gd name="T10" fmla="*/ 18335 w 21600"/>
+              <a:gd name="T11" fmla="*/ 18335 h 21600"/>
+            </a:gdLst>
+            <a:ahLst/>
+            <a:cxnLst>
+              <a:cxn ang="0">
+                <a:pos x="T0" y="T1"/>
+              </a:cxn>
+              <a:cxn ang="0">
+                <a:pos x="T2" y="T3"/>
+              </a:cxn>
+              <a:cxn ang="0">
+                <a:pos x="T4" y="T5"/>
+              </a:cxn>
+              <a:cxn ang="0">
+                <a:pos x="T6" y="T7"/>
+              </a:cxn>
+            </a:cxnLst>
+            <a:rect l="T8" t="T9" r="T10" b="T11"/>
+            <a:pathLst>
+              <a:path w="21600" h="21600">
+                <a:moveTo>
+                  <a:pt x="0" y="0"/>
+                </a:moveTo>
+                <a:lnTo>
+                  <a:pt x="2930" y="21600"/>
+                </a:lnTo>
+                <a:lnTo>
+                  <a:pt x="18670" y="21600"/>
+                </a:lnTo>
+                <a:lnTo>
+                  <a:pt x="21600" y="0"/>
+                </a:lnTo>
+                <a:close/>
+              </a:path>
+            </a:pathLst>
+          </a:custGeom>
+          <a:solidFill>
+            <a:srgbClr val="B2C2F5"/>
+          </a:solidFill>
+          <a:ln>
+            <a:noFill/>
+          </a:ln>
+          <a:effectLst/>
+          <a:extLst>
+            <a:ext uri="{91240B29-F687-4f45-9708-019B960494DF}">
+              <a14:hiddenLine xmlns:a14="http://schemas.microsoft.com/office/drawing/2010/main" xmlns="" w="9525">
+                <a:solidFill>
+                  <a:srgbClr val="000000"/>
+                </a:solidFill>
+                <a:round/>
+                <a:headEnd/>
+                <a:tailEnd/>
+              </a14:hiddenLine>
+            </a:ext>
+            <a:ext uri="{AF507438-7753-43e0-B8FC-AC1667EBCBE1}">
+              <a14:hiddenEffects xmlns:a14="http://schemas.microsoft.com/office/drawing/2010/main" xmlns="">
+                <a:effectLst>
+                  <a:outerShdw blurRad="63500" dist="38099" dir="2700000" algn="ctr" rotWithShape="0">
+                    <a:srgbClr val="000000">
+                      <a:alpha val="74998"/>
+                    </a:srgbClr>
+                  </a:outerShdw>
+                </a:effectLst>
+              </a14:hiddenEffects>
+            </a:ext>
+          </a:extLst>
+        </p:spPr>
+        <p:txBody>
+          <a:bodyPr wrap="none" anchor="ctr"/>
+          <a:lstStyle/>
+          <a:p>
+            <a:endParaRPr lang="de-DE" dirty="0"/>
+          </a:p>
+        </p:txBody>
+      </p:sp>
+      <p:sp>
+        <p:nvSpPr>
+          <p:cNvPr id="5" name="AutoShape 4"/>
+          <p:cNvSpPr>
+            <a:spLocks noChangeArrowheads="1"/>
+          </p:cNvSpPr>
+          <p:nvPr/>
+        </p:nvSpPr>
+        <p:spPr bwMode="auto">
+          <a:xfrm flipV="1">
+            <a:off x="3907606" y="4831283"/>
+            <a:ext cx="3370263" cy="1079500"/>
+          </a:xfrm>
+          <a:custGeom>
+            <a:avLst/>
+            <a:gdLst>
+              <a:gd name="G0" fmla="+- 3791 0 0"/>
+              <a:gd name="G1" fmla="+- 21600 0 3791"/>
+              <a:gd name="G2" fmla="*/ 3791 1 2"/>
+              <a:gd name="G3" fmla="+- 21600 0 G2"/>
+              <a:gd name="G4" fmla="+/ 3791 21600 2"/>
+              <a:gd name="G5" fmla="+/ G1 0 2"/>
+              <a:gd name="G6" fmla="*/ 21600 21600 3791"/>
+              <a:gd name="G7" fmla="*/ G6 1 2"/>
+              <a:gd name="G8" fmla="+- 21600 0 G7"/>
+              <a:gd name="G9" fmla="*/ 21600 1 2"/>
+              <a:gd name="G10" fmla="+- 3791 0 G9"/>
+              <a:gd name="G11" fmla="?: G10 G8 0"/>
+              <a:gd name="G12" fmla="?: G10 G7 21600"/>
+              <a:gd name="T0" fmla="*/ 19704 w 21600"/>
+              <a:gd name="T1" fmla="*/ 10800 h 21600"/>
+              <a:gd name="T2" fmla="*/ 10800 w 21600"/>
+              <a:gd name="T3" fmla="*/ 21600 h 21600"/>
+              <a:gd name="T4" fmla="*/ 1896 w 21600"/>
+              <a:gd name="T5" fmla="*/ 10800 h 21600"/>
+              <a:gd name="T6" fmla="*/ 10800 w 21600"/>
+              <a:gd name="T7" fmla="*/ 0 h 21600"/>
+              <a:gd name="T8" fmla="*/ 3696 w 21600"/>
+              <a:gd name="T9" fmla="*/ 3696 h 21600"/>
+              <a:gd name="T10" fmla="*/ 17904 w 21600"/>
+              <a:gd name="T11" fmla="*/ 17904 h 21600"/>
+            </a:gdLst>
+            <a:ahLst/>
+            <a:cxnLst>
+              <a:cxn ang="0">
+                <a:pos x="T0" y="T1"/>
+              </a:cxn>
+              <a:cxn ang="0">
+                <a:pos x="T2" y="T3"/>
+              </a:cxn>
+              <a:cxn ang="0">
+                <a:pos x="T4" y="T5"/>
+              </a:cxn>
+              <a:cxn ang="0">
+                <a:pos x="T6" y="T7"/>
+              </a:cxn>
+            </a:cxnLst>
+            <a:rect l="T8" t="T9" r="T10" b="T11"/>
+            <a:pathLst>
+              <a:path w="21600" h="21600">
+                <a:moveTo>
+                  <a:pt x="0" y="0"/>
+                </a:moveTo>
+                <a:lnTo>
+                  <a:pt x="3791" y="21600"/>
+                </a:lnTo>
+                <a:lnTo>
+                  <a:pt x="17809" y="21600"/>
+                </a:lnTo>
+                <a:lnTo>
+                  <a:pt x="21600" y="0"/>
+                </a:lnTo>
+                <a:close/>
+              </a:path>
+            </a:pathLst>
+          </a:custGeom>
+          <a:solidFill>
+            <a:srgbClr val="9CA8CB"/>
+          </a:solidFill>
+          <a:ln>
+            <a:noFill/>
+          </a:ln>
+          <a:effectLst/>
+          <a:extLst>
+            <a:ext uri="{91240B29-F687-4f45-9708-019B960494DF}">
+              <a14:hiddenLine xmlns:a14="http://schemas.microsoft.com/office/drawing/2010/main" xmlns="" w="9525">
+                <a:solidFill>
+                  <a:srgbClr val="000000"/>
+                </a:solidFill>
+                <a:round/>
+                <a:headEnd/>
+                <a:tailEnd/>
+              </a14:hiddenLine>
+            </a:ext>
+            <a:ext uri="{AF507438-7753-43e0-B8FC-AC1667EBCBE1}">
+              <a14:hiddenEffects xmlns:a14="http://schemas.microsoft.com/office/drawing/2010/main" xmlns="">
+                <a:effectLst>
+                  <a:outerShdw blurRad="63500" dist="38099" dir="2700000" algn="ctr" rotWithShape="0">
+                    <a:srgbClr val="000000">
+                      <a:alpha val="74998"/>
+                    </a:srgbClr>
+                  </a:outerShdw>
+                </a:effectLst>
+              </a14:hiddenEffects>
+            </a:ext>
+          </a:extLst>
+        </p:spPr>
+        <p:txBody>
+          <a:bodyPr wrap="none" anchor="ctr"/>
+          <a:lstStyle/>
+          <a:p>
+            <a:endParaRPr lang="de-DE"/>
+          </a:p>
+        </p:txBody>
+      </p:sp>
+      <p:sp>
+        <p:nvSpPr>
+          <p:cNvPr id="6" name="AutoShape 7"/>
+          <p:cNvSpPr>
+            <a:spLocks noChangeArrowheads="1"/>
+          </p:cNvSpPr>
+          <p:nvPr/>
+        </p:nvSpPr>
         <p:spPr bwMode="auto">
           <a:xfrm>
-            <a:off x="2304008" y="1272411"/>
-            <a:ext cx="6912768" cy="6035818"/>
+            <a:off x="4536256" y="2843733"/>
+            <a:ext cx="2128838" cy="1928812"/>
+          </a:xfrm>
+          <a:prstGeom prst="triangle">
+            <a:avLst>
+              <a:gd name="adj" fmla="val 50023"/>
+            </a:avLst>
+          </a:prstGeom>
+          <a:solidFill>
+            <a:srgbClr val="7985A9"/>
+          </a:solidFill>
+          <a:ln>
+            <a:noFill/>
+          </a:ln>
+          <a:effectLst/>
+          <a:extLst>
+            <a:ext uri="{91240B29-F687-4f45-9708-019B960494DF}">
+              <a14:hiddenLine xmlns:a14="http://schemas.microsoft.com/office/drawing/2010/main" xmlns="" w="9525">
+                <a:solidFill>
+                  <a:srgbClr val="000000"/>
+                </a:solidFill>
+                <a:round/>
+                <a:headEnd/>
+                <a:tailEnd/>
+              </a14:hiddenLine>
+            </a:ext>
+            <a:ext uri="{AF507438-7753-43e0-B8FC-AC1667EBCBE1}">
+              <a14:hiddenEffects xmlns:a14="http://schemas.microsoft.com/office/drawing/2010/main" xmlns="">
+                <a:effectLst>
+                  <a:outerShdw blurRad="63500" dist="38099" dir="2700000" algn="ctr" rotWithShape="0">
+                    <a:srgbClr val="000000">
+                      <a:alpha val="74998"/>
+                    </a:srgbClr>
+                  </a:outerShdw>
+                </a:effectLst>
+              </a14:hiddenEffects>
+            </a:ext>
+          </a:extLst>
+        </p:spPr>
+        <p:txBody>
+          <a:bodyPr wrap="none" anchor="ctr"/>
+          <a:lstStyle/>
+          <a:p>
+            <a:endParaRPr lang="de-DE"/>
+          </a:p>
+        </p:txBody>
+      </p:sp>
+      <p:sp>
+        <p:nvSpPr>
+          <p:cNvPr id="7" name="Text Box 5"/>
+          <p:cNvSpPr txBox="1">
+            <a:spLocks noChangeArrowheads="1"/>
+          </p:cNvSpPr>
+          <p:nvPr/>
+        </p:nvSpPr>
+        <p:spPr bwMode="auto">
+          <a:xfrm>
+            <a:off x="4698380" y="5224760"/>
+            <a:ext cx="1872208" cy="354012"/>
           </a:xfrm>
           <a:prstGeom prst="rect">
             <a:avLst/>
           </a:prstGeom>
           <a:noFill/>
+          <a:ln>
+            <a:noFill/>
+          </a:ln>
+          <a:effectLst/>
           <a:extLst>
-            <a:ext uri="{909E8E84-426E-40DD-AFC4-6F175D3DCCD1}">
-              <a14:hiddenFill xmlns:a14="http://schemas.microsoft.com/office/drawing/2010/main">
+            <a:ext uri="{909E8E84-426E-40dd-AFC4-6F175D3DCCD1}">
+              <a14:hiddenFill xmlns:a14="http://schemas.microsoft.com/office/drawing/2010/main" xmlns="">
                 <a:solidFill>
                   <a:srgbClr val="FFFFFF"/>
                 </a:solidFill>
               </a14:hiddenFill>
+            </a:ext>
+            <a:ext uri="{91240B29-F687-4f45-9708-019B960494DF}">
+              <a14:hiddenLine xmlns:a14="http://schemas.microsoft.com/office/drawing/2010/main" xmlns="" w="9525">
+                <a:solidFill>
+                  <a:srgbClr val="000000"/>
+                </a:solidFill>
+                <a:round/>
+                <a:headEnd/>
+                <a:tailEnd/>
+              </a14:hiddenLine>
+            </a:ext>
+            <a:ext uri="{AF507438-7753-43e0-B8FC-AC1667EBCBE1}">
+              <a14:hiddenEffects xmlns:a14="http://schemas.microsoft.com/office/drawing/2010/main" xmlns="">
+                <a:effectLst>
+                  <a:outerShdw blurRad="63500" dist="38099" dir="2700000" algn="ctr" rotWithShape="0">
+                    <a:srgbClr val="000000">
+                      <a:alpha val="74998"/>
+                    </a:srgbClr>
+                  </a:outerShdw>
+                </a:effectLst>
+              </a14:hiddenEffects>
             </a:ext>
           </a:extLst>
         </p:spPr>
-      </p:pic>
+        <p:txBody>
+          <a:bodyPr lIns="90000" tIns="60876" rIns="90000" bIns="45000"/>
+          <a:lstStyle>
+            <a:lvl1pPr>
+              <a:tabLst>
+                <a:tab pos="723900" algn="l"/>
+                <a:tab pos="1447800" algn="l"/>
+              </a:tabLst>
+              <a:defRPr>
+                <a:solidFill>
+                  <a:srgbClr val="000000"/>
+                </a:solidFill>
+                <a:latin typeface="Arial" charset="0"/>
+                <a:ea typeface="宋体" charset="0"/>
+                <a:cs typeface="宋体" charset="0"/>
+              </a:defRPr>
+            </a:lvl1pPr>
+            <a:lvl2pPr>
+              <a:tabLst>
+                <a:tab pos="723900" algn="l"/>
+                <a:tab pos="1447800" algn="l"/>
+              </a:tabLst>
+              <a:defRPr>
+                <a:solidFill>
+                  <a:srgbClr val="000000"/>
+                </a:solidFill>
+                <a:latin typeface="Arial" charset="0"/>
+                <a:ea typeface="宋体" charset="0"/>
+                <a:cs typeface="宋体" charset="0"/>
+              </a:defRPr>
+            </a:lvl2pPr>
+            <a:lvl3pPr>
+              <a:tabLst>
+                <a:tab pos="723900" algn="l"/>
+                <a:tab pos="1447800" algn="l"/>
+              </a:tabLst>
+              <a:defRPr>
+                <a:solidFill>
+                  <a:srgbClr val="000000"/>
+                </a:solidFill>
+                <a:latin typeface="Arial" charset="0"/>
+                <a:ea typeface="宋体" charset="0"/>
+                <a:cs typeface="宋体" charset="0"/>
+              </a:defRPr>
+            </a:lvl3pPr>
+            <a:lvl4pPr>
+              <a:tabLst>
+                <a:tab pos="723900" algn="l"/>
+                <a:tab pos="1447800" algn="l"/>
+              </a:tabLst>
+              <a:defRPr>
+                <a:solidFill>
+                  <a:srgbClr val="000000"/>
+                </a:solidFill>
+                <a:latin typeface="Arial" charset="0"/>
+                <a:ea typeface="宋体" charset="0"/>
+                <a:cs typeface="宋体" charset="0"/>
+              </a:defRPr>
+            </a:lvl4pPr>
+            <a:lvl5pPr>
+              <a:tabLst>
+                <a:tab pos="723900" algn="l"/>
+                <a:tab pos="1447800" algn="l"/>
+              </a:tabLst>
+              <a:defRPr>
+                <a:solidFill>
+                  <a:srgbClr val="000000"/>
+                </a:solidFill>
+                <a:latin typeface="Arial" charset="0"/>
+                <a:ea typeface="宋体" charset="0"/>
+                <a:cs typeface="宋体" charset="0"/>
+              </a:defRPr>
+            </a:lvl5pPr>
+            <a:lvl6pPr marL="2514600" indent="-228600" defTabSz="449263" fontAlgn="base" hangingPunct="0">
+              <a:lnSpc>
+                <a:spcPct val="93000"/>
+              </a:lnSpc>
+              <a:spcBef>
+                <a:spcPct val="0"/>
+              </a:spcBef>
+              <a:spcAft>
+                <a:spcPct val="0"/>
+              </a:spcAft>
+              <a:buClr>
+                <a:srgbClr val="000000"/>
+              </a:buClr>
+              <a:buSzPct val="100000"/>
+              <a:buFont typeface="Times New Roman" charset="0"/>
+              <a:tabLst>
+                <a:tab pos="723900" algn="l"/>
+                <a:tab pos="1447800" algn="l"/>
+              </a:tabLst>
+              <a:defRPr>
+                <a:solidFill>
+                  <a:srgbClr val="000000"/>
+                </a:solidFill>
+                <a:latin typeface="Arial" charset="0"/>
+                <a:ea typeface="宋体" charset="0"/>
+                <a:cs typeface="宋体" charset="0"/>
+              </a:defRPr>
+            </a:lvl6pPr>
+            <a:lvl7pPr marL="2971800" indent="-228600" defTabSz="449263" fontAlgn="base" hangingPunct="0">
+              <a:lnSpc>
+                <a:spcPct val="93000"/>
+              </a:lnSpc>
+              <a:spcBef>
+                <a:spcPct val="0"/>
+              </a:spcBef>
+              <a:spcAft>
+                <a:spcPct val="0"/>
+              </a:spcAft>
+              <a:buClr>
+                <a:srgbClr val="000000"/>
+              </a:buClr>
+              <a:buSzPct val="100000"/>
+              <a:buFont typeface="Times New Roman" charset="0"/>
+              <a:tabLst>
+                <a:tab pos="723900" algn="l"/>
+                <a:tab pos="1447800" algn="l"/>
+              </a:tabLst>
+              <a:defRPr>
+                <a:solidFill>
+                  <a:srgbClr val="000000"/>
+                </a:solidFill>
+                <a:latin typeface="Arial" charset="0"/>
+                <a:ea typeface="宋体" charset="0"/>
+                <a:cs typeface="宋体" charset="0"/>
+              </a:defRPr>
+            </a:lvl7pPr>
+            <a:lvl8pPr marL="3429000" indent="-228600" defTabSz="449263" fontAlgn="base" hangingPunct="0">
+              <a:lnSpc>
+                <a:spcPct val="93000"/>
+              </a:lnSpc>
+              <a:spcBef>
+                <a:spcPct val="0"/>
+              </a:spcBef>
+              <a:spcAft>
+                <a:spcPct val="0"/>
+              </a:spcAft>
+              <a:buClr>
+                <a:srgbClr val="000000"/>
+              </a:buClr>
+              <a:buSzPct val="100000"/>
+              <a:buFont typeface="Times New Roman" charset="0"/>
+              <a:tabLst>
+                <a:tab pos="723900" algn="l"/>
+                <a:tab pos="1447800" algn="l"/>
+              </a:tabLst>
+              <a:defRPr>
+                <a:solidFill>
+                  <a:srgbClr val="000000"/>
+                </a:solidFill>
+                <a:latin typeface="Arial" charset="0"/>
+                <a:ea typeface="宋体" charset="0"/>
+                <a:cs typeface="宋体" charset="0"/>
+              </a:defRPr>
+            </a:lvl8pPr>
+            <a:lvl9pPr marL="3886200" indent="-228600" defTabSz="449263" fontAlgn="base" hangingPunct="0">
+              <a:lnSpc>
+                <a:spcPct val="93000"/>
+              </a:lnSpc>
+              <a:spcBef>
+                <a:spcPct val="0"/>
+              </a:spcBef>
+              <a:spcAft>
+                <a:spcPct val="0"/>
+              </a:spcAft>
+              <a:buClr>
+                <a:srgbClr val="000000"/>
+              </a:buClr>
+              <a:buSzPct val="100000"/>
+              <a:buFont typeface="Times New Roman" charset="0"/>
+              <a:tabLst>
+                <a:tab pos="723900" algn="l"/>
+                <a:tab pos="1447800" algn="l"/>
+              </a:tabLst>
+              <a:defRPr>
+                <a:solidFill>
+                  <a:srgbClr val="000000"/>
+                </a:solidFill>
+                <a:latin typeface="Arial" charset="0"/>
+                <a:ea typeface="宋体" charset="0"/>
+                <a:cs typeface="宋体" charset="0"/>
+              </a:defRPr>
+            </a:lvl9pPr>
+          </a:lstStyle>
+          <a:p>
+            <a:pPr algn="ctr"/>
+            <a:r>
+              <a:rPr lang="en-US" b="1" dirty="0" err="1" smtClean="0"/>
+              <a:t>Zugvorschläge</a:t>
+            </a:r>
+            <a:endParaRPr lang="en-US" b="1" dirty="0"/>
+          </a:p>
+        </p:txBody>
+      </p:sp>
+      <p:sp>
+        <p:nvSpPr>
+          <p:cNvPr id="8" name="Text Box 8"/>
+          <p:cNvSpPr txBox="1">
+            <a:spLocks noChangeArrowheads="1"/>
+          </p:cNvSpPr>
+          <p:nvPr/>
+        </p:nvSpPr>
+        <p:spPr bwMode="auto">
+          <a:xfrm>
+            <a:off x="4897884" y="6336009"/>
+            <a:ext cx="1473200" cy="354013"/>
+          </a:xfrm>
+          <a:prstGeom prst="rect">
+            <a:avLst/>
+          </a:prstGeom>
+          <a:noFill/>
+          <a:ln>
+            <a:noFill/>
+          </a:ln>
+          <a:effectLst/>
+          <a:extLst>
+            <a:ext uri="{909E8E84-426E-40dd-AFC4-6F175D3DCCD1}">
+              <a14:hiddenFill xmlns:a14="http://schemas.microsoft.com/office/drawing/2010/main" xmlns="">
+                <a:solidFill>
+                  <a:srgbClr val="FFFFFF"/>
+                </a:solidFill>
+              </a14:hiddenFill>
+            </a:ext>
+            <a:ext uri="{91240B29-F687-4f45-9708-019B960494DF}">
+              <a14:hiddenLine xmlns:a14="http://schemas.microsoft.com/office/drawing/2010/main" xmlns="" w="9525">
+                <a:solidFill>
+                  <a:srgbClr val="000000"/>
+                </a:solidFill>
+                <a:round/>
+                <a:headEnd/>
+                <a:tailEnd/>
+              </a14:hiddenLine>
+            </a:ext>
+            <a:ext uri="{AF507438-7753-43e0-B8FC-AC1667EBCBE1}">
+              <a14:hiddenEffects xmlns:a14="http://schemas.microsoft.com/office/drawing/2010/main" xmlns="">
+                <a:effectLst>
+                  <a:outerShdw blurRad="63500" dist="38099" dir="2700000" algn="ctr" rotWithShape="0">
+                    <a:srgbClr val="000000">
+                      <a:alpha val="74998"/>
+                    </a:srgbClr>
+                  </a:outerShdw>
+                </a:effectLst>
+              </a14:hiddenEffects>
+            </a:ext>
+          </a:extLst>
+        </p:spPr>
+        <p:txBody>
+          <a:bodyPr lIns="90000" tIns="60876" rIns="90000" bIns="45000"/>
+          <a:lstStyle>
+            <a:lvl1pPr>
+              <a:tabLst>
+                <a:tab pos="723900" algn="l"/>
+                <a:tab pos="1447800" algn="l"/>
+              </a:tabLst>
+              <a:defRPr>
+                <a:solidFill>
+                  <a:srgbClr val="000000"/>
+                </a:solidFill>
+                <a:latin typeface="Arial" charset="0"/>
+                <a:ea typeface="宋体" charset="0"/>
+                <a:cs typeface="宋体" charset="0"/>
+              </a:defRPr>
+            </a:lvl1pPr>
+            <a:lvl2pPr>
+              <a:tabLst>
+                <a:tab pos="723900" algn="l"/>
+                <a:tab pos="1447800" algn="l"/>
+              </a:tabLst>
+              <a:defRPr>
+                <a:solidFill>
+                  <a:srgbClr val="000000"/>
+                </a:solidFill>
+                <a:latin typeface="Arial" charset="0"/>
+                <a:ea typeface="宋体" charset="0"/>
+                <a:cs typeface="宋体" charset="0"/>
+              </a:defRPr>
+            </a:lvl2pPr>
+            <a:lvl3pPr>
+              <a:tabLst>
+                <a:tab pos="723900" algn="l"/>
+                <a:tab pos="1447800" algn="l"/>
+              </a:tabLst>
+              <a:defRPr>
+                <a:solidFill>
+                  <a:srgbClr val="000000"/>
+                </a:solidFill>
+                <a:latin typeface="Arial" charset="0"/>
+                <a:ea typeface="宋体" charset="0"/>
+                <a:cs typeface="宋体" charset="0"/>
+              </a:defRPr>
+            </a:lvl3pPr>
+            <a:lvl4pPr>
+              <a:tabLst>
+                <a:tab pos="723900" algn="l"/>
+                <a:tab pos="1447800" algn="l"/>
+              </a:tabLst>
+              <a:defRPr>
+                <a:solidFill>
+                  <a:srgbClr val="000000"/>
+                </a:solidFill>
+                <a:latin typeface="Arial" charset="0"/>
+                <a:ea typeface="宋体" charset="0"/>
+                <a:cs typeface="宋体" charset="0"/>
+              </a:defRPr>
+            </a:lvl4pPr>
+            <a:lvl5pPr>
+              <a:tabLst>
+                <a:tab pos="723900" algn="l"/>
+                <a:tab pos="1447800" algn="l"/>
+              </a:tabLst>
+              <a:defRPr>
+                <a:solidFill>
+                  <a:srgbClr val="000000"/>
+                </a:solidFill>
+                <a:latin typeface="Arial" charset="0"/>
+                <a:ea typeface="宋体" charset="0"/>
+                <a:cs typeface="宋体" charset="0"/>
+              </a:defRPr>
+            </a:lvl5pPr>
+            <a:lvl6pPr marL="2514600" indent="-228600" defTabSz="449263" fontAlgn="base" hangingPunct="0">
+              <a:lnSpc>
+                <a:spcPct val="93000"/>
+              </a:lnSpc>
+              <a:spcBef>
+                <a:spcPct val="0"/>
+              </a:spcBef>
+              <a:spcAft>
+                <a:spcPct val="0"/>
+              </a:spcAft>
+              <a:buClr>
+                <a:srgbClr val="000000"/>
+              </a:buClr>
+              <a:buSzPct val="100000"/>
+              <a:buFont typeface="Times New Roman" charset="0"/>
+              <a:tabLst>
+                <a:tab pos="723900" algn="l"/>
+                <a:tab pos="1447800" algn="l"/>
+              </a:tabLst>
+              <a:defRPr>
+                <a:solidFill>
+                  <a:srgbClr val="000000"/>
+                </a:solidFill>
+                <a:latin typeface="Arial" charset="0"/>
+                <a:ea typeface="宋体" charset="0"/>
+                <a:cs typeface="宋体" charset="0"/>
+              </a:defRPr>
+            </a:lvl6pPr>
+            <a:lvl7pPr marL="2971800" indent="-228600" defTabSz="449263" fontAlgn="base" hangingPunct="0">
+              <a:lnSpc>
+                <a:spcPct val="93000"/>
+              </a:lnSpc>
+              <a:spcBef>
+                <a:spcPct val="0"/>
+              </a:spcBef>
+              <a:spcAft>
+                <a:spcPct val="0"/>
+              </a:spcAft>
+              <a:buClr>
+                <a:srgbClr val="000000"/>
+              </a:buClr>
+              <a:buSzPct val="100000"/>
+              <a:buFont typeface="Times New Roman" charset="0"/>
+              <a:tabLst>
+                <a:tab pos="723900" algn="l"/>
+                <a:tab pos="1447800" algn="l"/>
+              </a:tabLst>
+              <a:defRPr>
+                <a:solidFill>
+                  <a:srgbClr val="000000"/>
+                </a:solidFill>
+                <a:latin typeface="Arial" charset="0"/>
+                <a:ea typeface="宋体" charset="0"/>
+                <a:cs typeface="宋体" charset="0"/>
+              </a:defRPr>
+            </a:lvl7pPr>
+            <a:lvl8pPr marL="3429000" indent="-228600" defTabSz="449263" fontAlgn="base" hangingPunct="0">
+              <a:lnSpc>
+                <a:spcPct val="93000"/>
+              </a:lnSpc>
+              <a:spcBef>
+                <a:spcPct val="0"/>
+              </a:spcBef>
+              <a:spcAft>
+                <a:spcPct val="0"/>
+              </a:spcAft>
+              <a:buClr>
+                <a:srgbClr val="000000"/>
+              </a:buClr>
+              <a:buSzPct val="100000"/>
+              <a:buFont typeface="Times New Roman" charset="0"/>
+              <a:tabLst>
+                <a:tab pos="723900" algn="l"/>
+                <a:tab pos="1447800" algn="l"/>
+              </a:tabLst>
+              <a:defRPr>
+                <a:solidFill>
+                  <a:srgbClr val="000000"/>
+                </a:solidFill>
+                <a:latin typeface="Arial" charset="0"/>
+                <a:ea typeface="宋体" charset="0"/>
+                <a:cs typeface="宋体" charset="0"/>
+              </a:defRPr>
+            </a:lvl8pPr>
+            <a:lvl9pPr marL="3886200" indent="-228600" defTabSz="449263" fontAlgn="base" hangingPunct="0">
+              <a:lnSpc>
+                <a:spcPct val="93000"/>
+              </a:lnSpc>
+              <a:spcBef>
+                <a:spcPct val="0"/>
+              </a:spcBef>
+              <a:spcAft>
+                <a:spcPct val="0"/>
+              </a:spcAft>
+              <a:buClr>
+                <a:srgbClr val="000000"/>
+              </a:buClr>
+              <a:buSzPct val="100000"/>
+              <a:buFont typeface="Times New Roman" charset="0"/>
+              <a:tabLst>
+                <a:tab pos="723900" algn="l"/>
+                <a:tab pos="1447800" algn="l"/>
+              </a:tabLst>
+              <a:defRPr>
+                <a:solidFill>
+                  <a:srgbClr val="000000"/>
+                </a:solidFill>
+                <a:latin typeface="Arial" charset="0"/>
+                <a:ea typeface="宋体" charset="0"/>
+                <a:cs typeface="宋体" charset="0"/>
+              </a:defRPr>
+            </a:lvl9pPr>
+          </a:lstStyle>
+          <a:p>
+            <a:pPr algn="ctr"/>
+            <a:r>
+              <a:rPr lang="en-US" b="1" dirty="0" smtClean="0"/>
+              <a:t>Spiel</a:t>
+            </a:r>
+            <a:endParaRPr lang="en-US" b="1" dirty="0"/>
+          </a:p>
+        </p:txBody>
+      </p:sp>
+      <p:sp>
+        <p:nvSpPr>
+          <p:cNvPr id="9" name="Text Box 10"/>
+          <p:cNvSpPr txBox="1">
+            <a:spLocks noChangeArrowheads="1"/>
+          </p:cNvSpPr>
+          <p:nvPr/>
+        </p:nvSpPr>
+        <p:spPr bwMode="auto">
+          <a:xfrm>
+            <a:off x="4924871" y="4094459"/>
+            <a:ext cx="1368425" cy="354013"/>
+          </a:xfrm>
+          <a:prstGeom prst="rect">
+            <a:avLst/>
+          </a:prstGeom>
+          <a:noFill/>
+          <a:ln>
+            <a:noFill/>
+          </a:ln>
+          <a:effectLst/>
+          <a:extLst>
+            <a:ext uri="{909E8E84-426E-40dd-AFC4-6F175D3DCCD1}">
+              <a14:hiddenFill xmlns:a14="http://schemas.microsoft.com/office/drawing/2010/main" xmlns="">
+                <a:solidFill>
+                  <a:srgbClr val="FFFFFF"/>
+                </a:solidFill>
+              </a14:hiddenFill>
+            </a:ext>
+            <a:ext uri="{91240B29-F687-4f45-9708-019B960494DF}">
+              <a14:hiddenLine xmlns:a14="http://schemas.microsoft.com/office/drawing/2010/main" xmlns="" w="9525">
+                <a:solidFill>
+                  <a:srgbClr val="000000"/>
+                </a:solidFill>
+                <a:round/>
+                <a:headEnd/>
+                <a:tailEnd/>
+              </a14:hiddenLine>
+            </a:ext>
+            <a:ext uri="{AF507438-7753-43e0-B8FC-AC1667EBCBE1}">
+              <a14:hiddenEffects xmlns:a14="http://schemas.microsoft.com/office/drawing/2010/main" xmlns="">
+                <a:effectLst>
+                  <a:outerShdw blurRad="63500" dist="38099" dir="2700000" algn="ctr" rotWithShape="0">
+                    <a:srgbClr val="000000">
+                      <a:alpha val="74998"/>
+                    </a:srgbClr>
+                  </a:outerShdw>
+                </a:effectLst>
+              </a14:hiddenEffects>
+            </a:ext>
+          </a:extLst>
+        </p:spPr>
+        <p:txBody>
+          <a:bodyPr lIns="90000" tIns="60876" rIns="90000" bIns="45000"/>
+          <a:lstStyle>
+            <a:lvl1pPr>
+              <a:tabLst>
+                <a:tab pos="723900" algn="l"/>
+              </a:tabLst>
+              <a:defRPr>
+                <a:solidFill>
+                  <a:srgbClr val="000000"/>
+                </a:solidFill>
+                <a:latin typeface="Arial" charset="0"/>
+                <a:ea typeface="宋体" charset="0"/>
+                <a:cs typeface="宋体" charset="0"/>
+              </a:defRPr>
+            </a:lvl1pPr>
+            <a:lvl2pPr>
+              <a:tabLst>
+                <a:tab pos="723900" algn="l"/>
+              </a:tabLst>
+              <a:defRPr>
+                <a:solidFill>
+                  <a:srgbClr val="000000"/>
+                </a:solidFill>
+                <a:latin typeface="Arial" charset="0"/>
+                <a:ea typeface="宋体" charset="0"/>
+                <a:cs typeface="宋体" charset="0"/>
+              </a:defRPr>
+            </a:lvl2pPr>
+            <a:lvl3pPr>
+              <a:tabLst>
+                <a:tab pos="723900" algn="l"/>
+              </a:tabLst>
+              <a:defRPr>
+                <a:solidFill>
+                  <a:srgbClr val="000000"/>
+                </a:solidFill>
+                <a:latin typeface="Arial" charset="0"/>
+                <a:ea typeface="宋体" charset="0"/>
+                <a:cs typeface="宋体" charset="0"/>
+              </a:defRPr>
+            </a:lvl3pPr>
+            <a:lvl4pPr>
+              <a:tabLst>
+                <a:tab pos="723900" algn="l"/>
+              </a:tabLst>
+              <a:defRPr>
+                <a:solidFill>
+                  <a:srgbClr val="000000"/>
+                </a:solidFill>
+                <a:latin typeface="Arial" charset="0"/>
+                <a:ea typeface="宋体" charset="0"/>
+                <a:cs typeface="宋体" charset="0"/>
+              </a:defRPr>
+            </a:lvl4pPr>
+            <a:lvl5pPr>
+              <a:tabLst>
+                <a:tab pos="723900" algn="l"/>
+              </a:tabLst>
+              <a:defRPr>
+                <a:solidFill>
+                  <a:srgbClr val="000000"/>
+                </a:solidFill>
+                <a:latin typeface="Arial" charset="0"/>
+                <a:ea typeface="宋体" charset="0"/>
+                <a:cs typeface="宋体" charset="0"/>
+              </a:defRPr>
+            </a:lvl5pPr>
+            <a:lvl6pPr marL="2514600" indent="-228600" defTabSz="449263" fontAlgn="base" hangingPunct="0">
+              <a:lnSpc>
+                <a:spcPct val="93000"/>
+              </a:lnSpc>
+              <a:spcBef>
+                <a:spcPct val="0"/>
+              </a:spcBef>
+              <a:spcAft>
+                <a:spcPct val="0"/>
+              </a:spcAft>
+              <a:buClr>
+                <a:srgbClr val="000000"/>
+              </a:buClr>
+              <a:buSzPct val="100000"/>
+              <a:buFont typeface="Times New Roman" charset="0"/>
+              <a:tabLst>
+                <a:tab pos="723900" algn="l"/>
+              </a:tabLst>
+              <a:defRPr>
+                <a:solidFill>
+                  <a:srgbClr val="000000"/>
+                </a:solidFill>
+                <a:latin typeface="Arial" charset="0"/>
+                <a:ea typeface="宋体" charset="0"/>
+                <a:cs typeface="宋体" charset="0"/>
+              </a:defRPr>
+            </a:lvl6pPr>
+            <a:lvl7pPr marL="2971800" indent="-228600" defTabSz="449263" fontAlgn="base" hangingPunct="0">
+              <a:lnSpc>
+                <a:spcPct val="93000"/>
+              </a:lnSpc>
+              <a:spcBef>
+                <a:spcPct val="0"/>
+              </a:spcBef>
+              <a:spcAft>
+                <a:spcPct val="0"/>
+              </a:spcAft>
+              <a:buClr>
+                <a:srgbClr val="000000"/>
+              </a:buClr>
+              <a:buSzPct val="100000"/>
+              <a:buFont typeface="Times New Roman" charset="0"/>
+              <a:tabLst>
+                <a:tab pos="723900" algn="l"/>
+              </a:tabLst>
+              <a:defRPr>
+                <a:solidFill>
+                  <a:srgbClr val="000000"/>
+                </a:solidFill>
+                <a:latin typeface="Arial" charset="0"/>
+                <a:ea typeface="宋体" charset="0"/>
+                <a:cs typeface="宋体" charset="0"/>
+              </a:defRPr>
+            </a:lvl7pPr>
+            <a:lvl8pPr marL="3429000" indent="-228600" defTabSz="449263" fontAlgn="base" hangingPunct="0">
+              <a:lnSpc>
+                <a:spcPct val="93000"/>
+              </a:lnSpc>
+              <a:spcBef>
+                <a:spcPct val="0"/>
+              </a:spcBef>
+              <a:spcAft>
+                <a:spcPct val="0"/>
+              </a:spcAft>
+              <a:buClr>
+                <a:srgbClr val="000000"/>
+              </a:buClr>
+              <a:buSzPct val="100000"/>
+              <a:buFont typeface="Times New Roman" charset="0"/>
+              <a:tabLst>
+                <a:tab pos="723900" algn="l"/>
+              </a:tabLst>
+              <a:defRPr>
+                <a:solidFill>
+                  <a:srgbClr val="000000"/>
+                </a:solidFill>
+                <a:latin typeface="Arial" charset="0"/>
+                <a:ea typeface="宋体" charset="0"/>
+                <a:cs typeface="宋体" charset="0"/>
+              </a:defRPr>
+            </a:lvl8pPr>
+            <a:lvl9pPr marL="3886200" indent="-228600" defTabSz="449263" fontAlgn="base" hangingPunct="0">
+              <a:lnSpc>
+                <a:spcPct val="93000"/>
+              </a:lnSpc>
+              <a:spcBef>
+                <a:spcPct val="0"/>
+              </a:spcBef>
+              <a:spcAft>
+                <a:spcPct val="0"/>
+              </a:spcAft>
+              <a:buClr>
+                <a:srgbClr val="000000"/>
+              </a:buClr>
+              <a:buSzPct val="100000"/>
+              <a:buFont typeface="Times New Roman" charset="0"/>
+              <a:tabLst>
+                <a:tab pos="723900" algn="l"/>
+              </a:tabLst>
+              <a:defRPr>
+                <a:solidFill>
+                  <a:srgbClr val="000000"/>
+                </a:solidFill>
+                <a:latin typeface="Arial" charset="0"/>
+                <a:ea typeface="宋体" charset="0"/>
+                <a:cs typeface="宋体" charset="0"/>
+              </a:defRPr>
+            </a:lvl9pPr>
+          </a:lstStyle>
+          <a:p>
+            <a:pPr algn="ctr"/>
+            <a:r>
+              <a:rPr lang="en-US" b="1" dirty="0" smtClean="0"/>
+              <a:t>Computer-</a:t>
+            </a:r>
+            <a:br>
+              <a:rPr lang="en-US" b="1" dirty="0" smtClean="0"/>
+            </a:br>
+            <a:r>
+              <a:rPr lang="en-US" b="1" dirty="0" err="1" smtClean="0"/>
+              <a:t>gegner</a:t>
+            </a:r>
+            <a:endParaRPr lang="en-US" b="1" dirty="0"/>
+          </a:p>
+        </p:txBody>
+      </p:sp>
+      <p:sp>
+        <p:nvSpPr>
+          <p:cNvPr id="10" name="Content Placeholder 2"/>
+          <p:cNvSpPr txBox="1">
+            <a:spLocks/>
+          </p:cNvSpPr>
+          <p:nvPr/>
+        </p:nvSpPr>
+        <p:spPr>
+          <a:xfrm>
+            <a:off x="2035546" y="1213556"/>
+            <a:ext cx="7844681" cy="5539754"/>
+          </a:xfrm>
+          <a:prstGeom prst="rect">
+            <a:avLst/>
+          </a:prstGeom>
+        </p:spPr>
+        <p:txBody>
+          <a:bodyPr/>
+          <a:lstStyle>
+            <a:lvl1pPr marL="342900" indent="-342900" algn="l" defTabSz="449263" rtl="0" fontAlgn="base" hangingPunct="0">
+              <a:lnSpc>
+                <a:spcPct val="93000"/>
+              </a:lnSpc>
+              <a:spcBef>
+                <a:spcPct val="0"/>
+              </a:spcBef>
+              <a:spcAft>
+                <a:spcPts val="1425"/>
+              </a:spcAft>
+              <a:buClr>
+                <a:srgbClr val="000000"/>
+              </a:buClr>
+              <a:buSzPct val="100000"/>
+              <a:buFont typeface="Times New Roman" charset="0"/>
+              <a:defRPr sz="3200">
+                <a:solidFill>
+                  <a:srgbClr val="000000"/>
+                </a:solidFill>
+                <a:latin typeface="+mn-lt"/>
+                <a:ea typeface="+mn-ea"/>
+                <a:cs typeface="+mn-cs"/>
+              </a:defRPr>
+            </a:lvl1pPr>
+            <a:lvl2pPr marL="742950" indent="-285750" algn="l" defTabSz="449263" rtl="0" fontAlgn="base" hangingPunct="0">
+              <a:lnSpc>
+                <a:spcPct val="93000"/>
+              </a:lnSpc>
+              <a:spcBef>
+                <a:spcPct val="0"/>
+              </a:spcBef>
+              <a:spcAft>
+                <a:spcPts val="1138"/>
+              </a:spcAft>
+              <a:buClr>
+                <a:srgbClr val="000000"/>
+              </a:buClr>
+              <a:buSzPct val="100000"/>
+              <a:buFont typeface="Times New Roman" charset="0"/>
+              <a:defRPr sz="2800">
+                <a:solidFill>
+                  <a:srgbClr val="000000"/>
+                </a:solidFill>
+                <a:latin typeface="+mn-lt"/>
+                <a:ea typeface="+mn-ea"/>
+                <a:cs typeface="+mn-cs"/>
+              </a:defRPr>
+            </a:lvl2pPr>
+            <a:lvl3pPr marL="1143000" indent="-228600" algn="l" defTabSz="449263" rtl="0" fontAlgn="base" hangingPunct="0">
+              <a:lnSpc>
+                <a:spcPct val="93000"/>
+              </a:lnSpc>
+              <a:spcBef>
+                <a:spcPct val="0"/>
+              </a:spcBef>
+              <a:spcAft>
+                <a:spcPts val="850"/>
+              </a:spcAft>
+              <a:buClr>
+                <a:srgbClr val="000000"/>
+              </a:buClr>
+              <a:buSzPct val="100000"/>
+              <a:buFont typeface="Times New Roman" charset="0"/>
+              <a:defRPr sz="2400">
+                <a:solidFill>
+                  <a:srgbClr val="000000"/>
+                </a:solidFill>
+                <a:latin typeface="+mn-lt"/>
+                <a:ea typeface="+mn-ea"/>
+                <a:cs typeface="+mn-cs"/>
+              </a:defRPr>
+            </a:lvl3pPr>
+            <a:lvl4pPr marL="1600200" indent="-228600" algn="l" defTabSz="449263" rtl="0" fontAlgn="base" hangingPunct="0">
+              <a:lnSpc>
+                <a:spcPct val="93000"/>
+              </a:lnSpc>
+              <a:spcBef>
+                <a:spcPct val="0"/>
+              </a:spcBef>
+              <a:spcAft>
+                <a:spcPts val="575"/>
+              </a:spcAft>
+              <a:buClr>
+                <a:srgbClr val="000000"/>
+              </a:buClr>
+              <a:buSzPct val="100000"/>
+              <a:buFont typeface="Times New Roman" charset="0"/>
+              <a:defRPr sz="2000">
+                <a:solidFill>
+                  <a:srgbClr val="000000"/>
+                </a:solidFill>
+                <a:latin typeface="+mn-lt"/>
+                <a:ea typeface="+mn-ea"/>
+                <a:cs typeface="+mn-cs"/>
+              </a:defRPr>
+            </a:lvl4pPr>
+            <a:lvl5pPr marL="2057400" indent="-228600" algn="l" defTabSz="449263" rtl="0" fontAlgn="base" hangingPunct="0">
+              <a:lnSpc>
+                <a:spcPct val="93000"/>
+              </a:lnSpc>
+              <a:spcBef>
+                <a:spcPct val="0"/>
+              </a:spcBef>
+              <a:spcAft>
+                <a:spcPts val="288"/>
+              </a:spcAft>
+              <a:buClr>
+                <a:srgbClr val="000000"/>
+              </a:buClr>
+              <a:buSzPct val="100000"/>
+              <a:buFont typeface="Times New Roman" charset="0"/>
+              <a:defRPr sz="2000">
+                <a:solidFill>
+                  <a:srgbClr val="000000"/>
+                </a:solidFill>
+                <a:latin typeface="+mn-lt"/>
+                <a:ea typeface="+mn-ea"/>
+                <a:cs typeface="+mn-cs"/>
+              </a:defRPr>
+            </a:lvl5pPr>
+            <a:lvl6pPr marL="2514600" indent="-228600" algn="l" defTabSz="449263" rtl="0" fontAlgn="base" hangingPunct="0">
+              <a:lnSpc>
+                <a:spcPct val="93000"/>
+              </a:lnSpc>
+              <a:spcBef>
+                <a:spcPct val="0"/>
+              </a:spcBef>
+              <a:spcAft>
+                <a:spcPts val="288"/>
+              </a:spcAft>
+              <a:buClr>
+                <a:srgbClr val="000000"/>
+              </a:buClr>
+              <a:buSzPct val="100000"/>
+              <a:buFont typeface="Times New Roman" charset="0"/>
+              <a:defRPr sz="2000">
+                <a:solidFill>
+                  <a:srgbClr val="000000"/>
+                </a:solidFill>
+                <a:latin typeface="+mn-lt"/>
+                <a:ea typeface="+mn-ea"/>
+                <a:cs typeface="+mn-cs"/>
+              </a:defRPr>
+            </a:lvl6pPr>
+            <a:lvl7pPr marL="2971800" indent="-228600" algn="l" defTabSz="449263" rtl="0" fontAlgn="base" hangingPunct="0">
+              <a:lnSpc>
+                <a:spcPct val="93000"/>
+              </a:lnSpc>
+              <a:spcBef>
+                <a:spcPct val="0"/>
+              </a:spcBef>
+              <a:spcAft>
+                <a:spcPts val="288"/>
+              </a:spcAft>
+              <a:buClr>
+                <a:srgbClr val="000000"/>
+              </a:buClr>
+              <a:buSzPct val="100000"/>
+              <a:buFont typeface="Times New Roman" charset="0"/>
+              <a:defRPr sz="2000">
+                <a:solidFill>
+                  <a:srgbClr val="000000"/>
+                </a:solidFill>
+                <a:latin typeface="+mn-lt"/>
+                <a:ea typeface="+mn-ea"/>
+                <a:cs typeface="+mn-cs"/>
+              </a:defRPr>
+            </a:lvl7pPr>
+            <a:lvl8pPr marL="3429000" indent="-228600" algn="l" defTabSz="449263" rtl="0" fontAlgn="base" hangingPunct="0">
+              <a:lnSpc>
+                <a:spcPct val="93000"/>
+              </a:lnSpc>
+              <a:spcBef>
+                <a:spcPct val="0"/>
+              </a:spcBef>
+              <a:spcAft>
+                <a:spcPts val="288"/>
+              </a:spcAft>
+              <a:buClr>
+                <a:srgbClr val="000000"/>
+              </a:buClr>
+              <a:buSzPct val="100000"/>
+              <a:buFont typeface="Times New Roman" charset="0"/>
+              <a:defRPr sz="2000">
+                <a:solidFill>
+                  <a:srgbClr val="000000"/>
+                </a:solidFill>
+                <a:latin typeface="+mn-lt"/>
+                <a:ea typeface="+mn-ea"/>
+                <a:cs typeface="+mn-cs"/>
+              </a:defRPr>
+            </a:lvl8pPr>
+            <a:lvl9pPr marL="3886200" indent="-228600" algn="l" defTabSz="449263" rtl="0" fontAlgn="base" hangingPunct="0">
+              <a:lnSpc>
+                <a:spcPct val="93000"/>
+              </a:lnSpc>
+              <a:spcBef>
+                <a:spcPct val="0"/>
+              </a:spcBef>
+              <a:spcAft>
+                <a:spcPts val="288"/>
+              </a:spcAft>
+              <a:buClr>
+                <a:srgbClr val="000000"/>
+              </a:buClr>
+              <a:buSzPct val="100000"/>
+              <a:buFont typeface="Times New Roman" charset="0"/>
+              <a:defRPr sz="2000">
+                <a:solidFill>
+                  <a:srgbClr val="000000"/>
+                </a:solidFill>
+                <a:latin typeface="+mn-lt"/>
+                <a:ea typeface="+mn-ea"/>
+                <a:cs typeface="+mn-cs"/>
+              </a:defRPr>
+            </a:lvl9pPr>
+          </a:lstStyle>
+          <a:p>
+            <a:pPr marL="285750" indent="-285750">
+              <a:buFont typeface="Arial" panose="020B0604020202020204" pitchFamily="34" charset="0"/>
+              <a:buChar char="•"/>
+            </a:pPr>
+            <a:r>
+              <a:rPr lang="de-CH" sz="2800" dirty="0"/>
+              <a:t>Einmalige Lizenzkosten, abhängig von:</a:t>
+            </a:r>
+          </a:p>
+          <a:p>
+            <a:pPr marL="685800" lvl="1">
+              <a:buFont typeface="Arial" panose="020B0604020202020204" pitchFamily="34" charset="0"/>
+              <a:buChar char="•"/>
+            </a:pPr>
+            <a:r>
+              <a:rPr lang="de-CH" sz="2400" dirty="0" smtClean="0"/>
+              <a:t>Anzahl </a:t>
+            </a:r>
+            <a:r>
+              <a:rPr lang="de-CH" sz="2400" dirty="0"/>
+              <a:t>Installationen	</a:t>
+            </a:r>
+          </a:p>
+          <a:p>
+            <a:pPr marL="685800" lvl="1">
+              <a:buFont typeface="Arial" panose="020B0604020202020204" pitchFamily="34" charset="0"/>
+              <a:buChar char="•"/>
+            </a:pPr>
+            <a:r>
+              <a:rPr lang="de-CH" sz="2400" dirty="0" smtClean="0"/>
+              <a:t>Gewünschte </a:t>
+            </a:r>
+            <a:r>
+              <a:rPr lang="de-CH" sz="2400" dirty="0"/>
+              <a:t>Funktionen</a:t>
+            </a:r>
+            <a:endParaRPr lang="de-CH" sz="2400" dirty="0"/>
+          </a:p>
+        </p:txBody>
+      </p:sp>
     </p:spTree>
     <p:extLst>
       <p:ext uri="{BB962C8B-B14F-4D97-AF65-F5344CB8AC3E}">
-        <p14:creationId xmlns:p14="http://schemas.microsoft.com/office/powerpoint/2010/main" val="291869336"/>
+        <p14:creationId xmlns:p14="http://schemas.microsoft.com/office/powerpoint/2010/main" val="3935045677"/>
       </p:ext>
     </p:extLst>
   </p:cSld>
@@ -7457,62 +8728,13 @@
             </a:lvl9pPr>
           </a:lstStyle>
           <a:p>
-            <a:pPr algn="ctr"/>
-            <a:r>
-              <a:rPr lang="en-US" sz="4400" b="1" dirty="0" err="1" smtClean="0">
+            <a:r>
+              <a:rPr lang="en-US" sz="4400" b="1" dirty="0" smtClean="0">
                 <a:solidFill>
                   <a:srgbClr val="FFFFFF"/>
                 </a:solidFill>
               </a:rPr>
-              <a:t>Danke</a:t>
-            </a:r>
-            <a:r>
-              <a:rPr lang="en-US" sz="4400" b="1" dirty="0" smtClean="0">
-                <a:solidFill>
-                  <a:srgbClr val="FFFFFF"/>
-                </a:solidFill>
-              </a:rPr>
-              <a:t> </a:t>
-            </a:r>
-            <a:r>
-              <a:rPr lang="en-US" sz="4400" b="1" dirty="0" err="1" smtClean="0">
-                <a:solidFill>
-                  <a:srgbClr val="FFFFFF"/>
-                </a:solidFill>
-              </a:rPr>
-              <a:t>für</a:t>
-            </a:r>
-            <a:r>
-              <a:rPr lang="en-US" sz="4400" b="1" dirty="0" smtClean="0">
-                <a:solidFill>
-                  <a:srgbClr val="FFFFFF"/>
-                </a:solidFill>
-              </a:rPr>
-              <a:t> </a:t>
-            </a:r>
-            <a:r>
-              <a:rPr lang="en-US" sz="4400" b="1" dirty="0" err="1" smtClean="0">
-                <a:solidFill>
-                  <a:srgbClr val="FFFFFF"/>
-                </a:solidFill>
-              </a:rPr>
-              <a:t>ihre</a:t>
-            </a:r>
-            <a:r>
-              <a:rPr lang="en-US" sz="4400" b="1" dirty="0" smtClean="0">
-                <a:solidFill>
-                  <a:srgbClr val="FFFFFF"/>
-                </a:solidFill>
-              </a:rPr>
-              <a:t> </a:t>
-            </a:r>
-            <a:r>
-              <a:rPr lang="en-US" sz="4400" b="1" dirty="0" err="1" smtClean="0">
-                <a:solidFill>
-                  <a:srgbClr val="FFFFFF"/>
-                </a:solidFill>
-              </a:rPr>
-              <a:t>Aufmerksamkeit</a:t>
+              <a:t>Demonstration</a:t>
             </a:r>
             <a:endParaRPr lang="en-US" sz="4400" b="1" dirty="0">
               <a:solidFill>
@@ -7577,6 +8799,1498 @@
       </p:grpSpPr>
       <p:sp>
         <p:nvSpPr>
+          <p:cNvPr id="3" name="AutoShape 1"/>
+          <p:cNvSpPr>
+            <a:spLocks noChangeArrowheads="1"/>
+          </p:cNvSpPr>
+          <p:nvPr/>
+        </p:nvSpPr>
+        <p:spPr bwMode="auto">
+          <a:xfrm>
+            <a:off x="3249613" y="2095822"/>
+            <a:ext cx="1517650" cy="1323975"/>
+          </a:xfrm>
+          <a:prstGeom prst="hexagon">
+            <a:avLst>
+              <a:gd name="adj" fmla="val 28657"/>
+              <a:gd name="vf" fmla="val 115470"/>
+            </a:avLst>
+          </a:prstGeom>
+          <a:solidFill>
+            <a:srgbClr val="B2C2F5">
+              <a:alpha val="79999"/>
+            </a:srgbClr>
+          </a:solidFill>
+          <a:ln>
+            <a:noFill/>
+          </a:ln>
+          <a:effectLst/>
+          <a:extLst>
+            <a:ext uri="{91240B29-F687-4f45-9708-019B960494DF}">
+              <a14:hiddenLine xmlns:a14="http://schemas.microsoft.com/office/drawing/2010/main" xmlns="" w="9525">
+                <a:solidFill>
+                  <a:srgbClr val="000000"/>
+                </a:solidFill>
+                <a:round/>
+                <a:headEnd/>
+                <a:tailEnd/>
+              </a14:hiddenLine>
+            </a:ext>
+            <a:ext uri="{AF507438-7753-43e0-B8FC-AC1667EBCBE1}">
+              <a14:hiddenEffects xmlns:a14="http://schemas.microsoft.com/office/drawing/2010/main" xmlns="">
+                <a:effectLst>
+                  <a:outerShdw blurRad="63500" dist="38099" dir="2700000" algn="ctr" rotWithShape="0">
+                    <a:srgbClr val="000000">
+                      <a:alpha val="74998"/>
+                    </a:srgbClr>
+                  </a:outerShdw>
+                </a:effectLst>
+              </a14:hiddenEffects>
+            </a:ext>
+          </a:extLst>
+        </p:spPr>
+        <p:txBody>
+          <a:bodyPr wrap="none" lIns="90000" tIns="64404" rIns="90000" bIns="45000" anchor="ctr"/>
+          <a:lstStyle/>
+          <a:p>
+            <a:pPr algn="ctr">
+              <a:tabLst>
+                <a:tab pos="723900" algn="l"/>
+                <a:tab pos="1447800" algn="l"/>
+              </a:tabLst>
+            </a:pPr>
+            <a:r>
+              <a:rPr lang="en-US" sz="2200" dirty="0" err="1">
+                <a:solidFill>
+                  <a:srgbClr val="000000"/>
+                </a:solidFill>
+              </a:rPr>
+              <a:t>e</a:t>
+            </a:r>
+            <a:r>
+              <a:rPr lang="en-US" sz="2200" dirty="0" err="1" smtClean="0">
+                <a:solidFill>
+                  <a:srgbClr val="000000"/>
+                </a:solidFill>
+              </a:rPr>
+              <a:t>ffiziente</a:t>
+            </a:r>
+            <a:endParaRPr lang="en-US" sz="2200" dirty="0" smtClean="0">
+              <a:solidFill>
+                <a:srgbClr val="000000"/>
+              </a:solidFill>
+            </a:endParaRPr>
+          </a:p>
+          <a:p>
+            <a:pPr algn="ctr">
+              <a:tabLst>
+                <a:tab pos="723900" algn="l"/>
+                <a:tab pos="1447800" algn="l"/>
+              </a:tabLst>
+            </a:pPr>
+            <a:r>
+              <a:rPr lang="en-US" sz="2200" dirty="0" err="1" smtClean="0">
+                <a:solidFill>
+                  <a:srgbClr val="000000"/>
+                </a:solidFill>
+              </a:rPr>
+              <a:t>Lern</a:t>
+            </a:r>
+            <a:r>
+              <a:rPr lang="en-US" sz="2200" dirty="0" smtClean="0">
+                <a:solidFill>
+                  <a:srgbClr val="000000"/>
+                </a:solidFill>
+              </a:rPr>
+              <a:t>-</a:t>
+            </a:r>
+          </a:p>
+          <a:p>
+            <a:pPr algn="ctr">
+              <a:tabLst>
+                <a:tab pos="723900" algn="l"/>
+                <a:tab pos="1447800" algn="l"/>
+              </a:tabLst>
+            </a:pPr>
+            <a:r>
+              <a:rPr lang="en-US" sz="2200" dirty="0" smtClean="0">
+                <a:solidFill>
+                  <a:srgbClr val="000000"/>
+                </a:solidFill>
+              </a:rPr>
+              <a:t>software</a:t>
+            </a:r>
+          </a:p>
+        </p:txBody>
+      </p:sp>
+      <p:sp>
+        <p:nvSpPr>
+          <p:cNvPr id="4" name="AutoShape 2"/>
+          <p:cNvSpPr>
+            <a:spLocks noChangeArrowheads="1"/>
+          </p:cNvSpPr>
+          <p:nvPr/>
+        </p:nvSpPr>
+        <p:spPr bwMode="auto">
+          <a:xfrm>
+            <a:off x="2025650" y="2768600"/>
+            <a:ext cx="1517650" cy="1323975"/>
+          </a:xfrm>
+          <a:prstGeom prst="hexagon">
+            <a:avLst>
+              <a:gd name="adj" fmla="val 28657"/>
+              <a:gd name="vf" fmla="val 115470"/>
+            </a:avLst>
+          </a:prstGeom>
+          <a:solidFill>
+            <a:srgbClr val="B2C2F5">
+              <a:alpha val="79999"/>
+            </a:srgbClr>
+          </a:solidFill>
+          <a:ln>
+            <a:noFill/>
+          </a:ln>
+          <a:effectLst/>
+          <a:extLst>
+            <a:ext uri="{91240B29-F687-4f45-9708-019B960494DF}">
+              <a14:hiddenLine xmlns:a14="http://schemas.microsoft.com/office/drawing/2010/main" xmlns="" w="9525">
+                <a:solidFill>
+                  <a:srgbClr val="000000"/>
+                </a:solidFill>
+                <a:round/>
+                <a:headEnd/>
+                <a:tailEnd/>
+              </a14:hiddenLine>
+            </a:ext>
+            <a:ext uri="{AF507438-7753-43e0-B8FC-AC1667EBCBE1}">
+              <a14:hiddenEffects xmlns:a14="http://schemas.microsoft.com/office/drawing/2010/main" xmlns="">
+                <a:effectLst>
+                  <a:outerShdw blurRad="63500" dist="38099" dir="2700000" algn="ctr" rotWithShape="0">
+                    <a:srgbClr val="000000">
+                      <a:alpha val="74998"/>
+                    </a:srgbClr>
+                  </a:outerShdw>
+                </a:effectLst>
+              </a14:hiddenEffects>
+            </a:ext>
+          </a:extLst>
+        </p:spPr>
+        <p:txBody>
+          <a:bodyPr wrap="none" lIns="90000" tIns="64404" rIns="90000" bIns="45000" anchor="ctr"/>
+          <a:lstStyle/>
+          <a:p>
+            <a:pPr algn="ctr">
+              <a:tabLst>
+                <a:tab pos="723900" algn="l"/>
+                <a:tab pos="1447800" algn="l"/>
+              </a:tabLst>
+            </a:pPr>
+            <a:r>
+              <a:rPr lang="en-US" sz="2200" dirty="0" err="1" smtClean="0">
+                <a:solidFill>
+                  <a:srgbClr val="000000"/>
+                </a:solidFill>
+                <a:cs typeface="方正宋体" charset="0"/>
+              </a:rPr>
+              <a:t>intuitives</a:t>
+            </a:r>
+            <a:endParaRPr lang="en-US" sz="2200" dirty="0" smtClean="0">
+              <a:solidFill>
+                <a:srgbClr val="000000"/>
+              </a:solidFill>
+              <a:cs typeface="方正宋体" charset="0"/>
+            </a:endParaRPr>
+          </a:p>
+          <a:p>
+            <a:pPr algn="ctr">
+              <a:tabLst>
+                <a:tab pos="723900" algn="l"/>
+                <a:tab pos="1447800" algn="l"/>
+              </a:tabLst>
+            </a:pPr>
+            <a:r>
+              <a:rPr lang="en-US" sz="2200" dirty="0" smtClean="0">
+                <a:solidFill>
+                  <a:srgbClr val="000000"/>
+                </a:solidFill>
+                <a:cs typeface="方正宋体" charset="0"/>
+              </a:rPr>
+              <a:t>Design</a:t>
+            </a:r>
+            <a:endParaRPr lang="en-US" sz="2200" dirty="0">
+              <a:solidFill>
+                <a:srgbClr val="000000"/>
+              </a:solidFill>
+              <a:cs typeface="方正宋体" charset="0"/>
+            </a:endParaRPr>
+          </a:p>
+        </p:txBody>
+      </p:sp>
+      <p:sp>
+        <p:nvSpPr>
+          <p:cNvPr id="5" name="AutoShape 3"/>
+          <p:cNvSpPr>
+            <a:spLocks noChangeArrowheads="1"/>
+          </p:cNvSpPr>
+          <p:nvPr/>
+        </p:nvSpPr>
+        <p:spPr bwMode="auto">
+          <a:xfrm>
+            <a:off x="2025650" y="4171950"/>
+            <a:ext cx="1517650" cy="1323975"/>
+          </a:xfrm>
+          <a:prstGeom prst="hexagon">
+            <a:avLst>
+              <a:gd name="adj" fmla="val 28657"/>
+              <a:gd name="vf" fmla="val 115470"/>
+            </a:avLst>
+          </a:prstGeom>
+          <a:solidFill>
+            <a:srgbClr val="B2C2F5">
+              <a:alpha val="79999"/>
+            </a:srgbClr>
+          </a:solidFill>
+          <a:ln>
+            <a:noFill/>
+          </a:ln>
+          <a:effectLst/>
+          <a:extLst>
+            <a:ext uri="{91240B29-F687-4f45-9708-019B960494DF}">
+              <a14:hiddenLine xmlns:a14="http://schemas.microsoft.com/office/drawing/2010/main" xmlns="" w="9525">
+                <a:solidFill>
+                  <a:srgbClr val="000000"/>
+                </a:solidFill>
+                <a:round/>
+                <a:headEnd/>
+                <a:tailEnd/>
+              </a14:hiddenLine>
+            </a:ext>
+            <a:ext uri="{AF507438-7753-43e0-B8FC-AC1667EBCBE1}">
+              <a14:hiddenEffects xmlns:a14="http://schemas.microsoft.com/office/drawing/2010/main" xmlns="">
+                <a:effectLst>
+                  <a:outerShdw blurRad="63500" dist="38099" dir="2700000" algn="ctr" rotWithShape="0">
+                    <a:srgbClr val="000000">
+                      <a:alpha val="74998"/>
+                    </a:srgbClr>
+                  </a:outerShdw>
+                </a:effectLst>
+              </a14:hiddenEffects>
+            </a:ext>
+          </a:extLst>
+        </p:spPr>
+        <p:txBody>
+          <a:bodyPr wrap="none" lIns="90000" tIns="64404" rIns="90000" bIns="45000" anchor="ctr"/>
+          <a:lstStyle/>
+          <a:p>
+            <a:pPr algn="ctr">
+              <a:tabLst>
+                <a:tab pos="723900" algn="l"/>
+                <a:tab pos="1447800" algn="l"/>
+              </a:tabLst>
+            </a:pPr>
+            <a:r>
+              <a:rPr lang="en-US" sz="2200" dirty="0" err="1">
+                <a:solidFill>
+                  <a:srgbClr val="000000"/>
+                </a:solidFill>
+                <a:cs typeface="方正宋体" charset="0"/>
+              </a:rPr>
+              <a:t>ü</a:t>
+            </a:r>
+            <a:r>
+              <a:rPr lang="en-US" sz="2200" dirty="0" err="1" smtClean="0">
+                <a:solidFill>
+                  <a:srgbClr val="000000"/>
+                </a:solidFill>
+                <a:cs typeface="方正宋体" charset="0"/>
+              </a:rPr>
+              <a:t>bersicht</a:t>
+            </a:r>
+            <a:r>
+              <a:rPr lang="en-US" sz="2200" dirty="0" smtClean="0">
+                <a:solidFill>
+                  <a:srgbClr val="000000"/>
+                </a:solidFill>
+                <a:cs typeface="方正宋体" charset="0"/>
+              </a:rPr>
+              <a:t>-</a:t>
+            </a:r>
+          </a:p>
+          <a:p>
+            <a:pPr algn="ctr">
+              <a:tabLst>
+                <a:tab pos="723900" algn="l"/>
+                <a:tab pos="1447800" algn="l"/>
+              </a:tabLst>
+            </a:pPr>
+            <a:r>
+              <a:rPr lang="en-US" sz="2200" dirty="0" smtClean="0">
+                <a:solidFill>
+                  <a:srgbClr val="000000"/>
+                </a:solidFill>
+                <a:cs typeface="方正宋体" charset="0"/>
+              </a:rPr>
+              <a:t>lich</a:t>
+            </a:r>
+            <a:endParaRPr lang="en-US" sz="2200" dirty="0">
+              <a:solidFill>
+                <a:srgbClr val="000000"/>
+              </a:solidFill>
+              <a:cs typeface="方正宋体" charset="0"/>
+            </a:endParaRPr>
+          </a:p>
+        </p:txBody>
+      </p:sp>
+      <p:sp>
+        <p:nvSpPr>
+          <p:cNvPr id="6" name="AutoShape 4"/>
+          <p:cNvSpPr>
+            <a:spLocks noChangeArrowheads="1"/>
+          </p:cNvSpPr>
+          <p:nvPr/>
+        </p:nvSpPr>
+        <p:spPr bwMode="auto">
+          <a:xfrm>
+            <a:off x="4473575" y="2768600"/>
+            <a:ext cx="1517650" cy="1323975"/>
+          </a:xfrm>
+          <a:prstGeom prst="hexagon">
+            <a:avLst>
+              <a:gd name="adj" fmla="val 28657"/>
+              <a:gd name="vf" fmla="val 115470"/>
+            </a:avLst>
+          </a:prstGeom>
+          <a:solidFill>
+            <a:srgbClr val="B2C2F5">
+              <a:alpha val="79999"/>
+            </a:srgbClr>
+          </a:solidFill>
+          <a:ln>
+            <a:noFill/>
+          </a:ln>
+          <a:effectLst/>
+          <a:extLst>
+            <a:ext uri="{91240B29-F687-4f45-9708-019B960494DF}">
+              <a14:hiddenLine xmlns:a14="http://schemas.microsoft.com/office/drawing/2010/main" xmlns="" w="9525">
+                <a:solidFill>
+                  <a:srgbClr val="000000"/>
+                </a:solidFill>
+                <a:round/>
+                <a:headEnd/>
+                <a:tailEnd/>
+              </a14:hiddenLine>
+            </a:ext>
+            <a:ext uri="{AF507438-7753-43e0-B8FC-AC1667EBCBE1}">
+              <a14:hiddenEffects xmlns:a14="http://schemas.microsoft.com/office/drawing/2010/main" xmlns="">
+                <a:effectLst>
+                  <a:outerShdw blurRad="63500" dist="38099" dir="2700000" algn="ctr" rotWithShape="0">
+                    <a:srgbClr val="000000">
+                      <a:alpha val="74998"/>
+                    </a:srgbClr>
+                  </a:outerShdw>
+                </a:effectLst>
+              </a14:hiddenEffects>
+            </a:ext>
+          </a:extLst>
+        </p:spPr>
+        <p:txBody>
+          <a:bodyPr wrap="none" lIns="90000" tIns="64404" rIns="90000" bIns="45000" anchor="ctr"/>
+          <a:lstStyle/>
+          <a:p>
+            <a:pPr algn="ctr">
+              <a:tabLst>
+                <a:tab pos="723900" algn="l"/>
+                <a:tab pos="1447800" algn="l"/>
+              </a:tabLst>
+            </a:pPr>
+            <a:r>
+              <a:rPr lang="en-US" sz="2200" dirty="0" err="1">
+                <a:solidFill>
+                  <a:srgbClr val="000000"/>
+                </a:solidFill>
+                <a:cs typeface="方正宋体" charset="0"/>
+              </a:rPr>
+              <a:t>einfach</a:t>
+            </a:r>
+            <a:endParaRPr lang="en-US" sz="2200" dirty="0">
+              <a:solidFill>
+                <a:srgbClr val="000000"/>
+              </a:solidFill>
+              <a:cs typeface="方正宋体" charset="0"/>
+            </a:endParaRPr>
+          </a:p>
+          <a:p>
+            <a:pPr algn="ctr">
+              <a:tabLst>
+                <a:tab pos="723900" algn="l"/>
+                <a:tab pos="1447800" algn="l"/>
+              </a:tabLst>
+            </a:pPr>
+            <a:r>
+              <a:rPr lang="en-US" sz="2200" dirty="0" err="1">
+                <a:solidFill>
+                  <a:srgbClr val="000000"/>
+                </a:solidFill>
+                <a:cs typeface="方正宋体" charset="0"/>
+              </a:rPr>
+              <a:t>zu</a:t>
+            </a:r>
+            <a:endParaRPr lang="en-US" sz="2200" dirty="0">
+              <a:solidFill>
+                <a:srgbClr val="000000"/>
+              </a:solidFill>
+              <a:cs typeface="方正宋体" charset="0"/>
+            </a:endParaRPr>
+          </a:p>
+          <a:p>
+            <a:pPr algn="ctr">
+              <a:tabLst>
+                <a:tab pos="723900" algn="l"/>
+                <a:tab pos="1447800" algn="l"/>
+              </a:tabLst>
+            </a:pPr>
+            <a:r>
+              <a:rPr lang="en-US" sz="2200" dirty="0" err="1">
+                <a:solidFill>
+                  <a:srgbClr val="000000"/>
+                </a:solidFill>
+                <a:cs typeface="方正宋体" charset="0"/>
+              </a:rPr>
+              <a:t>erlernen</a:t>
+            </a:r>
+            <a:endParaRPr lang="en-US" sz="2200" dirty="0">
+              <a:solidFill>
+                <a:srgbClr val="000000"/>
+              </a:solidFill>
+              <a:cs typeface="方正宋体" charset="0"/>
+            </a:endParaRPr>
+          </a:p>
+        </p:txBody>
+      </p:sp>
+      <p:sp>
+        <p:nvSpPr>
+          <p:cNvPr id="7" name="AutoShape 5"/>
+          <p:cNvSpPr>
+            <a:spLocks noChangeArrowheads="1"/>
+          </p:cNvSpPr>
+          <p:nvPr/>
+        </p:nvSpPr>
+        <p:spPr bwMode="auto">
+          <a:xfrm>
+            <a:off x="3249613" y="3487738"/>
+            <a:ext cx="1517650" cy="1323975"/>
+          </a:xfrm>
+          <a:prstGeom prst="hexagon">
+            <a:avLst>
+              <a:gd name="adj" fmla="val 28657"/>
+              <a:gd name="vf" fmla="val 115470"/>
+            </a:avLst>
+          </a:prstGeom>
+          <a:solidFill>
+            <a:srgbClr val="B2C2F5">
+              <a:alpha val="79999"/>
+            </a:srgbClr>
+          </a:solidFill>
+          <a:ln>
+            <a:noFill/>
+          </a:ln>
+          <a:effectLst/>
+          <a:extLst>
+            <a:ext uri="{91240B29-F687-4f45-9708-019B960494DF}">
+              <a14:hiddenLine xmlns:a14="http://schemas.microsoft.com/office/drawing/2010/main" xmlns="" w="9525">
+                <a:solidFill>
+                  <a:srgbClr val="000000"/>
+                </a:solidFill>
+                <a:round/>
+                <a:headEnd/>
+                <a:tailEnd/>
+              </a14:hiddenLine>
+            </a:ext>
+            <a:ext uri="{AF507438-7753-43e0-B8FC-AC1667EBCBE1}">
+              <a14:hiddenEffects xmlns:a14="http://schemas.microsoft.com/office/drawing/2010/main" xmlns="">
+                <a:effectLst>
+                  <a:outerShdw blurRad="63500" dist="38099" dir="2700000" algn="ctr" rotWithShape="0">
+                    <a:srgbClr val="000000">
+                      <a:alpha val="74998"/>
+                    </a:srgbClr>
+                  </a:outerShdw>
+                </a:effectLst>
+              </a14:hiddenEffects>
+            </a:ext>
+          </a:extLst>
+        </p:spPr>
+        <p:txBody>
+          <a:bodyPr wrap="none" lIns="90000" tIns="64404" rIns="90000" bIns="45000" anchor="ctr"/>
+          <a:lstStyle/>
+          <a:p>
+            <a:pPr algn="ctr">
+              <a:tabLst>
+                <a:tab pos="723900" algn="l"/>
+                <a:tab pos="1447800" algn="l"/>
+              </a:tabLst>
+            </a:pPr>
+            <a:r>
+              <a:rPr lang="en-US" sz="2200" dirty="0" err="1">
+                <a:solidFill>
+                  <a:srgbClr val="000000"/>
+                </a:solidFill>
+              </a:rPr>
+              <a:t>k</a:t>
+            </a:r>
+            <a:r>
+              <a:rPr lang="en-US" sz="2200" dirty="0" err="1" smtClean="0">
+                <a:solidFill>
+                  <a:srgbClr val="000000"/>
+                </a:solidFill>
+              </a:rPr>
+              <a:t>osten</a:t>
+            </a:r>
+            <a:r>
+              <a:rPr lang="en-US" sz="2200" dirty="0" smtClean="0">
+                <a:solidFill>
+                  <a:srgbClr val="000000"/>
+                </a:solidFill>
+              </a:rPr>
+              <a:t>-</a:t>
+            </a:r>
+          </a:p>
+          <a:p>
+            <a:pPr algn="ctr">
+              <a:tabLst>
+                <a:tab pos="723900" algn="l"/>
+                <a:tab pos="1447800" algn="l"/>
+              </a:tabLst>
+            </a:pPr>
+            <a:r>
+              <a:rPr lang="en-US" sz="2200" dirty="0" err="1" smtClean="0">
+                <a:solidFill>
+                  <a:srgbClr val="000000"/>
+                </a:solidFill>
+              </a:rPr>
+              <a:t>günstig</a:t>
+            </a:r>
+            <a:endParaRPr lang="en-US" sz="2200" dirty="0">
+              <a:solidFill>
+                <a:srgbClr val="000000"/>
+              </a:solidFill>
+            </a:endParaRPr>
+          </a:p>
+        </p:txBody>
+      </p:sp>
+      <p:sp>
+        <p:nvSpPr>
+          <p:cNvPr id="8" name="AutoShape 6"/>
+          <p:cNvSpPr>
+            <a:spLocks noChangeArrowheads="1"/>
+          </p:cNvSpPr>
+          <p:nvPr/>
+        </p:nvSpPr>
+        <p:spPr bwMode="auto">
+          <a:xfrm>
+            <a:off x="3249613" y="4892675"/>
+            <a:ext cx="1517650" cy="1323975"/>
+          </a:xfrm>
+          <a:prstGeom prst="hexagon">
+            <a:avLst>
+              <a:gd name="adj" fmla="val 28657"/>
+              <a:gd name="vf" fmla="val 115470"/>
+            </a:avLst>
+          </a:prstGeom>
+          <a:solidFill>
+            <a:srgbClr val="B2C2F5">
+              <a:alpha val="79999"/>
+            </a:srgbClr>
+          </a:solidFill>
+          <a:ln>
+            <a:noFill/>
+          </a:ln>
+          <a:effectLst/>
+          <a:extLst>
+            <a:ext uri="{91240B29-F687-4f45-9708-019B960494DF}">
+              <a14:hiddenLine xmlns:a14="http://schemas.microsoft.com/office/drawing/2010/main" xmlns="" w="9525">
+                <a:solidFill>
+                  <a:srgbClr val="000000"/>
+                </a:solidFill>
+                <a:round/>
+                <a:headEnd/>
+                <a:tailEnd/>
+              </a14:hiddenLine>
+            </a:ext>
+            <a:ext uri="{AF507438-7753-43e0-B8FC-AC1667EBCBE1}">
+              <a14:hiddenEffects xmlns:a14="http://schemas.microsoft.com/office/drawing/2010/main" xmlns="">
+                <a:effectLst>
+                  <a:outerShdw blurRad="63500" dist="38099" dir="2700000" algn="ctr" rotWithShape="0">
+                    <a:srgbClr val="000000">
+                      <a:alpha val="74998"/>
+                    </a:srgbClr>
+                  </a:outerShdw>
+                </a:effectLst>
+              </a14:hiddenEffects>
+            </a:ext>
+          </a:extLst>
+        </p:spPr>
+        <p:txBody>
+          <a:bodyPr wrap="none" lIns="90000" tIns="64404" rIns="90000" bIns="45000" anchor="ctr"/>
+          <a:lstStyle/>
+          <a:p>
+            <a:pPr algn="ctr">
+              <a:tabLst>
+                <a:tab pos="723900" algn="l"/>
+                <a:tab pos="1447800" algn="l"/>
+              </a:tabLst>
+            </a:pPr>
+            <a:r>
+              <a:rPr lang="en-US" sz="2200" dirty="0" err="1" smtClean="0">
+                <a:solidFill>
+                  <a:srgbClr val="000000"/>
+                </a:solidFill>
+              </a:rPr>
+              <a:t>erweiterbar</a:t>
+            </a:r>
+            <a:endParaRPr lang="en-US" sz="2200" dirty="0">
+              <a:solidFill>
+                <a:srgbClr val="000000"/>
+              </a:solidFill>
+            </a:endParaRPr>
+          </a:p>
+        </p:txBody>
+      </p:sp>
+      <p:sp>
+        <p:nvSpPr>
+          <p:cNvPr id="9" name="AutoShape 7"/>
+          <p:cNvSpPr>
+            <a:spLocks noChangeArrowheads="1"/>
+          </p:cNvSpPr>
+          <p:nvPr/>
+        </p:nvSpPr>
+        <p:spPr bwMode="auto">
+          <a:xfrm>
+            <a:off x="4471988" y="4171950"/>
+            <a:ext cx="1517650" cy="1323975"/>
+          </a:xfrm>
+          <a:prstGeom prst="hexagon">
+            <a:avLst>
+              <a:gd name="adj" fmla="val 28657"/>
+              <a:gd name="vf" fmla="val 115470"/>
+            </a:avLst>
+          </a:prstGeom>
+          <a:noFill/>
+          <a:ln w="9525">
+            <a:solidFill>
+              <a:srgbClr val="B2C2F5"/>
+            </a:solidFill>
+            <a:round/>
+            <a:headEnd/>
+            <a:tailEnd/>
+          </a:ln>
+          <a:effectLst/>
+          <a:extLst>
+            <a:ext uri="{909E8E84-426E-40dd-AFC4-6F175D3DCCD1}">
+              <a14:hiddenFill xmlns:a14="http://schemas.microsoft.com/office/drawing/2010/main" xmlns="">
+                <a:solidFill>
+                  <a:srgbClr val="FFFFFF"/>
+                </a:solidFill>
+              </a14:hiddenFill>
+            </a:ext>
+            <a:ext uri="{AF507438-7753-43e0-B8FC-AC1667EBCBE1}">
+              <a14:hiddenEffects xmlns:a14="http://schemas.microsoft.com/office/drawing/2010/main" xmlns="">
+                <a:effectLst>
+                  <a:outerShdw blurRad="63500" dist="38099" dir="2700000" algn="ctr" rotWithShape="0">
+                    <a:srgbClr val="000000">
+                      <a:alpha val="74998"/>
+                    </a:srgbClr>
+                  </a:outerShdw>
+                </a:effectLst>
+              </a14:hiddenEffects>
+            </a:ext>
+          </a:extLst>
+        </p:spPr>
+        <p:txBody>
+          <a:bodyPr wrap="none" lIns="90000" tIns="60876" rIns="90000" bIns="45000" anchor="ctr"/>
+          <a:lstStyle/>
+          <a:p>
+            <a:pPr algn="ctr">
+              <a:tabLst>
+                <a:tab pos="723900" algn="l"/>
+                <a:tab pos="1447800" algn="l"/>
+              </a:tabLst>
+            </a:pPr>
+            <a:r>
+              <a:rPr lang="en-US">
+                <a:solidFill>
+                  <a:srgbClr val="000000"/>
+                </a:solidFill>
+              </a:rPr>
+              <a:t> </a:t>
+            </a:r>
+          </a:p>
+        </p:txBody>
+      </p:sp>
+      <p:sp>
+        <p:nvSpPr>
+          <p:cNvPr id="10" name="AutoShape 8"/>
+          <p:cNvSpPr>
+            <a:spLocks noChangeArrowheads="1"/>
+          </p:cNvSpPr>
+          <p:nvPr/>
+        </p:nvSpPr>
+        <p:spPr bwMode="auto">
+          <a:xfrm>
+            <a:off x="7037388" y="3702050"/>
+            <a:ext cx="2600325" cy="2216150"/>
+          </a:xfrm>
+          <a:prstGeom prst="hexagon">
+            <a:avLst>
+              <a:gd name="adj" fmla="val 29334"/>
+              <a:gd name="vf" fmla="val 115470"/>
+            </a:avLst>
+          </a:prstGeom>
+          <a:solidFill>
+            <a:srgbClr val="7985A9"/>
+          </a:solidFill>
+          <a:ln>
+            <a:noFill/>
+          </a:ln>
+          <a:effectLst/>
+          <a:extLst>
+            <a:ext uri="{91240B29-F687-4f45-9708-019B960494DF}">
+              <a14:hiddenLine xmlns:a14="http://schemas.microsoft.com/office/drawing/2010/main" xmlns="" w="9525">
+                <a:solidFill>
+                  <a:srgbClr val="000000"/>
+                </a:solidFill>
+                <a:round/>
+                <a:headEnd/>
+                <a:tailEnd/>
+              </a14:hiddenLine>
+            </a:ext>
+            <a:ext uri="{AF507438-7753-43e0-B8FC-AC1667EBCBE1}">
+              <a14:hiddenEffects xmlns:a14="http://schemas.microsoft.com/office/drawing/2010/main" xmlns="">
+                <a:effectLst>
+                  <a:outerShdw blurRad="63500" dist="38099" dir="2700000" algn="ctr" rotWithShape="0">
+                    <a:srgbClr val="000000">
+                      <a:alpha val="74998"/>
+                    </a:srgbClr>
+                  </a:outerShdw>
+                </a:effectLst>
+              </a14:hiddenEffects>
+            </a:ext>
+          </a:extLst>
+        </p:spPr>
+        <p:txBody>
+          <a:bodyPr wrap="none" lIns="90000" tIns="67932" rIns="90000" bIns="45000" anchor="ctr"/>
+          <a:lstStyle/>
+          <a:p>
+            <a:pPr algn="ctr">
+              <a:tabLst>
+                <a:tab pos="723900" algn="l"/>
+                <a:tab pos="1447800" algn="l"/>
+                <a:tab pos="2171700" algn="l"/>
+              </a:tabLst>
+            </a:pPr>
+            <a:endParaRPr lang="en-US" sz="2600" b="1" dirty="0" smtClean="0">
+              <a:solidFill>
+                <a:srgbClr val="000000"/>
+              </a:solidFill>
+            </a:endParaRPr>
+          </a:p>
+          <a:p>
+            <a:pPr algn="ctr">
+              <a:tabLst>
+                <a:tab pos="723900" algn="l"/>
+                <a:tab pos="1447800" algn="l"/>
+                <a:tab pos="2171700" algn="l"/>
+              </a:tabLst>
+            </a:pPr>
+            <a:r>
+              <a:rPr lang="en-US" sz="2600" b="1" dirty="0" err="1" smtClean="0">
+                <a:solidFill>
+                  <a:srgbClr val="000000"/>
+                </a:solidFill>
+              </a:rPr>
+              <a:t>NecaREx</a:t>
+            </a:r>
+            <a:endParaRPr lang="en-US" sz="2600" b="1" dirty="0" smtClean="0">
+              <a:solidFill>
+                <a:srgbClr val="000000"/>
+              </a:solidFill>
+            </a:endParaRPr>
+          </a:p>
+          <a:p>
+            <a:pPr algn="ctr">
+              <a:tabLst>
+                <a:tab pos="723900" algn="l"/>
+                <a:tab pos="1447800" algn="l"/>
+                <a:tab pos="2171700" algn="l"/>
+              </a:tabLst>
+            </a:pPr>
+            <a:endParaRPr lang="en-US" sz="2600" b="1" dirty="0">
+              <a:solidFill>
+                <a:srgbClr val="000000"/>
+              </a:solidFill>
+            </a:endParaRPr>
+          </a:p>
+        </p:txBody>
+      </p:sp>
+      <p:cxnSp>
+        <p:nvCxnSpPr>
+          <p:cNvPr id="11" name="AutoShape 9"/>
+          <p:cNvCxnSpPr>
+            <a:cxnSpLocks noChangeShapeType="1"/>
+            <a:stCxn id="9" idx="4"/>
+            <a:endCxn id="10" idx="1"/>
+          </p:cNvCxnSpPr>
+          <p:nvPr/>
+        </p:nvCxnSpPr>
+        <p:spPr bwMode="auto">
+          <a:xfrm flipV="1">
+            <a:off x="5219700" y="4810125"/>
+            <a:ext cx="1819275" cy="11113"/>
+          </a:xfrm>
+          <a:prstGeom prst="straightConnector1">
+            <a:avLst/>
+          </a:prstGeom>
+          <a:noFill/>
+          <a:ln w="9525">
+            <a:solidFill>
+              <a:srgbClr val="000000"/>
+            </a:solidFill>
+            <a:round/>
+            <a:headEnd/>
+            <a:tailEnd type="triangle" w="med" len="med"/>
+          </a:ln>
+          <a:effectLst/>
+          <a:extLst>
+            <a:ext uri="{909E8E84-426E-40dd-AFC4-6F175D3DCCD1}">
+              <a14:hiddenFill xmlns:a14="http://schemas.microsoft.com/office/drawing/2010/main" xmlns="">
+                <a:noFill/>
+              </a14:hiddenFill>
+            </a:ext>
+            <a:ext uri="{AF507438-7753-43e0-B8FC-AC1667EBCBE1}">
+              <a14:hiddenEffects xmlns:a14="http://schemas.microsoft.com/office/drawing/2010/main" xmlns="">
+                <a:effectLst>
+                  <a:outerShdw blurRad="63500" dist="38099" dir="2700000" algn="ctr" rotWithShape="0">
+                    <a:srgbClr val="000000">
+                      <a:alpha val="74998"/>
+                    </a:srgbClr>
+                  </a:outerShdw>
+                </a:effectLst>
+              </a14:hiddenEffects>
+            </a:ext>
+          </a:extLst>
+        </p:spPr>
+      </p:cxnSp>
+      <p:sp>
+        <p:nvSpPr>
+          <p:cNvPr id="12" name="Titel 1"/>
+          <p:cNvSpPr txBox="1">
+            <a:spLocks/>
+          </p:cNvSpPr>
+          <p:nvPr/>
+        </p:nvSpPr>
+        <p:spPr>
+          <a:xfrm>
+            <a:off x="503238" y="539477"/>
+            <a:ext cx="9069387" cy="1022623"/>
+          </a:xfrm>
+          <a:prstGeom prst="rect">
+            <a:avLst/>
+          </a:prstGeom>
+        </p:spPr>
+        <p:txBody>
+          <a:bodyPr/>
+          <a:lstStyle>
+            <a:lvl1pPr algn="ctr" defTabSz="449263" rtl="0" fontAlgn="base" hangingPunct="0">
+              <a:lnSpc>
+                <a:spcPct val="93000"/>
+              </a:lnSpc>
+              <a:spcBef>
+                <a:spcPct val="0"/>
+              </a:spcBef>
+              <a:spcAft>
+                <a:spcPct val="0"/>
+              </a:spcAft>
+              <a:buClr>
+                <a:srgbClr val="000000"/>
+              </a:buClr>
+              <a:buSzPct val="100000"/>
+              <a:buFont typeface="Times New Roman" charset="0"/>
+              <a:defRPr sz="4400">
+                <a:solidFill>
+                  <a:srgbClr val="000000"/>
+                </a:solidFill>
+                <a:latin typeface="+mj-lt"/>
+                <a:ea typeface="+mj-ea"/>
+                <a:cs typeface="+mj-cs"/>
+              </a:defRPr>
+            </a:lvl1pPr>
+            <a:lvl2pPr marL="742950" indent="-285750" algn="ctr" defTabSz="449263" rtl="0" fontAlgn="base" hangingPunct="0">
+              <a:lnSpc>
+                <a:spcPct val="93000"/>
+              </a:lnSpc>
+              <a:spcBef>
+                <a:spcPct val="0"/>
+              </a:spcBef>
+              <a:spcAft>
+                <a:spcPct val="0"/>
+              </a:spcAft>
+              <a:buClr>
+                <a:srgbClr val="000000"/>
+              </a:buClr>
+              <a:buSzPct val="100000"/>
+              <a:buFont typeface="Times New Roman" charset="0"/>
+              <a:defRPr sz="4400">
+                <a:solidFill>
+                  <a:srgbClr val="000000"/>
+                </a:solidFill>
+                <a:latin typeface="Arial" charset="0"/>
+                <a:ea typeface="宋体" charset="0"/>
+                <a:cs typeface="宋体" charset="0"/>
+              </a:defRPr>
+            </a:lvl2pPr>
+            <a:lvl3pPr marL="1143000" indent="-228600" algn="ctr" defTabSz="449263" rtl="0" fontAlgn="base" hangingPunct="0">
+              <a:lnSpc>
+                <a:spcPct val="93000"/>
+              </a:lnSpc>
+              <a:spcBef>
+                <a:spcPct val="0"/>
+              </a:spcBef>
+              <a:spcAft>
+                <a:spcPct val="0"/>
+              </a:spcAft>
+              <a:buClr>
+                <a:srgbClr val="000000"/>
+              </a:buClr>
+              <a:buSzPct val="100000"/>
+              <a:buFont typeface="Times New Roman" charset="0"/>
+              <a:defRPr sz="4400">
+                <a:solidFill>
+                  <a:srgbClr val="000000"/>
+                </a:solidFill>
+                <a:latin typeface="Arial" charset="0"/>
+                <a:ea typeface="宋体" charset="0"/>
+                <a:cs typeface="宋体" charset="0"/>
+              </a:defRPr>
+            </a:lvl3pPr>
+            <a:lvl4pPr marL="1600200" indent="-228600" algn="ctr" defTabSz="449263" rtl="0" fontAlgn="base" hangingPunct="0">
+              <a:lnSpc>
+                <a:spcPct val="93000"/>
+              </a:lnSpc>
+              <a:spcBef>
+                <a:spcPct val="0"/>
+              </a:spcBef>
+              <a:spcAft>
+                <a:spcPct val="0"/>
+              </a:spcAft>
+              <a:buClr>
+                <a:srgbClr val="000000"/>
+              </a:buClr>
+              <a:buSzPct val="100000"/>
+              <a:buFont typeface="Times New Roman" charset="0"/>
+              <a:defRPr sz="4400">
+                <a:solidFill>
+                  <a:srgbClr val="000000"/>
+                </a:solidFill>
+                <a:latin typeface="Arial" charset="0"/>
+                <a:ea typeface="宋体" charset="0"/>
+                <a:cs typeface="宋体" charset="0"/>
+              </a:defRPr>
+            </a:lvl4pPr>
+            <a:lvl5pPr marL="2057400" indent="-228600" algn="ctr" defTabSz="449263" rtl="0" fontAlgn="base" hangingPunct="0">
+              <a:lnSpc>
+                <a:spcPct val="93000"/>
+              </a:lnSpc>
+              <a:spcBef>
+                <a:spcPct val="0"/>
+              </a:spcBef>
+              <a:spcAft>
+                <a:spcPct val="0"/>
+              </a:spcAft>
+              <a:buClr>
+                <a:srgbClr val="000000"/>
+              </a:buClr>
+              <a:buSzPct val="100000"/>
+              <a:buFont typeface="Times New Roman" charset="0"/>
+              <a:defRPr sz="4400">
+                <a:solidFill>
+                  <a:srgbClr val="000000"/>
+                </a:solidFill>
+                <a:latin typeface="Arial" charset="0"/>
+                <a:ea typeface="宋体" charset="0"/>
+                <a:cs typeface="宋体" charset="0"/>
+              </a:defRPr>
+            </a:lvl5pPr>
+            <a:lvl6pPr marL="2514600" indent="-228600" algn="ctr" defTabSz="449263" rtl="0" fontAlgn="base" hangingPunct="0">
+              <a:lnSpc>
+                <a:spcPct val="93000"/>
+              </a:lnSpc>
+              <a:spcBef>
+                <a:spcPct val="0"/>
+              </a:spcBef>
+              <a:spcAft>
+                <a:spcPct val="0"/>
+              </a:spcAft>
+              <a:buClr>
+                <a:srgbClr val="000000"/>
+              </a:buClr>
+              <a:buSzPct val="100000"/>
+              <a:buFont typeface="Times New Roman" charset="0"/>
+              <a:defRPr sz="4400">
+                <a:solidFill>
+                  <a:srgbClr val="000000"/>
+                </a:solidFill>
+                <a:latin typeface="Arial" charset="0"/>
+                <a:ea typeface="宋体" charset="0"/>
+                <a:cs typeface="宋体" charset="0"/>
+              </a:defRPr>
+            </a:lvl6pPr>
+            <a:lvl7pPr marL="2971800" indent="-228600" algn="ctr" defTabSz="449263" rtl="0" fontAlgn="base" hangingPunct="0">
+              <a:lnSpc>
+                <a:spcPct val="93000"/>
+              </a:lnSpc>
+              <a:spcBef>
+                <a:spcPct val="0"/>
+              </a:spcBef>
+              <a:spcAft>
+                <a:spcPct val="0"/>
+              </a:spcAft>
+              <a:buClr>
+                <a:srgbClr val="000000"/>
+              </a:buClr>
+              <a:buSzPct val="100000"/>
+              <a:buFont typeface="Times New Roman" charset="0"/>
+              <a:defRPr sz="4400">
+                <a:solidFill>
+                  <a:srgbClr val="000000"/>
+                </a:solidFill>
+                <a:latin typeface="Arial" charset="0"/>
+                <a:ea typeface="宋体" charset="0"/>
+                <a:cs typeface="宋体" charset="0"/>
+              </a:defRPr>
+            </a:lvl7pPr>
+            <a:lvl8pPr marL="3429000" indent="-228600" algn="ctr" defTabSz="449263" rtl="0" fontAlgn="base" hangingPunct="0">
+              <a:lnSpc>
+                <a:spcPct val="93000"/>
+              </a:lnSpc>
+              <a:spcBef>
+                <a:spcPct val="0"/>
+              </a:spcBef>
+              <a:spcAft>
+                <a:spcPct val="0"/>
+              </a:spcAft>
+              <a:buClr>
+                <a:srgbClr val="000000"/>
+              </a:buClr>
+              <a:buSzPct val="100000"/>
+              <a:buFont typeface="Times New Roman" charset="0"/>
+              <a:defRPr sz="4400">
+                <a:solidFill>
+                  <a:srgbClr val="000000"/>
+                </a:solidFill>
+                <a:latin typeface="Arial" charset="0"/>
+                <a:ea typeface="宋体" charset="0"/>
+                <a:cs typeface="宋体" charset="0"/>
+              </a:defRPr>
+            </a:lvl8pPr>
+            <a:lvl9pPr marL="3886200" indent="-228600" algn="ctr" defTabSz="449263" rtl="0" fontAlgn="base" hangingPunct="0">
+              <a:lnSpc>
+                <a:spcPct val="93000"/>
+              </a:lnSpc>
+              <a:spcBef>
+                <a:spcPct val="0"/>
+              </a:spcBef>
+              <a:spcAft>
+                <a:spcPct val="0"/>
+              </a:spcAft>
+              <a:buClr>
+                <a:srgbClr val="000000"/>
+              </a:buClr>
+              <a:buSzPct val="100000"/>
+              <a:buFont typeface="Times New Roman" charset="0"/>
+              <a:defRPr sz="4400">
+                <a:solidFill>
+                  <a:srgbClr val="000000"/>
+                </a:solidFill>
+                <a:latin typeface="Arial" charset="0"/>
+                <a:ea typeface="宋体" charset="0"/>
+                <a:cs typeface="宋体" charset="0"/>
+              </a:defRPr>
+            </a:lvl9pPr>
+          </a:lstStyle>
+          <a:p>
+            <a:endParaRPr lang="de-DE" dirty="0"/>
+          </a:p>
+        </p:txBody>
+      </p:sp>
+      <p:sp>
+        <p:nvSpPr>
+          <p:cNvPr id="13" name="Text Box 4"/>
+          <p:cNvSpPr txBox="1">
+            <a:spLocks noChangeArrowheads="1"/>
+          </p:cNvSpPr>
+          <p:nvPr/>
+        </p:nvSpPr>
+        <p:spPr bwMode="auto">
+          <a:xfrm>
+            <a:off x="2339975" y="252413"/>
+            <a:ext cx="7235825" cy="1104900"/>
+          </a:xfrm>
+          <a:prstGeom prst="rect">
+            <a:avLst/>
+          </a:prstGeom>
+          <a:noFill/>
+          <a:ln>
+            <a:noFill/>
+          </a:ln>
+          <a:effectLst/>
+          <a:extLst>
+            <a:ext uri="{909E8E84-426E-40DD-AFC4-6F175D3DCCD1}">
+              <a14:hiddenFill xmlns:a14="http://schemas.microsoft.com/office/drawing/2010/main">
+                <a:solidFill>
+                  <a:srgbClr val="FFFFFF"/>
+                </a:solidFill>
+              </a14:hiddenFill>
+            </a:ext>
+            <a:ext uri="{91240B29-F687-4F45-9708-019B960494DF}">
+              <a14:hiddenLine xmlns:a14="http://schemas.microsoft.com/office/drawing/2010/main" w="9525">
+                <a:solidFill>
+                  <a:srgbClr val="000000"/>
+                </a:solidFill>
+                <a:round/>
+                <a:headEnd/>
+                <a:tailEnd/>
+              </a14:hiddenLine>
+            </a:ext>
+            <a:ext uri="{AF507438-7753-43E0-B8FC-AC1667EBCBE1}">
+              <a14:hiddenEffects xmlns:a14="http://schemas.microsoft.com/office/drawing/2010/main">
+                <a:effectLst>
+                  <a:outerShdw blurRad="63500" dist="38099" dir="2700000" algn="ctr" rotWithShape="0">
+                    <a:srgbClr val="000000">
+                      <a:alpha val="74998"/>
+                    </a:srgbClr>
+                  </a:outerShdw>
+                </a:effectLst>
+              </a14:hiddenEffects>
+            </a:ext>
+          </a:extLst>
+        </p:spPr>
+        <p:txBody>
+          <a:bodyPr lIns="90000" tIns="45000" rIns="90000" bIns="45000"/>
+          <a:lstStyle>
+            <a:lvl1pPr>
+              <a:tabLst>
+                <a:tab pos="723900" algn="l"/>
+                <a:tab pos="1447800" algn="l"/>
+                <a:tab pos="2171700" algn="l"/>
+                <a:tab pos="2895600" algn="l"/>
+                <a:tab pos="3619500" algn="l"/>
+                <a:tab pos="4343400" algn="l"/>
+                <a:tab pos="5067300" algn="l"/>
+                <a:tab pos="5791200" algn="l"/>
+                <a:tab pos="6515100" algn="l"/>
+              </a:tabLst>
+              <a:defRPr>
+                <a:solidFill>
+                  <a:srgbClr val="000000"/>
+                </a:solidFill>
+                <a:latin typeface="Arial" charset="0"/>
+                <a:ea typeface="宋体" charset="0"/>
+                <a:cs typeface="宋体" charset="0"/>
+              </a:defRPr>
+            </a:lvl1pPr>
+            <a:lvl2pPr>
+              <a:tabLst>
+                <a:tab pos="723900" algn="l"/>
+                <a:tab pos="1447800" algn="l"/>
+                <a:tab pos="2171700" algn="l"/>
+                <a:tab pos="2895600" algn="l"/>
+                <a:tab pos="3619500" algn="l"/>
+                <a:tab pos="4343400" algn="l"/>
+                <a:tab pos="5067300" algn="l"/>
+                <a:tab pos="5791200" algn="l"/>
+                <a:tab pos="6515100" algn="l"/>
+              </a:tabLst>
+              <a:defRPr>
+                <a:solidFill>
+                  <a:srgbClr val="000000"/>
+                </a:solidFill>
+                <a:latin typeface="Arial" charset="0"/>
+                <a:ea typeface="宋体" charset="0"/>
+                <a:cs typeface="宋体" charset="0"/>
+              </a:defRPr>
+            </a:lvl2pPr>
+            <a:lvl3pPr>
+              <a:tabLst>
+                <a:tab pos="723900" algn="l"/>
+                <a:tab pos="1447800" algn="l"/>
+                <a:tab pos="2171700" algn="l"/>
+                <a:tab pos="2895600" algn="l"/>
+                <a:tab pos="3619500" algn="l"/>
+                <a:tab pos="4343400" algn="l"/>
+                <a:tab pos="5067300" algn="l"/>
+                <a:tab pos="5791200" algn="l"/>
+                <a:tab pos="6515100" algn="l"/>
+              </a:tabLst>
+              <a:defRPr>
+                <a:solidFill>
+                  <a:srgbClr val="000000"/>
+                </a:solidFill>
+                <a:latin typeface="Arial" charset="0"/>
+                <a:ea typeface="宋体" charset="0"/>
+                <a:cs typeface="宋体" charset="0"/>
+              </a:defRPr>
+            </a:lvl3pPr>
+            <a:lvl4pPr>
+              <a:tabLst>
+                <a:tab pos="723900" algn="l"/>
+                <a:tab pos="1447800" algn="l"/>
+                <a:tab pos="2171700" algn="l"/>
+                <a:tab pos="2895600" algn="l"/>
+                <a:tab pos="3619500" algn="l"/>
+                <a:tab pos="4343400" algn="l"/>
+                <a:tab pos="5067300" algn="l"/>
+                <a:tab pos="5791200" algn="l"/>
+                <a:tab pos="6515100" algn="l"/>
+              </a:tabLst>
+              <a:defRPr>
+                <a:solidFill>
+                  <a:srgbClr val="000000"/>
+                </a:solidFill>
+                <a:latin typeface="Arial" charset="0"/>
+                <a:ea typeface="宋体" charset="0"/>
+                <a:cs typeface="宋体" charset="0"/>
+              </a:defRPr>
+            </a:lvl4pPr>
+            <a:lvl5pPr>
+              <a:tabLst>
+                <a:tab pos="723900" algn="l"/>
+                <a:tab pos="1447800" algn="l"/>
+                <a:tab pos="2171700" algn="l"/>
+                <a:tab pos="2895600" algn="l"/>
+                <a:tab pos="3619500" algn="l"/>
+                <a:tab pos="4343400" algn="l"/>
+                <a:tab pos="5067300" algn="l"/>
+                <a:tab pos="5791200" algn="l"/>
+                <a:tab pos="6515100" algn="l"/>
+              </a:tabLst>
+              <a:defRPr>
+                <a:solidFill>
+                  <a:srgbClr val="000000"/>
+                </a:solidFill>
+                <a:latin typeface="Arial" charset="0"/>
+                <a:ea typeface="宋体" charset="0"/>
+                <a:cs typeface="宋体" charset="0"/>
+              </a:defRPr>
+            </a:lvl5pPr>
+            <a:lvl6pPr marL="2514600" indent="-228600" defTabSz="449263" fontAlgn="base" hangingPunct="0">
+              <a:lnSpc>
+                <a:spcPct val="93000"/>
+              </a:lnSpc>
+              <a:spcBef>
+                <a:spcPct val="0"/>
+              </a:spcBef>
+              <a:spcAft>
+                <a:spcPct val="0"/>
+              </a:spcAft>
+              <a:buClr>
+                <a:srgbClr val="000000"/>
+              </a:buClr>
+              <a:buSzPct val="100000"/>
+              <a:buFont typeface="Times New Roman" charset="0"/>
+              <a:tabLst>
+                <a:tab pos="723900" algn="l"/>
+                <a:tab pos="1447800" algn="l"/>
+                <a:tab pos="2171700" algn="l"/>
+                <a:tab pos="2895600" algn="l"/>
+                <a:tab pos="3619500" algn="l"/>
+                <a:tab pos="4343400" algn="l"/>
+                <a:tab pos="5067300" algn="l"/>
+                <a:tab pos="5791200" algn="l"/>
+                <a:tab pos="6515100" algn="l"/>
+              </a:tabLst>
+              <a:defRPr>
+                <a:solidFill>
+                  <a:srgbClr val="000000"/>
+                </a:solidFill>
+                <a:latin typeface="Arial" charset="0"/>
+                <a:ea typeface="宋体" charset="0"/>
+                <a:cs typeface="宋体" charset="0"/>
+              </a:defRPr>
+            </a:lvl6pPr>
+            <a:lvl7pPr marL="2971800" indent="-228600" defTabSz="449263" fontAlgn="base" hangingPunct="0">
+              <a:lnSpc>
+                <a:spcPct val="93000"/>
+              </a:lnSpc>
+              <a:spcBef>
+                <a:spcPct val="0"/>
+              </a:spcBef>
+              <a:spcAft>
+                <a:spcPct val="0"/>
+              </a:spcAft>
+              <a:buClr>
+                <a:srgbClr val="000000"/>
+              </a:buClr>
+              <a:buSzPct val="100000"/>
+              <a:buFont typeface="Times New Roman" charset="0"/>
+              <a:tabLst>
+                <a:tab pos="723900" algn="l"/>
+                <a:tab pos="1447800" algn="l"/>
+                <a:tab pos="2171700" algn="l"/>
+                <a:tab pos="2895600" algn="l"/>
+                <a:tab pos="3619500" algn="l"/>
+                <a:tab pos="4343400" algn="l"/>
+                <a:tab pos="5067300" algn="l"/>
+                <a:tab pos="5791200" algn="l"/>
+                <a:tab pos="6515100" algn="l"/>
+              </a:tabLst>
+              <a:defRPr>
+                <a:solidFill>
+                  <a:srgbClr val="000000"/>
+                </a:solidFill>
+                <a:latin typeface="Arial" charset="0"/>
+                <a:ea typeface="宋体" charset="0"/>
+                <a:cs typeface="宋体" charset="0"/>
+              </a:defRPr>
+            </a:lvl7pPr>
+            <a:lvl8pPr marL="3429000" indent="-228600" defTabSz="449263" fontAlgn="base" hangingPunct="0">
+              <a:lnSpc>
+                <a:spcPct val="93000"/>
+              </a:lnSpc>
+              <a:spcBef>
+                <a:spcPct val="0"/>
+              </a:spcBef>
+              <a:spcAft>
+                <a:spcPct val="0"/>
+              </a:spcAft>
+              <a:buClr>
+                <a:srgbClr val="000000"/>
+              </a:buClr>
+              <a:buSzPct val="100000"/>
+              <a:buFont typeface="Times New Roman" charset="0"/>
+              <a:tabLst>
+                <a:tab pos="723900" algn="l"/>
+                <a:tab pos="1447800" algn="l"/>
+                <a:tab pos="2171700" algn="l"/>
+                <a:tab pos="2895600" algn="l"/>
+                <a:tab pos="3619500" algn="l"/>
+                <a:tab pos="4343400" algn="l"/>
+                <a:tab pos="5067300" algn="l"/>
+                <a:tab pos="5791200" algn="l"/>
+                <a:tab pos="6515100" algn="l"/>
+              </a:tabLst>
+              <a:defRPr>
+                <a:solidFill>
+                  <a:srgbClr val="000000"/>
+                </a:solidFill>
+                <a:latin typeface="Arial" charset="0"/>
+                <a:ea typeface="宋体" charset="0"/>
+                <a:cs typeface="宋体" charset="0"/>
+              </a:defRPr>
+            </a:lvl8pPr>
+            <a:lvl9pPr marL="3886200" indent="-228600" defTabSz="449263" fontAlgn="base" hangingPunct="0">
+              <a:lnSpc>
+                <a:spcPct val="93000"/>
+              </a:lnSpc>
+              <a:spcBef>
+                <a:spcPct val="0"/>
+              </a:spcBef>
+              <a:spcAft>
+                <a:spcPct val="0"/>
+              </a:spcAft>
+              <a:buClr>
+                <a:srgbClr val="000000"/>
+              </a:buClr>
+              <a:buSzPct val="100000"/>
+              <a:buFont typeface="Times New Roman" charset="0"/>
+              <a:tabLst>
+                <a:tab pos="723900" algn="l"/>
+                <a:tab pos="1447800" algn="l"/>
+                <a:tab pos="2171700" algn="l"/>
+                <a:tab pos="2895600" algn="l"/>
+                <a:tab pos="3619500" algn="l"/>
+                <a:tab pos="4343400" algn="l"/>
+                <a:tab pos="5067300" algn="l"/>
+                <a:tab pos="5791200" algn="l"/>
+                <a:tab pos="6515100" algn="l"/>
+              </a:tabLst>
+              <a:defRPr>
+                <a:solidFill>
+                  <a:srgbClr val="000000"/>
+                </a:solidFill>
+                <a:latin typeface="Arial" charset="0"/>
+                <a:ea typeface="宋体" charset="0"/>
+                <a:cs typeface="宋体" charset="0"/>
+              </a:defRPr>
+            </a:lvl9pPr>
+          </a:lstStyle>
+          <a:p>
+            <a:pPr>
+              <a:lnSpc>
+                <a:spcPct val="118000"/>
+              </a:lnSpc>
+            </a:pPr>
+            <a:r>
+              <a:rPr lang="en-US" sz="3600" dirty="0" err="1" smtClean="0">
+                <a:latin typeface="Arial Black" charset="0"/>
+              </a:rPr>
+              <a:t>Ihr</a:t>
+            </a:r>
+            <a:r>
+              <a:rPr lang="en-US" sz="3600" dirty="0" smtClean="0">
+                <a:latin typeface="Arial Black" charset="0"/>
+              </a:rPr>
+              <a:t> </a:t>
+            </a:r>
+            <a:r>
+              <a:rPr lang="en-US" sz="3600" dirty="0" err="1" smtClean="0">
+                <a:latin typeface="Arial Black" charset="0"/>
+              </a:rPr>
+              <a:t>Nutzen</a:t>
+            </a:r>
+            <a:endParaRPr lang="en-US" sz="3600" dirty="0">
+              <a:latin typeface="Arial Black" charset="0"/>
+            </a:endParaRPr>
+          </a:p>
+        </p:txBody>
+      </p:sp>
+    </p:spTree>
+    <p:extLst>
+      <p:ext uri="{BB962C8B-B14F-4D97-AF65-F5344CB8AC3E}">
+        <p14:creationId xmlns:p14="http://schemas.microsoft.com/office/powerpoint/2010/main" val="3400429079"/>
+      </p:ext>
+    </p:extLst>
+  </p:cSld>
+  <p:clrMapOvr>
+    <a:masterClrMapping/>
+  </p:clrMapOvr>
+  <p:timing>
+    <p:tnLst>
+      <p:par>
+        <p:cTn id="1" dur="indefinite" restart="never" nodeType="tmRoot"/>
+      </p:par>
+    </p:tnLst>
+  </p:timing>
+</p:sld>
+</file>
+
+<file path=ppt/slides/slide3.xml><?xml version="1.0" encoding="utf-8"?>
+<p:sld xmlns:a="http://schemas.openxmlformats.org/drawingml/2006/main" xmlns:r="http://schemas.openxmlformats.org/officeDocument/2006/relationships" xmlns:p="http://schemas.openxmlformats.org/presentationml/2006/main">
+  <p:cSld>
+    <p:spTree>
+      <p:nvGrpSpPr>
+        <p:cNvPr id="1" name=""/>
+        <p:cNvGrpSpPr/>
+        <p:nvPr/>
+      </p:nvGrpSpPr>
+      <p:grpSpPr>
+        <a:xfrm>
+          <a:off x="0" y="0"/>
+          <a:ext cx="0" cy="0"/>
+          <a:chOff x="0" y="0"/>
+          <a:chExt cx="0" cy="0"/>
+        </a:xfrm>
+      </p:grpSpPr>
+      <p:sp>
+        <p:nvSpPr>
           <p:cNvPr id="5121" name="AutoShape 1"/>
           <p:cNvSpPr>
             <a:spLocks noChangeArrowheads="1"/>
@@ -7641,20 +10355,44 @@
               </a:tabLst>
             </a:pPr>
             <a:r>
-              <a:rPr lang="de-CH" sz="2200" dirty="0" smtClean="0">
-                <a:solidFill>
-                  <a:srgbClr val="000000"/>
-                </a:solidFill>
-              </a:rPr>
-              <a:t>Spielelemente von </a:t>
-            </a:r>
-            <a:r>
-              <a:rPr lang="de-CH" sz="2200" dirty="0" err="1" smtClean="0">
+              <a:rPr lang="en-US" sz="2200" dirty="0" err="1">
                 <a:solidFill>
                   <a:srgbClr val="000000"/>
                 </a:solidFill>
               </a:rPr>
               <a:t>NecaREx</a:t>
+            </a:r>
+            <a:r>
+              <a:rPr lang="en-US" sz="2200" dirty="0">
+                <a:solidFill>
+                  <a:srgbClr val="000000"/>
+                </a:solidFill>
+              </a:rPr>
+              <a:t> </a:t>
+            </a:r>
+            <a:r>
+              <a:rPr lang="en-US" sz="2200" dirty="0" err="1">
+                <a:solidFill>
+                  <a:srgbClr val="000000"/>
+                </a:solidFill>
+              </a:rPr>
+              <a:t>als</a:t>
+            </a:r>
+            <a:r>
+              <a:rPr lang="en-US" sz="2200" dirty="0">
+                <a:solidFill>
+                  <a:srgbClr val="000000"/>
+                </a:solidFill>
+              </a:rPr>
+              <a:t> </a:t>
+            </a:r>
+            <a:r>
+              <a:rPr lang="en-US" sz="2200" dirty="0" err="1" smtClean="0">
+                <a:solidFill>
+                  <a:srgbClr val="000000"/>
+                </a:solidFill>
+              </a:rPr>
+              <a:t>Schiedsrichter</a:t>
             </a:r>
             <a:endParaRPr lang="en-US" sz="2200" dirty="0">
               <a:solidFill>
@@ -7730,28 +10468,44 @@
               </a:tabLst>
             </a:pPr>
             <a:r>
-              <a:rPr lang="en-US" sz="2200" dirty="0" err="1" smtClean="0">
+              <a:rPr lang="en-US" sz="2200" dirty="0" err="1">
                 <a:solidFill>
                   <a:srgbClr val="000000"/>
                 </a:solidFill>
               </a:rPr>
-              <a:t>Mögliche</a:t>
-            </a:r>
-            <a:r>
-              <a:rPr lang="en-US" sz="2200" dirty="0" smtClean="0">
+              <a:t>NecaREx</a:t>
+            </a:r>
+            <a:r>
+              <a:rPr lang="en-US" sz="2200" dirty="0">
                 <a:solidFill>
                   <a:srgbClr val="000000"/>
                 </a:solidFill>
               </a:rPr>
-              <a:t> Felder der </a:t>
-            </a:r>
-            <a:r>
-              <a:rPr lang="en-US" sz="2200" dirty="0" err="1" smtClean="0">
+              <a:t> </a:t>
+            </a:r>
+            <a:r>
+              <a:rPr lang="en-US" sz="2200" dirty="0" err="1">
                 <a:solidFill>
                   <a:srgbClr val="000000"/>
                 </a:solidFill>
               </a:rPr>
-              <a:t>Spielfiguren</a:t>
+              <a:t>als</a:t>
+            </a:r>
+            <a:r>
+              <a:rPr lang="en-US" sz="2200" dirty="0">
+                <a:solidFill>
+                  <a:srgbClr val="000000"/>
+                </a:solidFill>
+              </a:rPr>
+              <a:t> </a:t>
+            </a:r>
+            <a:r>
+              <a:rPr lang="en-US" sz="2200" dirty="0" err="1">
+                <a:solidFill>
+                  <a:srgbClr val="000000"/>
+                </a:solidFill>
+              </a:rPr>
+              <a:t>Gegenspieler</a:t>
             </a:r>
             <a:endParaRPr lang="en-US" sz="2200" dirty="0">
               <a:solidFill>
@@ -7832,39 +10586,7 @@
                   <a:srgbClr val="000000"/>
                 </a:solidFill>
               </a:rPr>
-              <a:t>Bedrohung</a:t>
-            </a:r>
-            <a:r>
-              <a:rPr lang="en-US" sz="2200" dirty="0" smtClean="0">
-                <a:solidFill>
-                  <a:srgbClr val="000000"/>
-                </a:solidFill>
-              </a:rPr>
-              <a:t> des </a:t>
-            </a:r>
-            <a:r>
-              <a:rPr lang="en-US" sz="2200" dirty="0" err="1" smtClean="0">
-                <a:solidFill>
-                  <a:srgbClr val="000000"/>
-                </a:solidFill>
-              </a:rPr>
-              <a:t>Königs</a:t>
-            </a:r>
-            <a:r>
-              <a:rPr lang="en-US" sz="2200" dirty="0" smtClean="0">
-                <a:solidFill>
-                  <a:srgbClr val="000000"/>
-                </a:solidFill>
-              </a:rPr>
-              <a:t> </a:t>
-            </a:r>
-            <a:r>
-              <a:rPr lang="en-US" sz="2200" dirty="0" err="1" smtClean="0">
-                <a:solidFill>
-                  <a:srgbClr val="000000"/>
-                </a:solidFill>
-              </a:rPr>
-              <a:t>verhindern</a:t>
+              <a:t>Angebote</a:t>
             </a:r>
             <a:endParaRPr lang="en-US" sz="2200" dirty="0">
               <a:solidFill>
@@ -8459,12 +11181,12 @@
               </a:tabLst>
             </a:pPr>
             <a:r>
-              <a:rPr lang="en-US" sz="2200" dirty="0" err="1" smtClean="0">
+              <a:rPr lang="en-US" sz="2200" dirty="0" smtClean="0">
                 <a:solidFill>
                   <a:srgbClr val="000000"/>
                 </a:solidFill>
               </a:rPr>
-              <a:t>Schachmatt</a:t>
+              <a:t>Demonstration</a:t>
             </a:r>
             <a:endParaRPr lang="en-US" sz="2200" dirty="0">
               <a:solidFill>
@@ -8535,424 +11257,6 @@
         </p:txBody>
       </p:sp>
     </p:spTree>
-  </p:cSld>
-  <p:clrMapOvr>
-    <a:masterClrMapping/>
-  </p:clrMapOvr>
-  <p:transition spd="med"/>
-  <p:timing>
-    <p:tnLst>
-      <p:par>
-        <p:cTn id="1" dur="indefinite" restart="never" nodeType="tmRoot">
-          <p:childTnLst>
-            <p:seq concurrent="1" nextAc="seek">
-              <p:cTn id="2" dur="0" nodeType="mainSeq"/>
-              <p:prevCondLst>
-                <p:cond evt="onPrev" delay="0">
-                  <p:tgtEl>
-                    <p:sldTgt/>
-                  </p:tgtEl>
-                </p:cond>
-              </p:prevCondLst>
-              <p:nextCondLst>
-                <p:cond evt="onNext" delay="0">
-                  <p:tgtEl>
-                    <p:sldTgt/>
-                  </p:tgtEl>
-                </p:cond>
-              </p:nextCondLst>
-            </p:seq>
-          </p:childTnLst>
-        </p:cTn>
-      </p:par>
-    </p:tnLst>
-  </p:timing>
-</p:sld>
-</file>
-
-<file path=ppt/slides/slide3.xml><?xml version="1.0" encoding="utf-8"?>
-<p:sld xmlns:a="http://schemas.openxmlformats.org/drawingml/2006/main" xmlns:r="http://schemas.openxmlformats.org/officeDocument/2006/relationships" xmlns:p="http://schemas.openxmlformats.org/presentationml/2006/main">
-  <p:cSld>
-    <p:spTree>
-      <p:nvGrpSpPr>
-        <p:cNvPr id="1" name=""/>
-        <p:cNvGrpSpPr/>
-        <p:nvPr/>
-      </p:nvGrpSpPr>
-      <p:grpSpPr>
-        <a:xfrm>
-          <a:off x="0" y="0"/>
-          <a:ext cx="0" cy="0"/>
-          <a:chOff x="0" y="0"/>
-          <a:chExt cx="0" cy="0"/>
-        </a:xfrm>
-      </p:grpSpPr>
-      <p:sp>
-        <p:nvSpPr>
-          <p:cNvPr id="5124" name="Text Box 4"/>
-          <p:cNvSpPr txBox="1">
-            <a:spLocks noChangeArrowheads="1"/>
-          </p:cNvSpPr>
-          <p:nvPr/>
-        </p:nvSpPr>
-        <p:spPr bwMode="auto">
-          <a:xfrm>
-            <a:off x="2339975" y="252413"/>
-            <a:ext cx="7235825" cy="1104900"/>
-          </a:xfrm>
-          <a:prstGeom prst="rect">
-            <a:avLst/>
-          </a:prstGeom>
-          <a:noFill/>
-          <a:ln>
-            <a:noFill/>
-          </a:ln>
-          <a:effectLst/>
-          <a:extLst>
-            <a:ext uri="{909E8E84-426E-40DD-AFC4-6F175D3DCCD1}">
-              <a14:hiddenFill xmlns:a14="http://schemas.microsoft.com/office/drawing/2010/main">
-                <a:solidFill>
-                  <a:srgbClr val="FFFFFF"/>
-                </a:solidFill>
-              </a14:hiddenFill>
-            </a:ext>
-            <a:ext uri="{91240B29-F687-4F45-9708-019B960494DF}">
-              <a14:hiddenLine xmlns:a14="http://schemas.microsoft.com/office/drawing/2010/main" w="9525">
-                <a:solidFill>
-                  <a:srgbClr val="000000"/>
-                </a:solidFill>
-                <a:round/>
-                <a:headEnd/>
-                <a:tailEnd/>
-              </a14:hiddenLine>
-            </a:ext>
-            <a:ext uri="{AF507438-7753-43E0-B8FC-AC1667EBCBE1}">
-              <a14:hiddenEffects xmlns:a14="http://schemas.microsoft.com/office/drawing/2010/main">
-                <a:effectLst>
-                  <a:outerShdw blurRad="63500" dist="38099" dir="2700000" algn="ctr" rotWithShape="0">
-                    <a:srgbClr val="000000">
-                      <a:alpha val="74998"/>
-                    </a:srgbClr>
-                  </a:outerShdw>
-                </a:effectLst>
-              </a14:hiddenEffects>
-            </a:ext>
-          </a:extLst>
-        </p:spPr>
-        <p:txBody>
-          <a:bodyPr lIns="90000" tIns="45000" rIns="90000" bIns="45000"/>
-          <a:lstStyle>
-            <a:lvl1pPr>
-              <a:tabLst>
-                <a:tab pos="723900" algn="l"/>
-                <a:tab pos="1447800" algn="l"/>
-                <a:tab pos="2171700" algn="l"/>
-                <a:tab pos="2895600" algn="l"/>
-                <a:tab pos="3619500" algn="l"/>
-                <a:tab pos="4343400" algn="l"/>
-                <a:tab pos="5067300" algn="l"/>
-                <a:tab pos="5791200" algn="l"/>
-                <a:tab pos="6515100" algn="l"/>
-              </a:tabLst>
-              <a:defRPr>
-                <a:solidFill>
-                  <a:srgbClr val="000000"/>
-                </a:solidFill>
-                <a:latin typeface="Arial" charset="0"/>
-                <a:ea typeface="宋体" charset="0"/>
-                <a:cs typeface="宋体" charset="0"/>
-              </a:defRPr>
-            </a:lvl1pPr>
-            <a:lvl2pPr>
-              <a:tabLst>
-                <a:tab pos="723900" algn="l"/>
-                <a:tab pos="1447800" algn="l"/>
-                <a:tab pos="2171700" algn="l"/>
-                <a:tab pos="2895600" algn="l"/>
-                <a:tab pos="3619500" algn="l"/>
-                <a:tab pos="4343400" algn="l"/>
-                <a:tab pos="5067300" algn="l"/>
-                <a:tab pos="5791200" algn="l"/>
-                <a:tab pos="6515100" algn="l"/>
-              </a:tabLst>
-              <a:defRPr>
-                <a:solidFill>
-                  <a:srgbClr val="000000"/>
-                </a:solidFill>
-                <a:latin typeface="Arial" charset="0"/>
-                <a:ea typeface="宋体" charset="0"/>
-                <a:cs typeface="宋体" charset="0"/>
-              </a:defRPr>
-            </a:lvl2pPr>
-            <a:lvl3pPr>
-              <a:tabLst>
-                <a:tab pos="723900" algn="l"/>
-                <a:tab pos="1447800" algn="l"/>
-                <a:tab pos="2171700" algn="l"/>
-                <a:tab pos="2895600" algn="l"/>
-                <a:tab pos="3619500" algn="l"/>
-                <a:tab pos="4343400" algn="l"/>
-                <a:tab pos="5067300" algn="l"/>
-                <a:tab pos="5791200" algn="l"/>
-                <a:tab pos="6515100" algn="l"/>
-              </a:tabLst>
-              <a:defRPr>
-                <a:solidFill>
-                  <a:srgbClr val="000000"/>
-                </a:solidFill>
-                <a:latin typeface="Arial" charset="0"/>
-                <a:ea typeface="宋体" charset="0"/>
-                <a:cs typeface="宋体" charset="0"/>
-              </a:defRPr>
-            </a:lvl3pPr>
-            <a:lvl4pPr>
-              <a:tabLst>
-                <a:tab pos="723900" algn="l"/>
-                <a:tab pos="1447800" algn="l"/>
-                <a:tab pos="2171700" algn="l"/>
-                <a:tab pos="2895600" algn="l"/>
-                <a:tab pos="3619500" algn="l"/>
-                <a:tab pos="4343400" algn="l"/>
-                <a:tab pos="5067300" algn="l"/>
-                <a:tab pos="5791200" algn="l"/>
-                <a:tab pos="6515100" algn="l"/>
-              </a:tabLst>
-              <a:defRPr>
-                <a:solidFill>
-                  <a:srgbClr val="000000"/>
-                </a:solidFill>
-                <a:latin typeface="Arial" charset="0"/>
-                <a:ea typeface="宋体" charset="0"/>
-                <a:cs typeface="宋体" charset="0"/>
-              </a:defRPr>
-            </a:lvl4pPr>
-            <a:lvl5pPr>
-              <a:tabLst>
-                <a:tab pos="723900" algn="l"/>
-                <a:tab pos="1447800" algn="l"/>
-                <a:tab pos="2171700" algn="l"/>
-                <a:tab pos="2895600" algn="l"/>
-                <a:tab pos="3619500" algn="l"/>
-                <a:tab pos="4343400" algn="l"/>
-                <a:tab pos="5067300" algn="l"/>
-                <a:tab pos="5791200" algn="l"/>
-                <a:tab pos="6515100" algn="l"/>
-              </a:tabLst>
-              <a:defRPr>
-                <a:solidFill>
-                  <a:srgbClr val="000000"/>
-                </a:solidFill>
-                <a:latin typeface="Arial" charset="0"/>
-                <a:ea typeface="宋体" charset="0"/>
-                <a:cs typeface="宋体" charset="0"/>
-              </a:defRPr>
-            </a:lvl5pPr>
-            <a:lvl6pPr marL="2514600" indent="-228600" defTabSz="449263" fontAlgn="base" hangingPunct="0">
-              <a:lnSpc>
-                <a:spcPct val="93000"/>
-              </a:lnSpc>
-              <a:spcBef>
-                <a:spcPct val="0"/>
-              </a:spcBef>
-              <a:spcAft>
-                <a:spcPct val="0"/>
-              </a:spcAft>
-              <a:buClr>
-                <a:srgbClr val="000000"/>
-              </a:buClr>
-              <a:buSzPct val="100000"/>
-              <a:buFont typeface="Times New Roman" charset="0"/>
-              <a:tabLst>
-                <a:tab pos="723900" algn="l"/>
-                <a:tab pos="1447800" algn="l"/>
-                <a:tab pos="2171700" algn="l"/>
-                <a:tab pos="2895600" algn="l"/>
-                <a:tab pos="3619500" algn="l"/>
-                <a:tab pos="4343400" algn="l"/>
-                <a:tab pos="5067300" algn="l"/>
-                <a:tab pos="5791200" algn="l"/>
-                <a:tab pos="6515100" algn="l"/>
-              </a:tabLst>
-              <a:defRPr>
-                <a:solidFill>
-                  <a:srgbClr val="000000"/>
-                </a:solidFill>
-                <a:latin typeface="Arial" charset="0"/>
-                <a:ea typeface="宋体" charset="0"/>
-                <a:cs typeface="宋体" charset="0"/>
-              </a:defRPr>
-            </a:lvl6pPr>
-            <a:lvl7pPr marL="2971800" indent="-228600" defTabSz="449263" fontAlgn="base" hangingPunct="0">
-              <a:lnSpc>
-                <a:spcPct val="93000"/>
-              </a:lnSpc>
-              <a:spcBef>
-                <a:spcPct val="0"/>
-              </a:spcBef>
-              <a:spcAft>
-                <a:spcPct val="0"/>
-              </a:spcAft>
-              <a:buClr>
-                <a:srgbClr val="000000"/>
-              </a:buClr>
-              <a:buSzPct val="100000"/>
-              <a:buFont typeface="Times New Roman" charset="0"/>
-              <a:tabLst>
-                <a:tab pos="723900" algn="l"/>
-                <a:tab pos="1447800" algn="l"/>
-                <a:tab pos="2171700" algn="l"/>
-                <a:tab pos="2895600" algn="l"/>
-                <a:tab pos="3619500" algn="l"/>
-                <a:tab pos="4343400" algn="l"/>
-                <a:tab pos="5067300" algn="l"/>
-                <a:tab pos="5791200" algn="l"/>
-                <a:tab pos="6515100" algn="l"/>
-              </a:tabLst>
-              <a:defRPr>
-                <a:solidFill>
-                  <a:srgbClr val="000000"/>
-                </a:solidFill>
-                <a:latin typeface="Arial" charset="0"/>
-                <a:ea typeface="宋体" charset="0"/>
-                <a:cs typeface="宋体" charset="0"/>
-              </a:defRPr>
-            </a:lvl7pPr>
-            <a:lvl8pPr marL="3429000" indent="-228600" defTabSz="449263" fontAlgn="base" hangingPunct="0">
-              <a:lnSpc>
-                <a:spcPct val="93000"/>
-              </a:lnSpc>
-              <a:spcBef>
-                <a:spcPct val="0"/>
-              </a:spcBef>
-              <a:spcAft>
-                <a:spcPct val="0"/>
-              </a:spcAft>
-              <a:buClr>
-                <a:srgbClr val="000000"/>
-              </a:buClr>
-              <a:buSzPct val="100000"/>
-              <a:buFont typeface="Times New Roman" charset="0"/>
-              <a:tabLst>
-                <a:tab pos="723900" algn="l"/>
-                <a:tab pos="1447800" algn="l"/>
-                <a:tab pos="2171700" algn="l"/>
-                <a:tab pos="2895600" algn="l"/>
-                <a:tab pos="3619500" algn="l"/>
-                <a:tab pos="4343400" algn="l"/>
-                <a:tab pos="5067300" algn="l"/>
-                <a:tab pos="5791200" algn="l"/>
-                <a:tab pos="6515100" algn="l"/>
-              </a:tabLst>
-              <a:defRPr>
-                <a:solidFill>
-                  <a:srgbClr val="000000"/>
-                </a:solidFill>
-                <a:latin typeface="Arial" charset="0"/>
-                <a:ea typeface="宋体" charset="0"/>
-                <a:cs typeface="宋体" charset="0"/>
-              </a:defRPr>
-            </a:lvl8pPr>
-            <a:lvl9pPr marL="3886200" indent="-228600" defTabSz="449263" fontAlgn="base" hangingPunct="0">
-              <a:lnSpc>
-                <a:spcPct val="93000"/>
-              </a:lnSpc>
-              <a:spcBef>
-                <a:spcPct val="0"/>
-              </a:spcBef>
-              <a:spcAft>
-                <a:spcPct val="0"/>
-              </a:spcAft>
-              <a:buClr>
-                <a:srgbClr val="000000"/>
-              </a:buClr>
-              <a:buSzPct val="100000"/>
-              <a:buFont typeface="Times New Roman" charset="0"/>
-              <a:tabLst>
-                <a:tab pos="723900" algn="l"/>
-                <a:tab pos="1447800" algn="l"/>
-                <a:tab pos="2171700" algn="l"/>
-                <a:tab pos="2895600" algn="l"/>
-                <a:tab pos="3619500" algn="l"/>
-                <a:tab pos="4343400" algn="l"/>
-                <a:tab pos="5067300" algn="l"/>
-                <a:tab pos="5791200" algn="l"/>
-                <a:tab pos="6515100" algn="l"/>
-              </a:tabLst>
-              <a:defRPr>
-                <a:solidFill>
-                  <a:srgbClr val="000000"/>
-                </a:solidFill>
-                <a:latin typeface="Arial" charset="0"/>
-                <a:ea typeface="宋体" charset="0"/>
-                <a:cs typeface="宋体" charset="0"/>
-              </a:defRPr>
-            </a:lvl9pPr>
-          </a:lstStyle>
-          <a:p>
-            <a:pPr>
-              <a:lnSpc>
-                <a:spcPct val="118000"/>
-              </a:lnSpc>
-            </a:pPr>
-            <a:r>
-              <a:rPr lang="en-US" sz="3600" dirty="0" err="1" smtClean="0">
-                <a:latin typeface="Arial Black" charset="0"/>
-              </a:rPr>
-              <a:t>NecaREx</a:t>
-            </a:r>
-            <a:endParaRPr lang="en-US" sz="3600" dirty="0">
-              <a:latin typeface="Arial Black" charset="0"/>
-            </a:endParaRPr>
-          </a:p>
-        </p:txBody>
-      </p:sp>
-      <p:pic>
-        <p:nvPicPr>
-          <p:cNvPr id="1026" name="Picture 2" descr="C:\Users\Beni\Desktop\presi\0_start.png"/>
-          <p:cNvPicPr>
-            <a:picLocks noChangeAspect="1" noChangeArrowheads="1"/>
-          </p:cNvPicPr>
-          <p:nvPr/>
-        </p:nvPicPr>
-        <p:blipFill>
-          <a:blip r:embed="rId3">
-            <a:extLst>
-              <a:ext uri="{28A0092B-C50C-407E-A947-70E740481C1C}">
-                <a14:useLocalDpi xmlns:a14="http://schemas.microsoft.com/office/drawing/2010/main" val="0"/>
-              </a:ext>
-            </a:extLst>
-          </a:blip>
-          <a:srcRect/>
-          <a:stretch>
-            <a:fillRect/>
-          </a:stretch>
-        </p:blipFill>
-        <p:spPr bwMode="auto">
-          <a:xfrm>
-            <a:off x="2339975" y="1187549"/>
-            <a:ext cx="6927491" cy="6048672"/>
-          </a:xfrm>
-          <a:prstGeom prst="rect">
-            <a:avLst/>
-          </a:prstGeom>
-          <a:noFill/>
-          <a:extLst>
-            <a:ext uri="{909E8E84-426E-40DD-AFC4-6F175D3DCCD1}">
-              <a14:hiddenFill xmlns:a14="http://schemas.microsoft.com/office/drawing/2010/main">
-                <a:solidFill>
-                  <a:srgbClr val="FFFFFF"/>
-                </a:solidFill>
-              </a14:hiddenFill>
-            </a:ext>
-          </a:extLst>
-        </p:spPr>
-      </p:pic>
-    </p:spTree>
-    <p:extLst>
-      <p:ext uri="{BB962C8B-B14F-4D97-AF65-F5344CB8AC3E}">
-        <p14:creationId xmlns:p14="http://schemas.microsoft.com/office/powerpoint/2010/main" val="2765566592"/>
-      </p:ext>
-    </p:extLst>
   </p:cSld>
   <p:clrMapOvr>
     <a:masterClrMapping/>
@@ -9313,16 +11617,34 @@
               </a:lnSpc>
             </a:pPr>
             <a:r>
-              <a:rPr lang="en-US" sz="3600" dirty="0" err="1" smtClean="0">
+              <a:rPr lang="en-US" sz="3600" dirty="0" err="1">
                 <a:latin typeface="Arial Black" charset="0"/>
               </a:rPr>
-              <a:t>Mögliche</a:t>
-            </a:r>
-            <a:r>
-              <a:rPr lang="en-US" sz="3600" dirty="0" smtClean="0">
+              <a:t>NecaREx</a:t>
+            </a:r>
+            <a:r>
+              <a:rPr lang="en-US" sz="3600" dirty="0">
                 <a:latin typeface="Arial Black" charset="0"/>
               </a:rPr>
-              <a:t> Felder</a:t>
+              <a:t> </a:t>
+            </a:r>
+            <a:r>
+              <a:rPr lang="en-US" sz="3600" dirty="0" err="1">
+                <a:latin typeface="Arial Black" charset="0"/>
+              </a:rPr>
+              <a:t>als</a:t>
+            </a:r>
+            <a:r>
+              <a:rPr lang="en-US" sz="3600" dirty="0">
+                <a:latin typeface="Arial Black" charset="0"/>
+              </a:rPr>
+              <a:t> </a:t>
+            </a:r>
+            <a:r>
+              <a:rPr lang="en-US" sz="3600" dirty="0" err="1">
+                <a:latin typeface="Arial Black" charset="0"/>
+              </a:rPr>
+              <a:t>Schiedsrichter</a:t>
             </a:r>
             <a:endParaRPr lang="en-US" sz="3600" dirty="0">
               <a:latin typeface="Arial Black" charset="0"/>
@@ -9354,7 +11676,7 @@
         <p:spPr bwMode="auto">
           <a:xfrm>
             <a:off x="2376016" y="1187549"/>
-            <a:ext cx="6912768" cy="6035819"/>
+            <a:ext cx="7040880" cy="6149340"/>
           </a:xfrm>
           <a:prstGeom prst="rect">
             <a:avLst/>
@@ -9740,7 +12062,7 @@
               <a:rPr lang="en-US" sz="3600" dirty="0" err="1">
                 <a:latin typeface="Arial Black" charset="0"/>
               </a:rPr>
-              <a:t>Mögliche</a:t>
+              <a:t>NecaREx</a:t>
             </a:r>
             <a:r>
               <a:rPr lang="en-US" sz="3600" dirty="0">
@@ -9749,10 +12071,22 @@
               <a:t> </a:t>
             </a:r>
             <a:r>
-              <a:rPr lang="en-US" sz="3600" dirty="0" smtClean="0">
+              <a:rPr lang="en-US" sz="3600" dirty="0" err="1">
                 <a:latin typeface="Arial Black" charset="0"/>
               </a:rPr>
-              <a:t>Felder</a:t>
+              <a:t>als</a:t>
+            </a:r>
+            <a:r>
+              <a:rPr lang="en-US" sz="3600" dirty="0">
+                <a:latin typeface="Arial Black" charset="0"/>
+              </a:rPr>
+              <a:t> </a:t>
+            </a:r>
+            <a:r>
+              <a:rPr lang="en-US" sz="3600" dirty="0" err="1">
+                <a:latin typeface="Arial Black" charset="0"/>
+              </a:rPr>
+              <a:t>Schiedsrichter</a:t>
             </a:r>
             <a:endParaRPr lang="en-US" sz="3600" dirty="0">
               <a:latin typeface="Arial Black" charset="0"/>
@@ -9783,8 +12117,8 @@
         </p:blipFill>
         <p:spPr bwMode="auto">
           <a:xfrm>
-            <a:off x="2313293" y="1206455"/>
-            <a:ext cx="6966126" cy="6082405"/>
+            <a:off x="2376000" y="1188000"/>
+            <a:ext cx="7040880" cy="6149340"/>
           </a:xfrm>
           <a:prstGeom prst="rect">
             <a:avLst/>
@@ -10170,13 +12504,31 @@
               <a:rPr lang="en-US" sz="3600" dirty="0" err="1">
                 <a:latin typeface="Arial Black" charset="0"/>
               </a:rPr>
-              <a:t>Mögliche</a:t>
+              <a:t>NecaREx</a:t>
             </a:r>
             <a:r>
               <a:rPr lang="en-US" sz="3600" dirty="0">
                 <a:latin typeface="Arial Black" charset="0"/>
               </a:rPr>
-              <a:t> Felder</a:t>
+              <a:t> </a:t>
+            </a:r>
+            <a:r>
+              <a:rPr lang="en-US" sz="3600" dirty="0" err="1">
+                <a:latin typeface="Arial Black" charset="0"/>
+              </a:rPr>
+              <a:t>als</a:t>
+            </a:r>
+            <a:r>
+              <a:rPr lang="en-US" sz="3600" dirty="0">
+                <a:latin typeface="Arial Black" charset="0"/>
+              </a:rPr>
+              <a:t> </a:t>
+            </a:r>
+            <a:r>
+              <a:rPr lang="en-US" sz="3600" dirty="0" err="1">
+                <a:latin typeface="Arial Black" charset="0"/>
+              </a:rPr>
+              <a:t>Schiedsrichter</a:t>
             </a:r>
             <a:endParaRPr lang="en-US" sz="3600" dirty="0">
               <a:latin typeface="Arial Black" charset="0"/>
@@ -10186,7 +12538,7 @@
       </p:sp>
       <p:pic>
         <p:nvPicPr>
-          <p:cNvPr id="3074" name="Picture 2" descr="C:\Users\Beni\Desktop\presi\3_SchwarzerKönigImSchachBauerBewegen.png"/>
+          <p:cNvPr id="5122" name="Picture 2" descr="C:\Users\Beni\Desktop\presi\5_weisserKönigDarfSichNichtInsSchachStellen.png"/>
           <p:cNvPicPr>
             <a:picLocks noChangeAspect="1" noChangeArrowheads="1"/>
           </p:cNvPicPr>
@@ -10207,8 +12559,8 @@
         </p:blipFill>
         <p:spPr bwMode="auto">
           <a:xfrm>
-            <a:off x="2354094" y="1242835"/>
-            <a:ext cx="6927491" cy="6048673"/>
+            <a:off x="2376016" y="1188000"/>
+            <a:ext cx="7040880" cy="6149340"/>
           </a:xfrm>
           <a:prstGeom prst="rect">
             <a:avLst/>
@@ -10594,13 +12946,31 @@
               <a:rPr lang="en-US" sz="3600" dirty="0" err="1">
                 <a:latin typeface="Arial Black" charset="0"/>
               </a:rPr>
-              <a:t>Mögliche</a:t>
+              <a:t>NecaREx</a:t>
             </a:r>
             <a:r>
               <a:rPr lang="en-US" sz="3600" dirty="0">
                 <a:latin typeface="Arial Black" charset="0"/>
               </a:rPr>
-              <a:t> Felder</a:t>
+              <a:t> </a:t>
+            </a:r>
+            <a:r>
+              <a:rPr lang="en-US" sz="3600" dirty="0" err="1">
+                <a:latin typeface="Arial Black" charset="0"/>
+              </a:rPr>
+              <a:t>als</a:t>
+            </a:r>
+            <a:r>
+              <a:rPr lang="en-US" sz="3600" dirty="0">
+                <a:latin typeface="Arial Black" charset="0"/>
+              </a:rPr>
+              <a:t> </a:t>
+            </a:r>
+            <a:r>
+              <a:rPr lang="en-US" sz="3600" dirty="0" err="1">
+                <a:latin typeface="Arial Black" charset="0"/>
+              </a:rPr>
+              <a:t>Schiedsrichter</a:t>
             </a:r>
             <a:endParaRPr lang="en-US" sz="3600" dirty="0">
               <a:latin typeface="Arial Black" charset="0"/>
@@ -10610,7 +12980,7 @@
       </p:sp>
       <p:pic>
         <p:nvPicPr>
-          <p:cNvPr id="4098" name="Picture 2" descr="C:\Users\Beni\Desktop\presi\4_SchwarzerKönigImSchachPferd.png"/>
+          <p:cNvPr id="6146" name="Picture 2" descr="C:\Users\Beni\Desktop\presi\6_schwarzerBauerDarfNichtSeinenKönigInsSchachStellen.png"/>
           <p:cNvPicPr>
             <a:picLocks noChangeAspect="1" noChangeArrowheads="1"/>
           </p:cNvPicPr>
@@ -10631,8 +13001,8 @@
         </p:blipFill>
         <p:spPr bwMode="auto">
           <a:xfrm>
-            <a:off x="2339975" y="1259557"/>
-            <a:ext cx="6927492" cy="6048672"/>
+            <a:off x="2376016" y="1188000"/>
+            <a:ext cx="7040880" cy="6149340"/>
           </a:xfrm>
           <a:prstGeom prst="rect">
             <a:avLst/>
@@ -10652,7 +13022,7 @@
     </p:spTree>
     <p:extLst>
       <p:ext uri="{BB962C8B-B14F-4D97-AF65-F5344CB8AC3E}">
-        <p14:creationId xmlns:p14="http://schemas.microsoft.com/office/powerpoint/2010/main" val="291869336"/>
+        <p14:creationId xmlns:p14="http://schemas.microsoft.com/office/powerpoint/2010/main" val="3184979179"/>
       </p:ext>
     </p:extLst>
   </p:cSld>
@@ -11015,35 +13385,45 @@
               </a:lnSpc>
             </a:pPr>
             <a:r>
-              <a:rPr lang="en-US" sz="3600" dirty="0" err="1" smtClean="0">
+              <a:rPr lang="en-US" sz="3600" dirty="0" err="1">
                 <a:latin typeface="Arial Black" charset="0"/>
               </a:rPr>
-              <a:t>Selber</a:t>
-            </a:r>
-            <a:r>
-              <a:rPr lang="en-US" sz="3600" dirty="0" smtClean="0">
-                <a:latin typeface="Arial Black" charset="0"/>
-              </a:rPr>
-              <a:t> ins </a:t>
-            </a:r>
-            <a:r>
-              <a:rPr lang="en-US" sz="3600" dirty="0" err="1" smtClean="0">
-                <a:latin typeface="Arial Black" charset="0"/>
-              </a:rPr>
-              <a:t>Schach</a:t>
-            </a:r>
-            <a:r>
-              <a:rPr lang="en-US" sz="3600" dirty="0" smtClean="0">
+              <a:t>NecaREx</a:t>
+            </a:r>
+            <a:r>
+              <a:rPr lang="en-US" sz="3600" dirty="0">
                 <a:latin typeface="Arial Black" charset="0"/>
               </a:rPr>
               <a:t> </a:t>
             </a:r>
             <a:r>
-              <a:rPr lang="en-US" sz="3600" dirty="0" err="1" smtClean="0">
+              <a:rPr lang="en-US" sz="3600" dirty="0" err="1">
                 <a:latin typeface="Arial Black" charset="0"/>
               </a:rPr>
-              <a:t>stellen</a:t>
-            </a:r>
+              <a:t>als</a:t>
+            </a:r>
+            <a:r>
+              <a:rPr lang="en-US" sz="3600" dirty="0">
+                <a:latin typeface="Arial Black" charset="0"/>
+              </a:rPr>
+              <a:t> </a:t>
+            </a:r>
+            <a:r>
+              <a:rPr lang="en-US" sz="3600" dirty="0" err="1">
+                <a:latin typeface="Arial Black" charset="0"/>
+              </a:rPr>
+              <a:t>Schiedsrichter</a:t>
+            </a:r>
+            <a:endParaRPr lang="en-US" sz="3600" dirty="0">
+              <a:latin typeface="Arial Black" charset="0"/>
+            </a:endParaRPr>
+          </a:p>
+          <a:p>
+            <a:pPr>
+              <a:lnSpc>
+                <a:spcPct val="118000"/>
+              </a:lnSpc>
+            </a:pPr>
             <a:endParaRPr lang="en-US" sz="3600" dirty="0">
               <a:latin typeface="Arial Black" charset="0"/>
             </a:endParaRPr>
@@ -11052,7 +13432,7 @@
       </p:sp>
       <p:pic>
         <p:nvPicPr>
-          <p:cNvPr id="5122" name="Picture 2" descr="C:\Users\Beni\Desktop\presi\5_weisserKönigDarfSichNichtInsSchachStellen.png"/>
+          <p:cNvPr id="7170" name="Picture 2" descr="C:\Users\Beni\Desktop\presi\7_schachmatt.png"/>
           <p:cNvPicPr>
             <a:picLocks noChangeAspect="1" noChangeArrowheads="1"/>
           </p:cNvPicPr>
@@ -11073,8 +13453,8 @@
         </p:blipFill>
         <p:spPr bwMode="auto">
           <a:xfrm>
-            <a:off x="2376016" y="1272412"/>
-            <a:ext cx="6912768" cy="6035817"/>
+            <a:off x="2376000" y="1188000"/>
+            <a:ext cx="7040880" cy="6149340"/>
           </a:xfrm>
           <a:prstGeom prst="rect">
             <a:avLst/>
@@ -11453,49 +13833,38 @@
           <a:p>
             <a:pPr>
               <a:lnSpc>
-                <a:spcPct val="100000"/>
+                <a:spcPct val="118000"/>
               </a:lnSpc>
             </a:pPr>
+            <a:r>
+              <a:rPr lang="en-US" sz="3600" dirty="0" err="1" smtClean="0">
+                <a:latin typeface="Arial Black" charset="0"/>
+              </a:rPr>
+              <a:t>NecaREx</a:t>
+            </a:r>
             <a:r>
               <a:rPr lang="en-US" sz="3600" dirty="0" smtClean="0">
                 <a:latin typeface="Arial Black" charset="0"/>
               </a:rPr>
-              <a:t>Eigenen </a:t>
+              <a:t> </a:t>
             </a:r>
             <a:r>
               <a:rPr lang="en-US" sz="3600" dirty="0" err="1" smtClean="0">
                 <a:latin typeface="Arial Black" charset="0"/>
               </a:rPr>
-              <a:t>König</a:t>
+              <a:t>als</a:t>
             </a:r>
             <a:r>
               <a:rPr lang="en-US" sz="3600" dirty="0" smtClean="0">
                 <a:latin typeface="Arial Black" charset="0"/>
               </a:rPr>
-              <a:t> ins </a:t>
+              <a:t> </a:t>
             </a:r>
             <a:r>
               <a:rPr lang="en-US" sz="3600" dirty="0" err="1" smtClean="0">
                 <a:latin typeface="Arial Black" charset="0"/>
               </a:rPr>
-              <a:t>Schach</a:t>
-            </a:r>
-            <a:r>
-              <a:rPr lang="en-US" sz="3600" dirty="0">
-                <a:latin typeface="Arial Black" charset="0"/>
-              </a:rPr>
-              <a:t/>
-            </a:r>
-            <a:br>
-              <a:rPr lang="en-US" sz="3600" dirty="0">
-                <a:latin typeface="Arial Black" charset="0"/>
-              </a:rPr>
-            </a:br>
-            <a:r>
-              <a:rPr lang="en-US" sz="3600" dirty="0" err="1" smtClean="0">
-                <a:latin typeface="Arial Black" charset="0"/>
-              </a:rPr>
-              <a:t>stellen</a:t>
+              <a:t>Gegenspieler</a:t>
             </a:r>
             <a:endParaRPr lang="en-US" sz="3600" dirty="0">
               <a:latin typeface="Arial Black" charset="0"/>
@@ -11503,51 +13872,827 @@
           </a:p>
         </p:txBody>
       </p:sp>
+      <p:sp>
+        <p:nvSpPr>
+          <p:cNvPr id="6" name="Oval 2"/>
+          <p:cNvSpPr>
+            <a:spLocks noChangeArrowheads="1"/>
+          </p:cNvSpPr>
+          <p:nvPr/>
+        </p:nvSpPr>
+        <p:spPr bwMode="auto">
+          <a:xfrm>
+            <a:off x="4659067" y="5950244"/>
+            <a:ext cx="1168400" cy="1168400"/>
+          </a:xfrm>
+          <a:prstGeom prst="ellipse">
+            <a:avLst/>
+          </a:prstGeom>
+          <a:solidFill>
+            <a:srgbClr val="9CA8CB"/>
+          </a:solidFill>
+          <a:ln>
+            <a:noFill/>
+          </a:ln>
+          <a:effectLst/>
+          <a:extLst>
+            <a:ext uri="{91240B29-F687-4f45-9708-019B960494DF}">
+              <a14:hiddenLine xmlns:a14="http://schemas.microsoft.com/office/drawing/2010/main" xmlns="" w="9525">
+                <a:solidFill>
+                  <a:srgbClr val="000000"/>
+                </a:solidFill>
+                <a:round/>
+                <a:headEnd/>
+                <a:tailEnd/>
+              </a14:hiddenLine>
+            </a:ext>
+            <a:ext uri="{AF507438-7753-43e0-B8FC-AC1667EBCBE1}">
+              <a14:hiddenEffects xmlns:a14="http://schemas.microsoft.com/office/drawing/2010/main" xmlns="">
+                <a:effectLst>
+                  <a:outerShdw blurRad="63500" dist="38099" dir="2700000" algn="ctr" rotWithShape="0">
+                    <a:srgbClr val="000000">
+                      <a:alpha val="74998"/>
+                    </a:srgbClr>
+                  </a:outerShdw>
+                </a:effectLst>
+              </a14:hiddenEffects>
+            </a:ext>
+          </a:extLst>
+        </p:spPr>
+        <p:txBody>
+          <a:bodyPr wrap="none" lIns="90000" tIns="64404" rIns="90000" bIns="45000" anchor="ctr"/>
+          <a:lstStyle/>
+          <a:p>
+            <a:pPr algn="ctr">
+              <a:tabLst>
+                <a:tab pos="723900" algn="l"/>
+              </a:tabLst>
+            </a:pPr>
+            <a:r>
+              <a:rPr lang="en-US" sz="2200" dirty="0" smtClean="0">
+                <a:solidFill>
+                  <a:srgbClr val="000000"/>
+                </a:solidFill>
+              </a:rPr>
+              <a:t>M2</a:t>
+            </a:r>
+            <a:br>
+              <a:rPr lang="en-US" sz="2200" dirty="0" smtClean="0">
+                <a:solidFill>
+                  <a:srgbClr val="000000"/>
+                </a:solidFill>
+              </a:rPr>
+            </a:br>
+            <a:r>
+              <a:rPr lang="en-US" dirty="0" smtClean="0">
+                <a:solidFill>
+                  <a:srgbClr val="000000"/>
+                </a:solidFill>
+              </a:rPr>
+              <a:t>P:38</a:t>
+            </a:r>
+            <a:endParaRPr lang="en-US" sz="2200" dirty="0">
+              <a:solidFill>
+                <a:srgbClr val="000000"/>
+              </a:solidFill>
+            </a:endParaRPr>
+          </a:p>
+        </p:txBody>
+      </p:sp>
+      <p:sp>
+        <p:nvSpPr>
+          <p:cNvPr id="7" name="Oval 3"/>
+          <p:cNvSpPr>
+            <a:spLocks noChangeArrowheads="1"/>
+          </p:cNvSpPr>
+          <p:nvPr/>
+        </p:nvSpPr>
+        <p:spPr bwMode="auto">
+          <a:xfrm>
+            <a:off x="3117300" y="5865079"/>
+            <a:ext cx="1168400" cy="1168400"/>
+          </a:xfrm>
+          <a:prstGeom prst="ellipse">
+            <a:avLst/>
+          </a:prstGeom>
+          <a:solidFill>
+            <a:srgbClr val="9CA8CB"/>
+          </a:solidFill>
+          <a:ln>
+            <a:noFill/>
+          </a:ln>
+          <a:effectLst/>
+          <a:extLst>
+            <a:ext uri="{91240B29-F687-4f45-9708-019B960494DF}">
+              <a14:hiddenLine xmlns:a14="http://schemas.microsoft.com/office/drawing/2010/main" xmlns="" w="9525">
+                <a:solidFill>
+                  <a:srgbClr val="000000"/>
+                </a:solidFill>
+                <a:round/>
+                <a:headEnd/>
+                <a:tailEnd/>
+              </a14:hiddenLine>
+            </a:ext>
+            <a:ext uri="{AF507438-7753-43e0-B8FC-AC1667EBCBE1}">
+              <a14:hiddenEffects xmlns:a14="http://schemas.microsoft.com/office/drawing/2010/main" xmlns="">
+                <a:effectLst>
+                  <a:outerShdw blurRad="63500" dist="38099" dir="2700000" algn="ctr" rotWithShape="0">
+                    <a:srgbClr val="000000">
+                      <a:alpha val="74998"/>
+                    </a:srgbClr>
+                  </a:outerShdw>
+                </a:effectLst>
+              </a14:hiddenEffects>
+            </a:ext>
+          </a:extLst>
+        </p:spPr>
+        <p:txBody>
+          <a:bodyPr wrap="none" lIns="90000" tIns="64404" rIns="90000" bIns="45000" anchor="ctr"/>
+          <a:lstStyle/>
+          <a:p>
+            <a:pPr algn="ctr">
+              <a:tabLst>
+                <a:tab pos="723900" algn="l"/>
+              </a:tabLst>
+            </a:pPr>
+            <a:r>
+              <a:rPr lang="en-US" sz="2200" dirty="0" smtClean="0">
+                <a:solidFill>
+                  <a:srgbClr val="000000"/>
+                </a:solidFill>
+              </a:rPr>
+              <a:t>M1</a:t>
+            </a:r>
+          </a:p>
+          <a:p>
+            <a:pPr algn="ctr">
+              <a:tabLst>
+                <a:tab pos="723900" algn="l"/>
+              </a:tabLst>
+            </a:pPr>
+            <a:r>
+              <a:rPr lang="en-US" dirty="0" smtClean="0">
+                <a:solidFill>
+                  <a:srgbClr val="000000"/>
+                </a:solidFill>
+              </a:rPr>
+              <a:t>P:35</a:t>
+            </a:r>
+            <a:endParaRPr lang="en-US" dirty="0">
+              <a:solidFill>
+                <a:srgbClr val="000000"/>
+              </a:solidFill>
+            </a:endParaRPr>
+          </a:p>
+        </p:txBody>
+      </p:sp>
+      <p:sp>
+        <p:nvSpPr>
+          <p:cNvPr id="8" name="Oval 4"/>
+          <p:cNvSpPr>
+            <a:spLocks noChangeArrowheads="1"/>
+          </p:cNvSpPr>
+          <p:nvPr/>
+        </p:nvSpPr>
+        <p:spPr bwMode="auto">
+          <a:xfrm>
+            <a:off x="7673958" y="5871218"/>
+            <a:ext cx="1168400" cy="1168400"/>
+          </a:xfrm>
+          <a:prstGeom prst="ellipse">
+            <a:avLst/>
+          </a:prstGeom>
+          <a:solidFill>
+            <a:srgbClr val="9CA8CB"/>
+          </a:solidFill>
+          <a:ln>
+            <a:noFill/>
+          </a:ln>
+          <a:effectLst/>
+          <a:extLst>
+            <a:ext uri="{91240B29-F687-4f45-9708-019B960494DF}">
+              <a14:hiddenLine xmlns:a14="http://schemas.microsoft.com/office/drawing/2010/main" xmlns="" w="9525">
+                <a:solidFill>
+                  <a:srgbClr val="000000"/>
+                </a:solidFill>
+                <a:round/>
+                <a:headEnd/>
+                <a:tailEnd/>
+              </a14:hiddenLine>
+            </a:ext>
+            <a:ext uri="{AF507438-7753-43e0-B8FC-AC1667EBCBE1}">
+              <a14:hiddenEffects xmlns:a14="http://schemas.microsoft.com/office/drawing/2010/main" xmlns="">
+                <a:effectLst>
+                  <a:outerShdw blurRad="63500" dist="38099" dir="2700000" algn="ctr" rotWithShape="0">
+                    <a:srgbClr val="000000">
+                      <a:alpha val="74998"/>
+                    </a:srgbClr>
+                  </a:outerShdw>
+                </a:effectLst>
+              </a14:hiddenEffects>
+            </a:ext>
+          </a:extLst>
+        </p:spPr>
+        <p:txBody>
+          <a:bodyPr wrap="none" lIns="90000" tIns="64404" rIns="90000" bIns="45000" anchor="ctr"/>
+          <a:lstStyle/>
+          <a:p>
+            <a:pPr algn="ctr">
+              <a:tabLst>
+                <a:tab pos="723900" algn="l"/>
+              </a:tabLst>
+            </a:pPr>
+            <a:r>
+              <a:rPr lang="en-US" sz="2200" dirty="0" err="1" smtClean="0">
+                <a:solidFill>
+                  <a:srgbClr val="000000"/>
+                </a:solidFill>
+              </a:rPr>
+              <a:t>Mn</a:t>
+            </a:r>
+            <a:r>
+              <a:rPr lang="en-US" sz="2200" dirty="0" smtClean="0">
+                <a:solidFill>
+                  <a:srgbClr val="000000"/>
+                </a:solidFill>
+              </a:rPr>
+              <a:t/>
+            </a:r>
+            <a:br>
+              <a:rPr lang="en-US" sz="2200" dirty="0" smtClean="0">
+                <a:solidFill>
+                  <a:srgbClr val="000000"/>
+                </a:solidFill>
+              </a:rPr>
+            </a:br>
+            <a:r>
+              <a:rPr lang="en-US" dirty="0" smtClean="0">
+                <a:solidFill>
+                  <a:srgbClr val="000000"/>
+                </a:solidFill>
+              </a:rPr>
+              <a:t>P:28</a:t>
+            </a:r>
+            <a:endParaRPr lang="en-US" sz="2200" dirty="0">
+              <a:solidFill>
+                <a:srgbClr val="000000"/>
+              </a:solidFill>
+            </a:endParaRPr>
+          </a:p>
+        </p:txBody>
+      </p:sp>
+      <p:cxnSp>
+        <p:nvCxnSpPr>
+          <p:cNvPr id="9" name="AutoShape 6"/>
+          <p:cNvCxnSpPr>
+            <a:cxnSpLocks noChangeShapeType="1"/>
+            <a:endCxn id="8" idx="1"/>
+          </p:cNvCxnSpPr>
+          <p:nvPr/>
+        </p:nvCxnSpPr>
+        <p:spPr bwMode="auto">
+          <a:xfrm>
+            <a:off x="6491053" y="4320431"/>
+            <a:ext cx="1354013" cy="1721895"/>
+          </a:xfrm>
+          <a:prstGeom prst="straightConnector1">
+            <a:avLst/>
+          </a:prstGeom>
+          <a:noFill/>
+          <a:ln w="9525">
+            <a:solidFill>
+              <a:srgbClr val="000000"/>
+            </a:solidFill>
+            <a:round/>
+            <a:headEnd/>
+            <a:tailEnd type="triangle" w="med" len="med"/>
+          </a:ln>
+          <a:effectLst/>
+          <a:extLst>
+            <a:ext uri="{909E8E84-426E-40dd-AFC4-6F175D3DCCD1}">
+              <a14:hiddenFill xmlns:a14="http://schemas.microsoft.com/office/drawing/2010/main" xmlns="">
+                <a:noFill/>
+              </a14:hiddenFill>
+            </a:ext>
+            <a:ext uri="{AF507438-7753-43e0-B8FC-AC1667EBCBE1}">
+              <a14:hiddenEffects xmlns:a14="http://schemas.microsoft.com/office/drawing/2010/main" xmlns="">
+                <a:effectLst>
+                  <a:outerShdw blurRad="63500" dist="38099" dir="2700000" algn="ctr" rotWithShape="0">
+                    <a:srgbClr val="000000">
+                      <a:alpha val="74998"/>
+                    </a:srgbClr>
+                  </a:outerShdw>
+                </a:effectLst>
+              </a14:hiddenEffects>
+            </a:ext>
+          </a:extLst>
+        </p:spPr>
+      </p:cxnSp>
+      <p:cxnSp>
+        <p:nvCxnSpPr>
+          <p:cNvPr id="10" name="AutoShape 7"/>
+          <p:cNvCxnSpPr>
+            <a:cxnSpLocks noChangeShapeType="1"/>
+            <a:endCxn id="7" idx="7"/>
+          </p:cNvCxnSpPr>
+          <p:nvPr/>
+        </p:nvCxnSpPr>
+        <p:spPr bwMode="auto">
+          <a:xfrm flipH="1">
+            <a:off x="4114592" y="5040731"/>
+            <a:ext cx="596782" cy="995456"/>
+          </a:xfrm>
+          <a:prstGeom prst="straightConnector1">
+            <a:avLst/>
+          </a:prstGeom>
+          <a:noFill/>
+          <a:ln w="9525">
+            <a:solidFill>
+              <a:srgbClr val="000000"/>
+            </a:solidFill>
+            <a:round/>
+            <a:headEnd/>
+            <a:tailEnd type="triangle" w="med" len="med"/>
+          </a:ln>
+          <a:effectLst/>
+          <a:extLst>
+            <a:ext uri="{909E8E84-426E-40dd-AFC4-6F175D3DCCD1}">
+              <a14:hiddenFill xmlns:a14="http://schemas.microsoft.com/office/drawing/2010/main" xmlns="">
+                <a:noFill/>
+              </a14:hiddenFill>
+            </a:ext>
+            <a:ext uri="{AF507438-7753-43e0-B8FC-AC1667EBCBE1}">
+              <a14:hiddenEffects xmlns:a14="http://schemas.microsoft.com/office/drawing/2010/main" xmlns="">
+                <a:effectLst>
+                  <a:outerShdw blurRad="63500" dist="38099" dir="2700000" algn="ctr" rotWithShape="0">
+                    <a:srgbClr val="000000">
+                      <a:alpha val="74998"/>
+                    </a:srgbClr>
+                  </a:outerShdw>
+                </a:effectLst>
+              </a14:hiddenEffects>
+            </a:ext>
+          </a:extLst>
+        </p:spPr>
+      </p:cxnSp>
+      <p:cxnSp>
+        <p:nvCxnSpPr>
+          <p:cNvPr id="11" name="AutoShape 8"/>
+          <p:cNvCxnSpPr>
+            <a:cxnSpLocks noChangeShapeType="1"/>
+            <a:endCxn id="6" idx="0"/>
+          </p:cNvCxnSpPr>
+          <p:nvPr/>
+        </p:nvCxnSpPr>
+        <p:spPr bwMode="auto">
+          <a:xfrm flipH="1">
+            <a:off x="5243267" y="5040731"/>
+            <a:ext cx="38015" cy="909513"/>
+          </a:xfrm>
+          <a:prstGeom prst="straightConnector1">
+            <a:avLst/>
+          </a:prstGeom>
+          <a:noFill/>
+          <a:ln w="9525">
+            <a:solidFill>
+              <a:srgbClr val="000000"/>
+            </a:solidFill>
+            <a:round/>
+            <a:headEnd/>
+            <a:tailEnd type="triangle" w="med" len="med"/>
+          </a:ln>
+          <a:effectLst/>
+          <a:extLst>
+            <a:ext uri="{909E8E84-426E-40dd-AFC4-6F175D3DCCD1}">
+              <a14:hiddenFill xmlns:a14="http://schemas.microsoft.com/office/drawing/2010/main" xmlns="">
+                <a:noFill/>
+              </a14:hiddenFill>
+            </a:ext>
+            <a:ext uri="{AF507438-7753-43e0-B8FC-AC1667EBCBE1}">
+              <a14:hiddenEffects xmlns:a14="http://schemas.microsoft.com/office/drawing/2010/main" xmlns="">
+                <a:effectLst>
+                  <a:outerShdw blurRad="63500" dist="38099" dir="2700000" algn="ctr" rotWithShape="0">
+                    <a:srgbClr val="000000">
+                      <a:alpha val="74998"/>
+                    </a:srgbClr>
+                  </a:outerShdw>
+                </a:effectLst>
+              </a14:hiddenEffects>
+            </a:ext>
+          </a:extLst>
+        </p:spPr>
+      </p:cxnSp>
       <p:pic>
         <p:nvPicPr>
-          <p:cNvPr id="6146" name="Picture 2" descr="C:\Users\Beni\Desktop\presi\6_schwarzerBauerDarfNichtSeinenKönigInsSchachStellen.png"/>
+          <p:cNvPr id="31" name="Picture 30"/>
           <p:cNvPicPr>
-            <a:picLocks noChangeAspect="1" noChangeArrowheads="1"/>
+            <a:picLocks noChangeAspect="1"/>
           </p:cNvPicPr>
           <p:nvPr/>
         </p:nvPicPr>
         <p:blipFill>
-          <a:blip r:embed="rId3">
-            <a:extLst>
-              <a:ext uri="{28A0092B-C50C-407E-A947-70E740481C1C}">
-                <a14:useLocalDpi xmlns:a14="http://schemas.microsoft.com/office/drawing/2010/main" val="0"/>
-              </a:ext>
-            </a:extLst>
-          </a:blip>
-          <a:srcRect/>
+          <a:blip r:embed="rId3"/>
           <a:stretch>
             <a:fillRect/>
           </a:stretch>
         </p:blipFill>
-        <p:spPr bwMode="auto">
+        <p:spPr>
           <a:xfrm>
-            <a:off x="2376016" y="1331565"/>
-            <a:ext cx="6845020" cy="5976664"/>
+            <a:off x="4680218" y="2701142"/>
+            <a:ext cx="2354397" cy="2339589"/>
           </a:xfrm>
           <a:prstGeom prst="rect">
             <a:avLst/>
           </a:prstGeom>
-          <a:noFill/>
+        </p:spPr>
+      </p:pic>
+      <p:sp>
+        <p:nvSpPr>
+          <p:cNvPr id="35" name="Content Placeholder 2"/>
+          <p:cNvSpPr txBox="1">
+            <a:spLocks/>
+          </p:cNvSpPr>
+          <p:nvPr/>
+        </p:nvSpPr>
+        <p:spPr>
+          <a:xfrm>
+            <a:off x="2035546" y="1213556"/>
+            <a:ext cx="7844681" cy="5539754"/>
+          </a:xfrm>
+          <a:prstGeom prst="rect">
+            <a:avLst/>
+          </a:prstGeom>
+        </p:spPr>
+        <p:txBody>
+          <a:bodyPr/>
+          <a:lstStyle>
+            <a:lvl1pPr marL="342900" indent="-342900" algn="l" defTabSz="449263" rtl="0" fontAlgn="base" hangingPunct="0">
+              <a:lnSpc>
+                <a:spcPct val="93000"/>
+              </a:lnSpc>
+              <a:spcBef>
+                <a:spcPct val="0"/>
+              </a:spcBef>
+              <a:spcAft>
+                <a:spcPts val="1425"/>
+              </a:spcAft>
+              <a:buClr>
+                <a:srgbClr val="000000"/>
+              </a:buClr>
+              <a:buSzPct val="100000"/>
+              <a:buFont typeface="Times New Roman" charset="0"/>
+              <a:defRPr sz="3200">
+                <a:solidFill>
+                  <a:srgbClr val="000000"/>
+                </a:solidFill>
+                <a:latin typeface="+mn-lt"/>
+                <a:ea typeface="+mn-ea"/>
+                <a:cs typeface="+mn-cs"/>
+              </a:defRPr>
+            </a:lvl1pPr>
+            <a:lvl2pPr marL="742950" indent="-285750" algn="l" defTabSz="449263" rtl="0" fontAlgn="base" hangingPunct="0">
+              <a:lnSpc>
+                <a:spcPct val="93000"/>
+              </a:lnSpc>
+              <a:spcBef>
+                <a:spcPct val="0"/>
+              </a:spcBef>
+              <a:spcAft>
+                <a:spcPts val="1138"/>
+              </a:spcAft>
+              <a:buClr>
+                <a:srgbClr val="000000"/>
+              </a:buClr>
+              <a:buSzPct val="100000"/>
+              <a:buFont typeface="Times New Roman" charset="0"/>
+              <a:defRPr sz="2800">
+                <a:solidFill>
+                  <a:srgbClr val="000000"/>
+                </a:solidFill>
+                <a:latin typeface="+mn-lt"/>
+                <a:ea typeface="+mn-ea"/>
+                <a:cs typeface="+mn-cs"/>
+              </a:defRPr>
+            </a:lvl2pPr>
+            <a:lvl3pPr marL="1143000" indent="-228600" algn="l" defTabSz="449263" rtl="0" fontAlgn="base" hangingPunct="0">
+              <a:lnSpc>
+                <a:spcPct val="93000"/>
+              </a:lnSpc>
+              <a:spcBef>
+                <a:spcPct val="0"/>
+              </a:spcBef>
+              <a:spcAft>
+                <a:spcPts val="850"/>
+              </a:spcAft>
+              <a:buClr>
+                <a:srgbClr val="000000"/>
+              </a:buClr>
+              <a:buSzPct val="100000"/>
+              <a:buFont typeface="Times New Roman" charset="0"/>
+              <a:defRPr sz="2400">
+                <a:solidFill>
+                  <a:srgbClr val="000000"/>
+                </a:solidFill>
+                <a:latin typeface="+mn-lt"/>
+                <a:ea typeface="+mn-ea"/>
+                <a:cs typeface="+mn-cs"/>
+              </a:defRPr>
+            </a:lvl3pPr>
+            <a:lvl4pPr marL="1600200" indent="-228600" algn="l" defTabSz="449263" rtl="0" fontAlgn="base" hangingPunct="0">
+              <a:lnSpc>
+                <a:spcPct val="93000"/>
+              </a:lnSpc>
+              <a:spcBef>
+                <a:spcPct val="0"/>
+              </a:spcBef>
+              <a:spcAft>
+                <a:spcPts val="575"/>
+              </a:spcAft>
+              <a:buClr>
+                <a:srgbClr val="000000"/>
+              </a:buClr>
+              <a:buSzPct val="100000"/>
+              <a:buFont typeface="Times New Roman" charset="0"/>
+              <a:defRPr sz="2000">
+                <a:solidFill>
+                  <a:srgbClr val="000000"/>
+                </a:solidFill>
+                <a:latin typeface="+mn-lt"/>
+                <a:ea typeface="+mn-ea"/>
+                <a:cs typeface="+mn-cs"/>
+              </a:defRPr>
+            </a:lvl4pPr>
+            <a:lvl5pPr marL="2057400" indent="-228600" algn="l" defTabSz="449263" rtl="0" fontAlgn="base" hangingPunct="0">
+              <a:lnSpc>
+                <a:spcPct val="93000"/>
+              </a:lnSpc>
+              <a:spcBef>
+                <a:spcPct val="0"/>
+              </a:spcBef>
+              <a:spcAft>
+                <a:spcPts val="288"/>
+              </a:spcAft>
+              <a:buClr>
+                <a:srgbClr val="000000"/>
+              </a:buClr>
+              <a:buSzPct val="100000"/>
+              <a:buFont typeface="Times New Roman" charset="0"/>
+              <a:defRPr sz="2000">
+                <a:solidFill>
+                  <a:srgbClr val="000000"/>
+                </a:solidFill>
+                <a:latin typeface="+mn-lt"/>
+                <a:ea typeface="+mn-ea"/>
+                <a:cs typeface="+mn-cs"/>
+              </a:defRPr>
+            </a:lvl5pPr>
+            <a:lvl6pPr marL="2514600" indent="-228600" algn="l" defTabSz="449263" rtl="0" fontAlgn="base" hangingPunct="0">
+              <a:lnSpc>
+                <a:spcPct val="93000"/>
+              </a:lnSpc>
+              <a:spcBef>
+                <a:spcPct val="0"/>
+              </a:spcBef>
+              <a:spcAft>
+                <a:spcPts val="288"/>
+              </a:spcAft>
+              <a:buClr>
+                <a:srgbClr val="000000"/>
+              </a:buClr>
+              <a:buSzPct val="100000"/>
+              <a:buFont typeface="Times New Roman" charset="0"/>
+              <a:defRPr sz="2000">
+                <a:solidFill>
+                  <a:srgbClr val="000000"/>
+                </a:solidFill>
+                <a:latin typeface="+mn-lt"/>
+                <a:ea typeface="+mn-ea"/>
+                <a:cs typeface="+mn-cs"/>
+              </a:defRPr>
+            </a:lvl6pPr>
+            <a:lvl7pPr marL="2971800" indent="-228600" algn="l" defTabSz="449263" rtl="0" fontAlgn="base" hangingPunct="0">
+              <a:lnSpc>
+                <a:spcPct val="93000"/>
+              </a:lnSpc>
+              <a:spcBef>
+                <a:spcPct val="0"/>
+              </a:spcBef>
+              <a:spcAft>
+                <a:spcPts val="288"/>
+              </a:spcAft>
+              <a:buClr>
+                <a:srgbClr val="000000"/>
+              </a:buClr>
+              <a:buSzPct val="100000"/>
+              <a:buFont typeface="Times New Roman" charset="0"/>
+              <a:defRPr sz="2000">
+                <a:solidFill>
+                  <a:srgbClr val="000000"/>
+                </a:solidFill>
+                <a:latin typeface="+mn-lt"/>
+                <a:ea typeface="+mn-ea"/>
+                <a:cs typeface="+mn-cs"/>
+              </a:defRPr>
+            </a:lvl7pPr>
+            <a:lvl8pPr marL="3429000" indent="-228600" algn="l" defTabSz="449263" rtl="0" fontAlgn="base" hangingPunct="0">
+              <a:lnSpc>
+                <a:spcPct val="93000"/>
+              </a:lnSpc>
+              <a:spcBef>
+                <a:spcPct val="0"/>
+              </a:spcBef>
+              <a:spcAft>
+                <a:spcPts val="288"/>
+              </a:spcAft>
+              <a:buClr>
+                <a:srgbClr val="000000"/>
+              </a:buClr>
+              <a:buSzPct val="100000"/>
+              <a:buFont typeface="Times New Roman" charset="0"/>
+              <a:defRPr sz="2000">
+                <a:solidFill>
+                  <a:srgbClr val="000000"/>
+                </a:solidFill>
+                <a:latin typeface="+mn-lt"/>
+                <a:ea typeface="+mn-ea"/>
+                <a:cs typeface="+mn-cs"/>
+              </a:defRPr>
+            </a:lvl8pPr>
+            <a:lvl9pPr marL="3886200" indent="-228600" algn="l" defTabSz="449263" rtl="0" fontAlgn="base" hangingPunct="0">
+              <a:lnSpc>
+                <a:spcPct val="93000"/>
+              </a:lnSpc>
+              <a:spcBef>
+                <a:spcPct val="0"/>
+              </a:spcBef>
+              <a:spcAft>
+                <a:spcPts val="288"/>
+              </a:spcAft>
+              <a:buClr>
+                <a:srgbClr val="000000"/>
+              </a:buClr>
+              <a:buSzPct val="100000"/>
+              <a:buFont typeface="Times New Roman" charset="0"/>
+              <a:defRPr sz="2000">
+                <a:solidFill>
+                  <a:srgbClr val="000000"/>
+                </a:solidFill>
+                <a:latin typeface="+mn-lt"/>
+                <a:ea typeface="+mn-ea"/>
+                <a:cs typeface="+mn-cs"/>
+              </a:defRPr>
+            </a:lvl9pPr>
+          </a:lstStyle>
+          <a:p>
+            <a:pPr marL="285750" indent="-285750">
+              <a:buFont typeface="Arial" panose="020B0604020202020204" pitchFamily="34" charset="0"/>
+              <a:buChar char="•"/>
+            </a:pPr>
+            <a:r>
+              <a:rPr lang="de-CH" sz="2800" dirty="0"/>
+              <a:t>Fliegender </a:t>
+            </a:r>
+            <a:r>
+              <a:rPr lang="de-CH" sz="2800" dirty="0" smtClean="0"/>
+              <a:t>Wechsel</a:t>
+            </a:r>
+          </a:p>
+          <a:p>
+            <a:pPr marL="285750" indent="-285750">
+              <a:buFont typeface="Arial" panose="020B0604020202020204" pitchFamily="34" charset="0"/>
+              <a:buChar char="•"/>
+            </a:pPr>
+            <a:r>
+              <a:rPr lang="de-CH" sz="2800" dirty="0" smtClean="0"/>
+              <a:t>Bewertung der Figuren</a:t>
+            </a:r>
+            <a:endParaRPr lang="de-CH" sz="2800" dirty="0"/>
+          </a:p>
+        </p:txBody>
+      </p:sp>
+      <p:sp>
+        <p:nvSpPr>
+          <p:cNvPr id="40" name="Oval 2"/>
+          <p:cNvSpPr>
+            <a:spLocks noChangeArrowheads="1"/>
+          </p:cNvSpPr>
+          <p:nvPr/>
+        </p:nvSpPr>
+        <p:spPr bwMode="auto">
+          <a:xfrm>
+            <a:off x="6177953" y="5954476"/>
+            <a:ext cx="1168400" cy="1168400"/>
+          </a:xfrm>
+          <a:prstGeom prst="ellipse">
+            <a:avLst/>
+          </a:prstGeom>
+          <a:solidFill>
+            <a:srgbClr val="9CA8CB"/>
+          </a:solidFill>
+          <a:ln>
+            <a:noFill/>
+          </a:ln>
+          <a:effectLst/>
           <a:extLst>
-            <a:ext uri="{909E8E84-426E-40DD-AFC4-6F175D3DCCD1}">
-              <a14:hiddenFill xmlns:a14="http://schemas.microsoft.com/office/drawing/2010/main">
-                <a:solidFill>
-                  <a:srgbClr val="FFFFFF"/>
-                </a:solidFill>
-              </a14:hiddenFill>
+            <a:ext uri="{91240B29-F687-4f45-9708-019B960494DF}">
+              <a14:hiddenLine xmlns:a14="http://schemas.microsoft.com/office/drawing/2010/main" xmlns="" w="9525">
+                <a:solidFill>
+                  <a:srgbClr val="000000"/>
+                </a:solidFill>
+                <a:round/>
+                <a:headEnd/>
+                <a:tailEnd/>
+              </a14:hiddenLine>
+            </a:ext>
+            <a:ext uri="{AF507438-7753-43e0-B8FC-AC1667EBCBE1}">
+              <a14:hiddenEffects xmlns:a14="http://schemas.microsoft.com/office/drawing/2010/main" xmlns="">
+                <a:effectLst>
+                  <a:outerShdw blurRad="63500" dist="38099" dir="2700000" algn="ctr" rotWithShape="0">
+                    <a:srgbClr val="000000">
+                      <a:alpha val="74998"/>
+                    </a:srgbClr>
+                  </a:outerShdw>
+                </a:effectLst>
+              </a14:hiddenEffects>
             </a:ext>
           </a:extLst>
         </p:spPr>
-      </p:pic>
+        <p:txBody>
+          <a:bodyPr wrap="none" lIns="90000" tIns="64404" rIns="90000" bIns="45000" anchor="ctr"/>
+          <a:lstStyle/>
+          <a:p>
+            <a:pPr algn="ctr">
+              <a:tabLst>
+                <a:tab pos="723900" algn="l"/>
+              </a:tabLst>
+            </a:pPr>
+            <a:r>
+              <a:rPr lang="en-US" sz="2200" dirty="0" smtClean="0">
+                <a:solidFill>
+                  <a:srgbClr val="000000"/>
+                </a:solidFill>
+              </a:rPr>
+              <a:t>…</a:t>
+            </a:r>
+            <a:endParaRPr lang="en-US" sz="2200" dirty="0">
+              <a:solidFill>
+                <a:srgbClr val="000000"/>
+              </a:solidFill>
+            </a:endParaRPr>
+          </a:p>
+        </p:txBody>
+      </p:sp>
+      <p:cxnSp>
+        <p:nvCxnSpPr>
+          <p:cNvPr id="50" name="AutoShape 8"/>
+          <p:cNvCxnSpPr>
+            <a:cxnSpLocks noChangeShapeType="1"/>
+            <a:endCxn id="40" idx="0"/>
+          </p:cNvCxnSpPr>
+          <p:nvPr/>
+        </p:nvCxnSpPr>
+        <p:spPr bwMode="auto">
+          <a:xfrm>
+            <a:off x="6696496" y="4995809"/>
+            <a:ext cx="65657" cy="958667"/>
+          </a:xfrm>
+          <a:prstGeom prst="straightConnector1">
+            <a:avLst/>
+          </a:prstGeom>
+          <a:noFill/>
+          <a:ln w="9525">
+            <a:solidFill>
+              <a:srgbClr val="000000"/>
+            </a:solidFill>
+            <a:round/>
+            <a:headEnd/>
+            <a:tailEnd type="triangle" w="med" len="med"/>
+          </a:ln>
+          <a:effectLst/>
+          <a:extLst>
+            <a:ext uri="{909E8E84-426E-40dd-AFC4-6F175D3DCCD1}">
+              <a14:hiddenFill xmlns:a14="http://schemas.microsoft.com/office/drawing/2010/main" xmlns="">
+                <a:noFill/>
+              </a14:hiddenFill>
+            </a:ext>
+            <a:ext uri="{AF507438-7753-43e0-B8FC-AC1667EBCBE1}">
+              <a14:hiddenEffects xmlns:a14="http://schemas.microsoft.com/office/drawing/2010/main" xmlns="">
+                <a:effectLst>
+                  <a:outerShdw blurRad="63500" dist="38099" dir="2700000" algn="ctr" rotWithShape="0">
+                    <a:srgbClr val="000000">
+                      <a:alpha val="74998"/>
+                    </a:srgbClr>
+                  </a:outerShdw>
+                </a:effectLst>
+              </a14:hiddenEffects>
+            </a:ext>
+          </a:extLst>
+        </p:spPr>
+      </p:cxnSp>
     </p:spTree>
     <p:extLst>
       <p:ext uri="{BB962C8B-B14F-4D97-AF65-F5344CB8AC3E}">
-        <p14:creationId xmlns:p14="http://schemas.microsoft.com/office/powerpoint/2010/main" val="3184979179"/>
+        <p14:creationId xmlns:p14="http://schemas.microsoft.com/office/powerpoint/2010/main" val="1682849484"/>
       </p:ext>
     </p:extLst>
   </p:cSld>
@@ -11558,27 +14703,7 @@
   <p:timing>
     <p:tnLst>
       <p:par>
-        <p:cTn id="1" dur="indefinite" restart="never" nodeType="tmRoot">
-          <p:childTnLst>
-            <p:seq concurrent="1" nextAc="seek">
-              <p:cTn id="2" dur="0" nodeType="mainSeq"/>
-              <p:prevCondLst>
-                <p:cond evt="onPrev" delay="0">
-                  <p:tgtEl>
-                    <p:sldTgt/>
-                  </p:tgtEl>
-                </p:cond>
-              </p:prevCondLst>
-              <p:nextCondLst>
-                <p:cond evt="onNext" delay="0">
-                  <p:tgtEl>
-                    <p:sldTgt/>
-                  </p:tgtEl>
-                </p:cond>
-              </p:nextCondLst>
-            </p:seq>
-          </p:childTnLst>
-        </p:cTn>
+        <p:cTn id="1" dur="indefinite" restart="never" nodeType="tmRoot"/>
       </p:par>
     </p:tnLst>
   </p:timing>

--- a/Planung/04_Resultate/Resultate.pptx
+++ b/Planung/04_Resultate/Resultate.pptx
@@ -1085,6 +1085,177 @@
           <a:bodyPr/>
           <a:lstStyle/>
           <a:p>
+            <a:fld id="{4FDD847E-B1A9-5A4E-B483-8C411EA1E3FD}" type="slidenum">
+              <a:rPr lang="en-US"/>
+              <a:pPr/>
+              <a:t>10</a:t>
+            </a:fld>
+            <a:endParaRPr lang="en-US"/>
+          </a:p>
+        </p:txBody>
+      </p:sp>
+      <p:sp>
+        <p:nvSpPr>
+          <p:cNvPr id="16385" name="Text Box 1"/>
+          <p:cNvSpPr txBox="1">
+            <a:spLocks noGrp="1" noRot="1" noChangeAspect="1" noChangeArrowheads="1"/>
+          </p:cNvSpPr>
+          <p:nvPr>
+            <p:ph type="sldImg"/>
+          </p:nvPr>
+        </p:nvSpPr>
+        <p:spPr bwMode="auto">
+          <a:xfrm>
+            <a:off x="1106488" y="812800"/>
+            <a:ext cx="5345112" cy="4008438"/>
+          </a:xfrm>
+          <a:prstGeom prst="rect">
+            <a:avLst/>
+          </a:prstGeom>
+          <a:solidFill>
+            <a:srgbClr val="FFFFFF"/>
+          </a:solidFill>
+          <a:ln>
+            <a:solidFill>
+              <a:srgbClr val="000000"/>
+            </a:solidFill>
+            <a:miter lim="800000"/>
+            <a:headEnd/>
+            <a:tailEnd/>
+          </a:ln>
+          <a:extLst>
+            <a:ext uri="{AF507438-7753-43E0-B8FC-AC1667EBCBE1}">
+              <a14:hiddenEffects xmlns:a14="http://schemas.microsoft.com/office/drawing/2010/main">
+                <a:effectLst>
+                  <a:outerShdw blurRad="63500" dist="38099" dir="2700000" algn="ctr" rotWithShape="0">
+                    <a:srgbClr val="000000">
+                      <a:alpha val="74998"/>
+                    </a:srgbClr>
+                  </a:outerShdw>
+                </a:effectLst>
+              </a14:hiddenEffects>
+            </a:ext>
+          </a:extLst>
+        </p:spPr>
+      </p:sp>
+      <p:sp>
+        <p:nvSpPr>
+          <p:cNvPr id="16386" name="Text Box 2"/>
+          <p:cNvSpPr txBox="1">
+            <a:spLocks noGrp="1" noChangeArrowheads="1"/>
+          </p:cNvSpPr>
+          <p:nvPr>
+            <p:ph type="body" idx="1"/>
+          </p:nvPr>
+        </p:nvSpPr>
+        <p:spPr bwMode="auto">
+          <a:xfrm>
+            <a:off x="755650" y="5078413"/>
+            <a:ext cx="6048375" cy="4811712"/>
+          </a:xfrm>
+          <a:prstGeom prst="rect">
+            <a:avLst/>
+          </a:prstGeom>
+          <a:noFill/>
+          <a:ln/>
+          <a:extLst>
+            <a:ext uri="{909E8E84-426E-40DD-AFC4-6F175D3DCCD1}">
+              <a14:hiddenFill xmlns:a14="http://schemas.microsoft.com/office/drawing/2010/main">
+                <a:solidFill>
+                  <a:srgbClr val="FFFFFF"/>
+                </a:solidFill>
+              </a14:hiddenFill>
+            </a:ext>
+            <a:ext uri="{91240B29-F687-4F45-9708-019B960494DF}">
+              <a14:hiddenLine xmlns:a14="http://schemas.microsoft.com/office/drawing/2010/main" w="9525">
+                <a:solidFill>
+                  <a:srgbClr val="808080"/>
+                </a:solidFill>
+                <a:round/>
+                <a:headEnd/>
+                <a:tailEnd/>
+              </a14:hiddenLine>
+            </a:ext>
+            <a:ext uri="{AF507438-7753-43E0-B8FC-AC1667EBCBE1}">
+              <a14:hiddenEffects xmlns:a14="http://schemas.microsoft.com/office/drawing/2010/main">
+                <a:effectLst>
+                  <a:outerShdw blurRad="63500" dist="38099" dir="2700000" algn="ctr" rotWithShape="0">
+                    <a:srgbClr val="000000">
+                      <a:alpha val="74998"/>
+                    </a:srgbClr>
+                  </a:outerShdw>
+                </a:effectLst>
+              </a14:hiddenEffects>
+            </a:ext>
+          </a:extLst>
+        </p:spPr>
+        <p:txBody>
+          <a:bodyPr wrap="none" anchor="ctr"/>
+          <a:lstStyle/>
+          <a:p>
+            <a:r>
+              <a:rPr lang="de-DE" dirty="0" err="1" smtClean="0"/>
+              <a:t>Flo</a:t>
+            </a:r>
+            <a:endParaRPr lang="de-DE" dirty="0" smtClean="0"/>
+          </a:p>
+        </p:txBody>
+      </p:sp>
+    </p:spTree>
+    <p:extLst>
+      <p:ext uri="{BB962C8B-B14F-4D97-AF65-F5344CB8AC3E}">
+        <p14:creationId xmlns:p14="http://schemas.microsoft.com/office/powerpoint/2010/main" val="968918193"/>
+      </p:ext>
+    </p:extLst>
+  </p:cSld>
+  <p:clrMapOvr>
+    <a:masterClrMapping/>
+  </p:clrMapOvr>
+</p:notes>
+</file>
+
+<file path=ppt/notesSlides/notesSlide11.xml><?xml version="1.0" encoding="utf-8"?>
+<p:notes xmlns:a="http://schemas.openxmlformats.org/drawingml/2006/main" xmlns:r="http://schemas.openxmlformats.org/officeDocument/2006/relationships" xmlns:p="http://schemas.openxmlformats.org/presentationml/2006/main">
+  <p:cSld>
+    <p:bg>
+      <p:bgPr>
+        <a:solidFill>
+          <a:srgbClr val="FFFFFF"/>
+        </a:solidFill>
+        <a:effectLst/>
+      </p:bgPr>
+    </p:bg>
+    <p:spTree>
+      <p:nvGrpSpPr>
+        <p:cNvPr id="1" name=""/>
+        <p:cNvGrpSpPr/>
+        <p:nvPr/>
+      </p:nvGrpSpPr>
+      <p:grpSpPr>
+        <a:xfrm>
+          <a:off x="0" y="0"/>
+          <a:ext cx="0" cy="0"/>
+          <a:chOff x="0" y="0"/>
+          <a:chExt cx="0" cy="0"/>
+        </a:xfrm>
+      </p:grpSpPr>
+      <p:sp>
+        <p:nvSpPr>
+          <p:cNvPr id="7" name="Rectangle 6"/>
+          <p:cNvSpPr>
+            <a:spLocks noGrp="1" noChangeArrowheads="1"/>
+          </p:cNvSpPr>
+          <p:nvPr>
+            <p:ph type="sldNum"/>
+          </p:nvPr>
+        </p:nvSpPr>
+        <p:spPr>
+          <a:ln/>
+        </p:spPr>
+        <p:txBody>
+          <a:bodyPr/>
+          <a:lstStyle/>
+          <a:p>
             <a:fld id="{FA6EB3B0-3CA7-214C-B93F-59EEFB831916}" type="slidenum">
               <a:rPr lang="en-US"/>
               <a:pPr/>
@@ -1193,6 +1364,10 @@
           <a:bodyPr wrap="none" anchor="ctr"/>
           <a:lstStyle/>
           <a:p>
+            <a:r>
+              <a:rPr lang="de-DE" smtClean="0"/>
+              <a:t>Flo</a:t>
+            </a:r>
             <a:endParaRPr lang="de-DE" dirty="0"/>
           </a:p>
         </p:txBody>
@@ -1213,14 +1388,6 @@
 <file path=ppt/notesSlides/notesSlide2.xml><?xml version="1.0" encoding="utf-8"?>
 <p:notes xmlns:a="http://schemas.openxmlformats.org/drawingml/2006/main" xmlns:r="http://schemas.openxmlformats.org/officeDocument/2006/relationships" xmlns:p="http://schemas.openxmlformats.org/presentationml/2006/main">
   <p:cSld>
-    <p:bg>
-      <p:bgPr>
-        <a:solidFill>
-          <a:srgbClr val="FFFFFF"/>
-        </a:solidFill>
-        <a:effectLst/>
-      </p:bgPr>
-    </p:bg>
     <p:spTree>
       <p:nvGrpSpPr>
         <p:cNvPr id="1" name=""/>
@@ -1237,141 +1404,67 @@
       </p:grpSpPr>
       <p:sp>
         <p:nvSpPr>
-          <p:cNvPr id="7" name="Rectangle 6"/>
+          <p:cNvPr id="2" name="Slide Image Placeholder 1"/>
           <p:cNvSpPr>
-            <a:spLocks noGrp="1" noChangeArrowheads="1"/>
-          </p:cNvSpPr>
-          <p:nvPr>
-            <p:ph type="sldNum"/>
-          </p:nvPr>
-        </p:nvSpPr>
-        <p:spPr>
-          <a:ln/>
-        </p:spPr>
-        <p:txBody>
-          <a:bodyPr/>
-          <a:lstStyle/>
-          <a:p>
-            <a:fld id="{4FDD847E-B1A9-5A4E-B483-8C411EA1E3FD}" type="slidenum">
-              <a:rPr lang="en-US"/>
-              <a:pPr/>
-              <a:t>3</a:t>
-            </a:fld>
-            <a:endParaRPr lang="en-US"/>
-          </a:p>
-        </p:txBody>
-      </p:sp>
-      <p:sp>
-        <p:nvSpPr>
-          <p:cNvPr id="16385" name="Text Box 1"/>
-          <p:cNvSpPr txBox="1">
-            <a:spLocks noGrp="1" noRot="1" noChangeAspect="1" noChangeArrowheads="1"/>
+            <a:spLocks noGrp="1" noRot="1" noChangeAspect="1"/>
           </p:cNvSpPr>
           <p:nvPr>
             <p:ph type="sldImg"/>
           </p:nvPr>
         </p:nvSpPr>
-        <p:spPr bwMode="auto">
-          <a:xfrm>
-            <a:off x="1106488" y="812800"/>
-            <a:ext cx="5345112" cy="4008438"/>
-          </a:xfrm>
-          <a:prstGeom prst="rect">
-            <a:avLst/>
-          </a:prstGeom>
-          <a:solidFill>
-            <a:srgbClr val="FFFFFF"/>
-          </a:solidFill>
-          <a:ln>
-            <a:solidFill>
-              <a:srgbClr val="000000"/>
-            </a:solidFill>
-            <a:miter lim="800000"/>
-            <a:headEnd/>
-            <a:tailEnd/>
-          </a:ln>
-          <a:extLst>
-            <a:ext uri="{AF507438-7753-43E0-B8FC-AC1667EBCBE1}">
-              <a14:hiddenEffects xmlns:a14="http://schemas.microsoft.com/office/drawing/2010/main">
-                <a:effectLst>
-                  <a:outerShdw blurRad="63500" dist="38099" dir="2700000" algn="ctr" rotWithShape="0">
-                    <a:srgbClr val="000000">
-                      <a:alpha val="74998"/>
-                    </a:srgbClr>
-                  </a:outerShdw>
-                </a:effectLst>
-              </a14:hiddenEffects>
-            </a:ext>
-          </a:extLst>
-        </p:spPr>
+        <p:spPr/>
       </p:sp>
       <p:sp>
         <p:nvSpPr>
-          <p:cNvPr id="16386" name="Text Box 2"/>
-          <p:cNvSpPr txBox="1">
-            <a:spLocks noGrp="1" noChangeArrowheads="1"/>
+          <p:cNvPr id="3" name="Notes Placeholder 2"/>
+          <p:cNvSpPr>
+            <a:spLocks noGrp="1"/>
           </p:cNvSpPr>
           <p:nvPr>
             <p:ph type="body" idx="1"/>
           </p:nvPr>
         </p:nvSpPr>
-        <p:spPr bwMode="auto">
-          <a:xfrm>
-            <a:off x="755650" y="5078413"/>
-            <a:ext cx="6048375" cy="4811712"/>
-          </a:xfrm>
-          <a:prstGeom prst="rect">
-            <a:avLst/>
-          </a:prstGeom>
-          <a:noFill/>
-          <a:ln/>
-          <a:extLst>
-            <a:ext uri="{909E8E84-426E-40DD-AFC4-6F175D3DCCD1}">
-              <a14:hiddenFill xmlns:a14="http://schemas.microsoft.com/office/drawing/2010/main">
-                <a:solidFill>
-                  <a:srgbClr val="FFFFFF"/>
-                </a:solidFill>
-              </a14:hiddenFill>
-            </a:ext>
-            <a:ext uri="{91240B29-F687-4F45-9708-019B960494DF}">
-              <a14:hiddenLine xmlns:a14="http://schemas.microsoft.com/office/drawing/2010/main" w="9525">
-                <a:solidFill>
-                  <a:srgbClr val="808080"/>
-                </a:solidFill>
-                <a:round/>
-                <a:headEnd/>
-                <a:tailEnd/>
-              </a14:hiddenLine>
-            </a:ext>
-            <a:ext uri="{AF507438-7753-43E0-B8FC-AC1667EBCBE1}">
-              <a14:hiddenEffects xmlns:a14="http://schemas.microsoft.com/office/drawing/2010/main">
-                <a:effectLst>
-                  <a:outerShdw blurRad="63500" dist="38099" dir="2700000" algn="ctr" rotWithShape="0">
-                    <a:srgbClr val="000000">
-                      <a:alpha val="74998"/>
-                    </a:srgbClr>
-                  </a:outerShdw>
-                </a:effectLst>
-              </a14:hiddenEffects>
-            </a:ext>
-          </a:extLst>
-        </p:spPr>
+        <p:spPr/>
         <p:txBody>
-          <a:bodyPr wrap="none" anchor="ctr"/>
+          <a:bodyPr/>
           <a:lstStyle/>
           <a:p>
             <a:r>
-              <a:rPr lang="de-DE" dirty="0" err="1" smtClean="0"/>
+              <a:rPr lang="de-CH" dirty="0" err="1" smtClean="0"/>
               <a:t>Nadri</a:t>
             </a:r>
-            <a:endParaRPr lang="de-DE" dirty="0"/>
+            <a:endParaRPr lang="de-CH" dirty="0"/>
+          </a:p>
+        </p:txBody>
+      </p:sp>
+      <p:sp>
+        <p:nvSpPr>
+          <p:cNvPr id="4" name="Slide Number Placeholder 3"/>
+          <p:cNvSpPr>
+            <a:spLocks noGrp="1"/>
+          </p:cNvSpPr>
+          <p:nvPr>
+            <p:ph type="sldNum" idx="10"/>
+          </p:nvPr>
+        </p:nvSpPr>
+        <p:spPr/>
+        <p:txBody>
+          <a:bodyPr/>
+          <a:lstStyle/>
+          <a:p>
+            <a:fld id="{759A24F2-03E5-AD4B-98CB-4B6B1551B266}" type="slidenum">
+              <a:rPr lang="en-US" smtClean="0"/>
+              <a:pPr/>
+              <a:t>2</a:t>
+            </a:fld>
+            <a:endParaRPr lang="en-US"/>
           </a:p>
         </p:txBody>
       </p:sp>
     </p:spTree>
     <p:extLst>
       <p:ext uri="{BB962C8B-B14F-4D97-AF65-F5344CB8AC3E}">
-        <p14:creationId xmlns:p14="http://schemas.microsoft.com/office/powerpoint/2010/main" val="2768109831"/>
+        <p14:creationId xmlns:p14="http://schemas.microsoft.com/office/powerpoint/2010/main" val="800904389"/>
       </p:ext>
     </p:extLst>
   </p:cSld>
@@ -1426,7 +1519,7 @@
             <a:fld id="{4FDD847E-B1A9-5A4E-B483-8C411EA1E3FD}" type="slidenum">
               <a:rPr lang="en-US"/>
               <a:pPr/>
-              <a:t>4</a:t>
+              <a:t>3</a:t>
             </a:fld>
             <a:endParaRPr lang="en-US"/>
           </a:p>
@@ -1532,59 +1625,8 @@
           <a:lstStyle/>
           <a:p>
             <a:r>
-              <a:rPr lang="de-DE" dirty="0" smtClean="0"/>
-              <a:t>Beni</a:t>
-            </a:r>
-          </a:p>
-          <a:p>
-            <a:r>
-              <a:rPr lang="de-DE" dirty="0" smtClean="0"/>
-              <a:t>Kurz</a:t>
-            </a:r>
-            <a:r>
-              <a:rPr lang="de-DE" baseline="0" dirty="0" smtClean="0"/>
-              <a:t> Maske erklären, Links Spielfeld, Rechts Informationen/Controls</a:t>
-            </a:r>
-          </a:p>
-          <a:p>
-            <a:r>
-              <a:rPr lang="de-DE" baseline="0" dirty="0" smtClean="0"/>
-              <a:t>Schiedsrichter unterstützt Anfänger mit den möglichen Feldern pro Figur</a:t>
-            </a:r>
-            <a:endParaRPr lang="de-DE" dirty="0" smtClean="0"/>
-          </a:p>
-          <a:p>
-            <a:r>
-              <a:rPr lang="de-DE" dirty="0" smtClean="0"/>
-              <a:t>Sobald eine Figur </a:t>
-            </a:r>
-            <a:r>
               <a:rPr lang="de-DE" dirty="0" err="1" smtClean="0"/>
-              <a:t>ausgwählt</a:t>
-            </a:r>
-            <a:r>
-              <a:rPr lang="de-DE" baseline="0" dirty="0" smtClean="0"/>
-              <a:t> wird, wird ihr Feld rot eingefärbt. Die möglichen Felder der Figur sind grau hinterlegt.</a:t>
-            </a:r>
-          </a:p>
-          <a:p>
-            <a:pPr marL="171450" indent="-171450">
-              <a:buFontTx/>
-              <a:buChar char="-"/>
-            </a:pPr>
-            <a:r>
-              <a:rPr lang="de-DE" baseline="0" dirty="0" smtClean="0"/>
-              <a:t>Figur des Gegners eingefärbt</a:t>
-            </a:r>
-          </a:p>
-          <a:p>
-            <a:pPr marL="171450" indent="-171450">
-              <a:buFontTx/>
-              <a:buChar char="-"/>
-            </a:pPr>
-            <a:r>
-              <a:rPr lang="de-DE" baseline="0" dirty="0" smtClean="0"/>
-              <a:t>Eigene Figuren nicht (können nicht geschlagen werden)</a:t>
+              <a:t>Nadri</a:t>
             </a:r>
             <a:endParaRPr lang="de-DE" dirty="0"/>
           </a:p>
@@ -1593,7 +1635,7 @@
     </p:spTree>
     <p:extLst>
       <p:ext uri="{BB962C8B-B14F-4D97-AF65-F5344CB8AC3E}">
-        <p14:creationId xmlns:p14="http://schemas.microsoft.com/office/powerpoint/2010/main" val="83181629"/>
+        <p14:creationId xmlns:p14="http://schemas.microsoft.com/office/powerpoint/2010/main" val="2768109831"/>
       </p:ext>
     </p:extLst>
   </p:cSld>
@@ -1648,7 +1690,7 @@
             <a:fld id="{4FDD847E-B1A9-5A4E-B483-8C411EA1E3FD}" type="slidenum">
               <a:rPr lang="en-US"/>
               <a:pPr/>
-              <a:t>5</a:t>
+              <a:t>4</a:t>
             </a:fld>
             <a:endParaRPr lang="en-US"/>
           </a:p>
@@ -1761,32 +1803,52 @@
           <a:p>
             <a:r>
               <a:rPr lang="de-DE" dirty="0" smtClean="0"/>
-              <a:t>Schiedsrichter</a:t>
+              <a:t>Kurz</a:t>
             </a:r>
             <a:r>
               <a:rPr lang="de-DE" baseline="0" dirty="0" smtClean="0"/>
-              <a:t> bewahrt Anfänger vor unerlaubten Zügen</a:t>
+              <a:t> Maske erklären, Links Spielfeld, Rechts Informationen/Controls</a:t>
+            </a:r>
+          </a:p>
+          <a:p>
+            <a:r>
+              <a:rPr lang="de-DE" baseline="0" dirty="0" smtClean="0"/>
+              <a:t>Schiedsrichter unterstützt Anfänger mit den möglichen Feldern pro Figur</a:t>
             </a:r>
             <a:endParaRPr lang="de-DE" dirty="0" smtClean="0"/>
           </a:p>
           <a:p>
             <a:r>
               <a:rPr lang="de-DE" dirty="0" smtClean="0"/>
-              <a:t>Schwarzer König steht im Schach: Bauer hat keine möglichen Felder zur </a:t>
-            </a:r>
-            <a:r>
-              <a:rPr lang="de-DE" dirty="0" smtClean="0"/>
-              <a:t>Auswahl</a:t>
-            </a:r>
-          </a:p>
-          <a:p>
-            <a:r>
-              <a:rPr lang="de-DE" dirty="0" smtClean="0"/>
-              <a:t>Bei</a:t>
+              <a:t>Sobald eine Figur </a:t>
+            </a:r>
+            <a:r>
+              <a:rPr lang="de-DE" dirty="0" err="1" smtClean="0"/>
+              <a:t>ausgwählt</a:t>
             </a:r>
             <a:r>
               <a:rPr lang="de-DE" baseline="0" dirty="0" smtClean="0"/>
-              <a:t> z.B. Bauer C7 steht nur das Feld C6 zur Verfügung</a:t>
+              <a:t> wird, wird ihr Feld rot eingefärbt. Die möglichen Felder der Figur sind grau hinterlegt.</a:t>
+            </a:r>
+          </a:p>
+          <a:p>
+            <a:pPr marL="171450" indent="-171450">
+              <a:buFontTx/>
+              <a:buChar char="-"/>
+            </a:pPr>
+            <a:r>
+              <a:rPr lang="de-DE" baseline="0" dirty="0" smtClean="0"/>
+              <a:t>Figur des Gegners eingefärbt</a:t>
+            </a:r>
+          </a:p>
+          <a:p>
+            <a:pPr marL="171450" indent="-171450">
+              <a:buFontTx/>
+              <a:buChar char="-"/>
+            </a:pPr>
+            <a:r>
+              <a:rPr lang="de-DE" baseline="0" dirty="0" smtClean="0"/>
+              <a:t>Eigene Figuren nicht (können nicht geschlagen werden)</a:t>
             </a:r>
             <a:endParaRPr lang="de-DE" dirty="0"/>
           </a:p>
@@ -1795,7 +1857,7 @@
     </p:spTree>
     <p:extLst>
       <p:ext uri="{BB962C8B-B14F-4D97-AF65-F5344CB8AC3E}">
-        <p14:creationId xmlns:p14="http://schemas.microsoft.com/office/powerpoint/2010/main" val="1549346920"/>
+        <p14:creationId xmlns:p14="http://schemas.microsoft.com/office/powerpoint/2010/main" val="83181629"/>
       </p:ext>
     </p:extLst>
   </p:cSld>
@@ -1850,7 +1912,7 @@
             <a:fld id="{4FDD847E-B1A9-5A4E-B483-8C411EA1E3FD}" type="slidenum">
               <a:rPr lang="en-US"/>
               <a:pPr/>
-              <a:t>6</a:t>
+              <a:t>5</a:t>
             </a:fld>
             <a:endParaRPr lang="en-US"/>
           </a:p>
@@ -1955,130 +2017,49 @@
           <a:bodyPr wrap="none" anchor="ctr"/>
           <a:lstStyle/>
           <a:p>
-            <a:pPr marL="0" marR="0" indent="0" algn="l" defTabSz="449263" rtl="0" eaLnBrk="0" fontAlgn="base" latinLnBrk="0" hangingPunct="0">
-              <a:lnSpc>
-                <a:spcPct val="100000"/>
-              </a:lnSpc>
-              <a:spcBef>
-                <a:spcPct val="30000"/>
-              </a:spcBef>
-              <a:spcAft>
-                <a:spcPct val="0"/>
-              </a:spcAft>
-              <a:buClr>
-                <a:srgbClr val="000000"/>
-              </a:buClr>
-              <a:buSzPct val="100000"/>
-              <a:buFont typeface="Times New Roman" charset="0"/>
-              <a:buNone/>
-              <a:tabLst/>
-              <a:defRPr/>
-            </a:pPr>
-            <a:r>
-              <a:rPr lang="de-DE" dirty="0" err="1" smtClean="0"/>
-              <a:t>Sebi</a:t>
+            <a:r>
+              <a:rPr lang="de-DE" dirty="0" smtClean="0"/>
+              <a:t>Beni</a:t>
+            </a:r>
+          </a:p>
+          <a:p>
+            <a:r>
+              <a:rPr lang="de-DE" dirty="0" smtClean="0"/>
+              <a:t>Schiedsrichter</a:t>
+            </a:r>
+            <a:r>
+              <a:rPr lang="de-DE" baseline="0" dirty="0" smtClean="0"/>
+              <a:t> bewahrt Anfänger vor unerlaubten Zügen</a:t>
             </a:r>
             <a:endParaRPr lang="de-DE" dirty="0" smtClean="0"/>
           </a:p>
           <a:p>
-            <a:pPr marL="0" marR="0" indent="0" algn="l" defTabSz="449263" rtl="0" eaLnBrk="0" fontAlgn="base" latinLnBrk="0" hangingPunct="0">
-              <a:lnSpc>
-                <a:spcPct val="100000"/>
-              </a:lnSpc>
-              <a:spcBef>
-                <a:spcPct val="30000"/>
-              </a:spcBef>
-              <a:spcAft>
-                <a:spcPct val="0"/>
-              </a:spcAft>
-              <a:buClr>
-                <a:srgbClr val="000000"/>
-              </a:buClr>
-              <a:buSzPct val="100000"/>
-              <a:buFont typeface="Times New Roman" charset="0"/>
-              <a:buNone/>
-              <a:tabLst/>
-              <a:defRPr/>
-            </a:pPr>
-            <a:r>
-              <a:rPr lang="en-US" sz="1200" dirty="0" err="1" smtClean="0">
-                <a:latin typeface="Arial Black" charset="0"/>
-              </a:rPr>
-              <a:t>Selber</a:t>
-            </a:r>
-            <a:r>
-              <a:rPr lang="en-US" sz="1200" dirty="0" smtClean="0">
-                <a:latin typeface="Arial Black" charset="0"/>
-              </a:rPr>
-              <a:t> ins </a:t>
-            </a:r>
-            <a:r>
-              <a:rPr lang="en-US" sz="1200" dirty="0" err="1" smtClean="0">
-                <a:latin typeface="Arial Black" charset="0"/>
-              </a:rPr>
-              <a:t>Schach</a:t>
-            </a:r>
-            <a:r>
-              <a:rPr lang="en-US" sz="1200" dirty="0" smtClean="0">
-                <a:latin typeface="Arial Black" charset="0"/>
-              </a:rPr>
-              <a:t> </a:t>
-            </a:r>
-            <a:r>
-              <a:rPr lang="en-US" sz="1200" dirty="0" err="1" smtClean="0">
-                <a:latin typeface="Arial Black" charset="0"/>
-              </a:rPr>
-              <a:t>stellen</a:t>
-            </a:r>
-            <a:endParaRPr lang="de-DE" dirty="0" smtClean="0"/>
-          </a:p>
-          <a:p>
-            <a:pPr marL="0" marR="0" indent="0" algn="l" defTabSz="449263" rtl="0" eaLnBrk="0" fontAlgn="base" latinLnBrk="0" hangingPunct="0">
-              <a:lnSpc>
-                <a:spcPct val="100000"/>
-              </a:lnSpc>
-              <a:spcBef>
-                <a:spcPct val="30000"/>
-              </a:spcBef>
-              <a:spcAft>
-                <a:spcPct val="0"/>
-              </a:spcAft>
-              <a:buClr>
-                <a:srgbClr val="000000"/>
-              </a:buClr>
-              <a:buSzPct val="100000"/>
-              <a:buFont typeface="Times New Roman" charset="0"/>
-              <a:buNone/>
-              <a:tabLst/>
-              <a:defRPr/>
-            </a:pPr>
-            <a:r>
-              <a:rPr lang="de-DE" dirty="0" err="1" smtClean="0"/>
-              <a:t>Weisser</a:t>
-            </a:r>
             <a:r>
               <a:rPr lang="de-DE" dirty="0" smtClean="0"/>
-              <a:t> </a:t>
+              <a:t>Schwarzer König steht im Schach: Bauer hat keine möglichen Felder zur </a:t>
             </a:r>
             <a:r>
               <a:rPr lang="de-DE" dirty="0" smtClean="0"/>
-              <a:t>König hat keine möglichen Felder zur Auswahl.</a:t>
+              <a:t>Auswahl</a:t>
+            </a:r>
+          </a:p>
+          <a:p>
+            <a:r>
+              <a:rPr lang="de-DE" dirty="0" smtClean="0"/>
+              <a:t>Bei</a:t>
             </a:r>
             <a:r>
               <a:rPr lang="de-DE" baseline="0" dirty="0" smtClean="0"/>
-              <a:t> Er </a:t>
-            </a:r>
-            <a:r>
-              <a:rPr lang="de-DE" dirty="0" smtClean="0"/>
-              <a:t>steht sonst im Schach</a:t>
-            </a:r>
+              <a:t> z.B. Bauer C7 steht nur das Feld C6 zur Verfügung</a:t>
+            </a:r>
+            <a:endParaRPr lang="de-DE" dirty="0"/>
           </a:p>
         </p:txBody>
       </p:sp>
     </p:spTree>
     <p:extLst>
       <p:ext uri="{BB962C8B-B14F-4D97-AF65-F5344CB8AC3E}">
-        <p14:creationId xmlns:p14="http://schemas.microsoft.com/office/powerpoint/2010/main" val="584317852"/>
+        <p14:creationId xmlns:p14="http://schemas.microsoft.com/office/powerpoint/2010/main" val="1549346920"/>
       </p:ext>
     </p:extLst>
   </p:cSld>
@@ -2133,7 +2114,7 @@
             <a:fld id="{4FDD847E-B1A9-5A4E-B483-8C411EA1E3FD}" type="slidenum">
               <a:rPr lang="en-US"/>
               <a:pPr/>
-              <a:t>7</a:t>
+              <a:t>6</a:t>
             </a:fld>
             <a:endParaRPr lang="en-US"/>
           </a:p>
@@ -2238,13 +2219,6 @@
           <a:bodyPr wrap="none" anchor="ctr"/>
           <a:lstStyle/>
           <a:p>
-            <a:r>
-              <a:rPr lang="de-DE" dirty="0" err="1" smtClean="0"/>
-              <a:t>Flo</a:t>
-            </a:r>
-            <a:endParaRPr lang="de-DE" dirty="0" smtClean="0"/>
-          </a:p>
-          <a:p>
             <a:pPr marL="0" marR="0" indent="0" algn="l" defTabSz="449263" rtl="0" eaLnBrk="0" fontAlgn="base" latinLnBrk="0" hangingPunct="0">
               <a:lnSpc>
                 <a:spcPct val="100000"/>
@@ -2265,10 +2239,47 @@
               <a:defRPr/>
             </a:pPr>
             <a:r>
+              <a:rPr lang="de-DE" dirty="0" smtClean="0"/>
+              <a:t>Beni</a:t>
+            </a:r>
+          </a:p>
+          <a:p>
+            <a:pPr marL="0" marR="0" indent="0" algn="l" defTabSz="449263" rtl="0" eaLnBrk="0" fontAlgn="base" latinLnBrk="0" hangingPunct="0">
+              <a:lnSpc>
+                <a:spcPct val="100000"/>
+              </a:lnSpc>
+              <a:spcBef>
+                <a:spcPct val="30000"/>
+              </a:spcBef>
+              <a:spcAft>
+                <a:spcPct val="0"/>
+              </a:spcAft>
+              <a:buClr>
+                <a:srgbClr val="000000"/>
+              </a:buClr>
+              <a:buSzPct val="100000"/>
+              <a:buFont typeface="Times New Roman" charset="0"/>
+              <a:buNone/>
+              <a:tabLst/>
+              <a:defRPr/>
+            </a:pPr>
+            <a:r>
               <a:rPr lang="en-US" sz="1200" dirty="0" err="1" smtClean="0">
                 <a:latin typeface="Arial Black" charset="0"/>
               </a:rPr>
-              <a:t>Eigenen</a:t>
+              <a:t>Selber</a:t>
+            </a:r>
+            <a:r>
+              <a:rPr lang="en-US" sz="1200" dirty="0" smtClean="0">
+                <a:latin typeface="Arial Black" charset="0"/>
+              </a:rPr>
+              <a:t> ins </a:t>
+            </a:r>
+            <a:r>
+              <a:rPr lang="en-US" sz="1200" dirty="0" err="1" smtClean="0">
+                <a:latin typeface="Arial Black" charset="0"/>
+              </a:rPr>
+              <a:t>Schach</a:t>
             </a:r>
             <a:r>
               <a:rPr lang="en-US" sz="1200" dirty="0" smtClean="0">
@@ -2280,47 +2291,57 @@
               <a:rPr lang="en-US" sz="1200" dirty="0" err="1" smtClean="0">
                 <a:latin typeface="Arial Black" charset="0"/>
               </a:rPr>
-              <a:t>König</a:t>
-            </a:r>
-            <a:r>
-              <a:rPr lang="en-US" sz="1200" dirty="0" smtClean="0">
-                <a:latin typeface="Arial Black" charset="0"/>
-              </a:rPr>
-              <a:t> ins </a:t>
-            </a:r>
-            <a:r>
-              <a:rPr lang="en-US" sz="1200" dirty="0" err="1" smtClean="0">
-                <a:latin typeface="Arial Black" charset="0"/>
-              </a:rPr>
-              <a:t>Schach</a:t>
-            </a:r>
-            <a:r>
-              <a:rPr lang="en-US" sz="1200" dirty="0" smtClean="0">
-                <a:latin typeface="Arial Black" charset="0"/>
-              </a:rPr>
+              <a:t>stellen</a:t>
+            </a:r>
+            <a:endParaRPr lang="de-DE" dirty="0" smtClean="0"/>
+          </a:p>
+          <a:p>
+            <a:pPr marL="0" marR="0" indent="0" algn="l" defTabSz="449263" rtl="0" eaLnBrk="0" fontAlgn="base" latinLnBrk="0" hangingPunct="0">
+              <a:lnSpc>
+                <a:spcPct val="100000"/>
+              </a:lnSpc>
+              <a:spcBef>
+                <a:spcPct val="30000"/>
+              </a:spcBef>
+              <a:spcAft>
+                <a:spcPct val="0"/>
+              </a:spcAft>
+              <a:buClr>
+                <a:srgbClr val="000000"/>
+              </a:buClr>
+              <a:buSzPct val="100000"/>
+              <a:buFont typeface="Times New Roman" charset="0"/>
+              <a:buNone/>
+              <a:tabLst/>
+              <a:defRPr/>
+            </a:pPr>
+            <a:r>
+              <a:rPr lang="de-DE" dirty="0" err="1" smtClean="0"/>
+              <a:t>Weisser</a:t>
+            </a:r>
+            <a:r>
+              <a:rPr lang="de-DE" dirty="0" smtClean="0"/>
               <a:t> </a:t>
             </a:r>
             <a:r>
-              <a:rPr lang="en-US" sz="1200" dirty="0" err="1" smtClean="0">
-                <a:latin typeface="Arial Black" charset="0"/>
-              </a:rPr>
-              <a:t>stellen</a:t>
-            </a:r>
-            <a:endParaRPr lang="de-DE" dirty="0" smtClean="0"/>
-          </a:p>
-          <a:p>
-            <a:r>
               <a:rPr lang="de-DE" dirty="0" smtClean="0"/>
-              <a:t>Der schwarze Bauer  darf seinen König nicht ins Schach stellen</a:t>
-            </a:r>
-            <a:endParaRPr lang="de-DE" dirty="0"/>
+              <a:t>König hat keine möglichen Felder zur Auswahl.</a:t>
+            </a:r>
+            <a:r>
+              <a:rPr lang="de-DE" baseline="0" dirty="0" smtClean="0"/>
+              <a:t> Er </a:t>
+            </a:r>
+            <a:r>
+              <a:rPr lang="de-DE" dirty="0" smtClean="0"/>
+              <a:t>steht sonst im Schach</a:t>
+            </a:r>
           </a:p>
         </p:txBody>
       </p:sp>
     </p:spTree>
     <p:extLst>
       <p:ext uri="{BB962C8B-B14F-4D97-AF65-F5344CB8AC3E}">
-        <p14:creationId xmlns:p14="http://schemas.microsoft.com/office/powerpoint/2010/main" val="3955196070"/>
+        <p14:creationId xmlns:p14="http://schemas.microsoft.com/office/powerpoint/2010/main" val="584317852"/>
       </p:ext>
     </p:extLst>
   </p:cSld>
@@ -2375,7 +2396,7 @@
             <a:fld id="{4FDD847E-B1A9-5A4E-B483-8C411EA1E3FD}" type="slidenum">
               <a:rPr lang="en-US"/>
               <a:pPr/>
-              <a:t>8</a:t>
+              <a:t>7</a:t>
             </a:fld>
             <a:endParaRPr lang="en-US"/>
           </a:p>
@@ -2481,10 +2502,9 @@
           <a:lstStyle/>
           <a:p>
             <a:r>
-              <a:rPr lang="de-DE" dirty="0" err="1" smtClean="0"/>
-              <a:t>Flo</a:t>
-            </a:r>
-            <a:endParaRPr lang="de-DE" dirty="0" smtClean="0"/>
+              <a:rPr lang="de-DE" dirty="0" smtClean="0"/>
+              <a:t>Beni</a:t>
+            </a:r>
           </a:p>
           <a:p>
             <a:pPr marL="0" marR="0" indent="0" algn="l" defTabSz="449263" rtl="0" eaLnBrk="0" fontAlgn="base" latinLnBrk="0" hangingPunct="0">
@@ -2510,26 +2530,50 @@
               <a:rPr lang="en-US" sz="1200" dirty="0" err="1" smtClean="0">
                 <a:latin typeface="Arial Black" charset="0"/>
               </a:rPr>
-              <a:t>Schachmatt</a:t>
+              <a:t>Eigenen</a:t>
+            </a:r>
+            <a:r>
+              <a:rPr lang="en-US" sz="1200" dirty="0" smtClean="0">
+                <a:latin typeface="Arial Black" charset="0"/>
+              </a:rPr>
+              <a:t> </a:t>
+            </a:r>
+            <a:r>
+              <a:rPr lang="en-US" sz="1200" dirty="0" err="1" smtClean="0">
+                <a:latin typeface="Arial Black" charset="0"/>
+              </a:rPr>
+              <a:t>König</a:t>
+            </a:r>
+            <a:r>
+              <a:rPr lang="en-US" sz="1200" dirty="0" smtClean="0">
+                <a:latin typeface="Arial Black" charset="0"/>
+              </a:rPr>
+              <a:t> ins </a:t>
+            </a:r>
+            <a:r>
+              <a:rPr lang="en-US" sz="1200" dirty="0" err="1" smtClean="0">
+                <a:latin typeface="Arial Black" charset="0"/>
+              </a:rPr>
+              <a:t>Schach</a:t>
+            </a:r>
+            <a:r>
+              <a:rPr lang="en-US" sz="1200" dirty="0" smtClean="0">
+                <a:latin typeface="Arial Black" charset="0"/>
+              </a:rPr>
+              <a:t> </a:t>
+            </a:r>
+            <a:r>
+              <a:rPr lang="en-US" sz="1200" dirty="0" err="1" smtClean="0">
+                <a:latin typeface="Arial Black" charset="0"/>
+              </a:rPr>
+              <a:t>stellen</a:t>
             </a:r>
             <a:endParaRPr lang="de-DE" dirty="0" smtClean="0"/>
           </a:p>
           <a:p>
             <a:r>
               <a:rPr lang="de-DE" dirty="0" smtClean="0"/>
-              <a:t>Schachmatt:</a:t>
-            </a:r>
-            <a:r>
-              <a:rPr lang="de-DE" baseline="0" dirty="0" smtClean="0"/>
-              <a:t> unten rechts sieht man, dass </a:t>
-            </a:r>
-            <a:r>
-              <a:rPr lang="de-DE" baseline="0" dirty="0" err="1" smtClean="0"/>
-              <a:t>Weiss</a:t>
-            </a:r>
-            <a:r>
-              <a:rPr lang="de-DE" baseline="0" dirty="0" smtClean="0"/>
-              <a:t> gewonnen hat</a:t>
+              <a:t>Der schwarze Bauer  darf seinen König nicht ins Schach stellen</a:t>
             </a:r>
             <a:endParaRPr lang="de-DE" dirty="0"/>
           </a:p>
@@ -2538,7 +2582,7 @@
     </p:spTree>
     <p:extLst>
       <p:ext uri="{BB962C8B-B14F-4D97-AF65-F5344CB8AC3E}">
-        <p14:creationId xmlns:p14="http://schemas.microsoft.com/office/powerpoint/2010/main" val="2221938226"/>
+        <p14:creationId xmlns:p14="http://schemas.microsoft.com/office/powerpoint/2010/main" val="3955196070"/>
       </p:ext>
     </p:extLst>
   </p:cSld>
@@ -2593,7 +2637,7 @@
             <a:fld id="{4FDD847E-B1A9-5A4E-B483-8C411EA1E3FD}" type="slidenum">
               <a:rPr lang="en-US"/>
               <a:pPr/>
-              <a:t>9</a:t>
+              <a:t>8</a:t>
             </a:fld>
             <a:endParaRPr lang="en-US"/>
           </a:p>
@@ -2700,18 +2744,62 @@
           <a:p>
             <a:r>
               <a:rPr lang="de-DE" dirty="0" smtClean="0"/>
-              <a:t>Bauer 1, Läufer/Springer 3, Turm 5, Dame 10</a:t>
-            </a:r>
-          </a:p>
-          <a:p>
+              <a:t>Beni</a:t>
+            </a:r>
+          </a:p>
+          <a:p>
+            <a:pPr marL="0" marR="0" indent="0" algn="l" defTabSz="449263" rtl="0" eaLnBrk="0" fontAlgn="base" latinLnBrk="0" hangingPunct="0">
+              <a:lnSpc>
+                <a:spcPct val="100000"/>
+              </a:lnSpc>
+              <a:spcBef>
+                <a:spcPct val="30000"/>
+              </a:spcBef>
+              <a:spcAft>
+                <a:spcPct val="0"/>
+              </a:spcAft>
+              <a:buClr>
+                <a:srgbClr val="000000"/>
+              </a:buClr>
+              <a:buSzPct val="100000"/>
+              <a:buFont typeface="Times New Roman" charset="0"/>
+              <a:buNone/>
+              <a:tabLst/>
+              <a:defRPr/>
+            </a:pPr>
+            <a:r>
+              <a:rPr lang="en-US" sz="1200" dirty="0" err="1" smtClean="0">
+                <a:latin typeface="Arial Black" charset="0"/>
+              </a:rPr>
+              <a:t>Schachmatt</a:t>
+            </a:r>
             <a:endParaRPr lang="de-DE" dirty="0" smtClean="0"/>
+          </a:p>
+          <a:p>
+            <a:r>
+              <a:rPr lang="de-DE" dirty="0" smtClean="0"/>
+              <a:t>Schachmatt:</a:t>
+            </a:r>
+            <a:r>
+              <a:rPr lang="de-DE" baseline="0" dirty="0" smtClean="0"/>
+              <a:t> unten rechts sieht man, dass </a:t>
+            </a:r>
+            <a:r>
+              <a:rPr lang="de-DE" baseline="0" dirty="0" err="1" smtClean="0"/>
+              <a:t>Weiss</a:t>
+            </a:r>
+            <a:r>
+              <a:rPr lang="de-DE" baseline="0" dirty="0" smtClean="0"/>
+              <a:t> gewonnen hat</a:t>
+            </a:r>
+            <a:endParaRPr lang="de-DE" dirty="0"/>
           </a:p>
         </p:txBody>
       </p:sp>
     </p:spTree>
     <p:extLst>
       <p:ext uri="{BB962C8B-B14F-4D97-AF65-F5344CB8AC3E}">
-        <p14:creationId xmlns:p14="http://schemas.microsoft.com/office/powerpoint/2010/main" val="3311683657"/>
+        <p14:creationId xmlns:p14="http://schemas.microsoft.com/office/powerpoint/2010/main" val="2221938226"/>
       </p:ext>
     </p:extLst>
   </p:cSld>
@@ -2766,7 +2854,7 @@
             <a:fld id="{4FDD847E-B1A9-5A4E-B483-8C411EA1E3FD}" type="slidenum">
               <a:rPr lang="en-US"/>
               <a:pPr/>
-              <a:t>10</a:t>
+              <a:t>9</a:t>
             </a:fld>
             <a:endParaRPr lang="en-US"/>
           </a:p>
@@ -2871,6 +2959,19 @@
           <a:bodyPr wrap="none" anchor="ctr"/>
           <a:lstStyle/>
           <a:p>
+            <a:r>
+              <a:rPr lang="de-DE" dirty="0" err="1" smtClean="0"/>
+              <a:t>Sebi</a:t>
+            </a:r>
+            <a:endParaRPr lang="de-DE" dirty="0" smtClean="0"/>
+          </a:p>
+          <a:p>
+            <a:r>
+              <a:rPr lang="de-DE" dirty="0" smtClean="0"/>
+              <a:t>Bauer 1, Läufer/Springer 3, Turm 5, Dame 10</a:t>
+            </a:r>
+          </a:p>
+          <a:p>
             <a:endParaRPr lang="de-DE" dirty="0" smtClean="0"/>
           </a:p>
         </p:txBody>
@@ -2878,7 +2979,7 @@
     </p:spTree>
     <p:extLst>
       <p:ext uri="{BB962C8B-B14F-4D97-AF65-F5344CB8AC3E}">
-        <p14:creationId xmlns:p14="http://schemas.microsoft.com/office/powerpoint/2010/main" val="968918193"/>
+        <p14:creationId xmlns:p14="http://schemas.microsoft.com/office/powerpoint/2010/main" val="3311683657"/>
       </p:ext>
     </p:extLst>
   </p:cSld>
